--- a/Project Tableau.pptx
+++ b/Project Tableau.pptx
@@ -6,23 +6,15 @@
     <p:sldMasterId id="2147483665" r:id="rId2"/>
   </p:sldMasterIdLst>
   <p:notesMasterIdLst>
-    <p:notesMasterId r:id="rId17"/>
+    <p:notesMasterId r:id="rId9"/>
   </p:notesMasterIdLst>
   <p:sldIdLst>
     <p:sldId id="256" r:id="rId3"/>
     <p:sldId id="257" r:id="rId4"/>
     <p:sldId id="258" r:id="rId5"/>
     <p:sldId id="259" r:id="rId6"/>
-    <p:sldId id="260" r:id="rId7"/>
-    <p:sldId id="261" r:id="rId8"/>
-    <p:sldId id="262" r:id="rId9"/>
-    <p:sldId id="263" r:id="rId10"/>
-    <p:sldId id="264" r:id="rId11"/>
-    <p:sldId id="265" r:id="rId12"/>
-    <p:sldId id="266" r:id="rId13"/>
-    <p:sldId id="267" r:id="rId14"/>
-    <p:sldId id="268" r:id="rId15"/>
-    <p:sldId id="269" r:id="rId16"/>
+    <p:sldId id="270" r:id="rId7"/>
+    <p:sldId id="269" r:id="rId8"/>
   </p:sldIdLst>
   <p:sldSz cx="9144000" cy="5143500" type="screen16x9"/>
   <p:notesSz cx="6858000" cy="9144000"/>
@@ -975,616 +967,6 @@
 </p:notes>
 </file>
 
-<file path=ppt/notesSlides/notesSlide10.xml><?xml version="1.0" encoding="utf-8"?>
-<p:notes xmlns:a="http://schemas.openxmlformats.org/drawingml/2006/main" xmlns:r="http://schemas.openxmlformats.org/officeDocument/2006/relationships" xmlns:p="http://schemas.openxmlformats.org/presentationml/2006/main" showMasterSp="0" showMasterPhAnim="0">
-  <p:cSld>
-    <p:spTree>
-      <p:nvGrpSpPr>
-        <p:cNvPr id="1" name="Shape 155"/>
-        <p:cNvGrpSpPr/>
-        <p:nvPr/>
-      </p:nvGrpSpPr>
-      <p:grpSpPr>
-        <a:xfrm>
-          <a:off x="0" y="0"/>
-          <a:ext cx="0" cy="0"/>
-          <a:chOff x="0" y="0"/>
-          <a:chExt cx="0" cy="0"/>
-        </a:xfrm>
-      </p:grpSpPr>
-      <p:sp>
-        <p:nvSpPr>
-          <p:cNvPr id="156" name="Google Shape;156;p10:notes"/>
-          <p:cNvSpPr>
-            <a:spLocks noGrp="1" noRot="1" noChangeAspect="1"/>
-          </p:cNvSpPr>
-          <p:nvPr>
-            <p:ph type="sldImg" idx="2"/>
-          </p:nvPr>
-        </p:nvSpPr>
-        <p:spPr>
-          <a:xfrm>
-            <a:off x="381000" y="685800"/>
-            <a:ext cx="6096000" cy="3429000"/>
-          </a:xfrm>
-          <a:custGeom>
-            <a:avLst/>
-            <a:gdLst/>
-            <a:ahLst/>
-            <a:cxnLst/>
-            <a:rect l="l" t="t" r="r" b="b"/>
-            <a:pathLst>
-              <a:path w="120000" h="120000" extrusionOk="0">
-                <a:moveTo>
-                  <a:pt x="0" y="0"/>
-                </a:moveTo>
-                <a:lnTo>
-                  <a:pt x="120000" y="0"/>
-                </a:lnTo>
-                <a:lnTo>
-                  <a:pt x="120000" y="120000"/>
-                </a:lnTo>
-                <a:lnTo>
-                  <a:pt x="0" y="120000"/>
-                </a:lnTo>
-                <a:close/>
-              </a:path>
-            </a:pathLst>
-          </a:custGeom>
-          <a:noFill/>
-          <a:ln w="9525" cap="flat" cmpd="sng">
-            <a:solidFill>
-              <a:srgbClr val="000000"/>
-            </a:solidFill>
-            <a:prstDash val="solid"/>
-            <a:round/>
-            <a:headEnd type="none" w="sm" len="sm"/>
-            <a:tailEnd type="none" w="sm" len="sm"/>
-          </a:ln>
-        </p:spPr>
-      </p:sp>
-      <p:sp>
-        <p:nvSpPr>
-          <p:cNvPr id="157" name="Google Shape;157;p10:notes"/>
-          <p:cNvSpPr txBox="1">
-            <a:spLocks noGrp="1"/>
-          </p:cNvSpPr>
-          <p:nvPr>
-            <p:ph type="body" idx="1"/>
-          </p:nvPr>
-        </p:nvSpPr>
-        <p:spPr>
-          <a:xfrm>
-            <a:off x="685800" y="4343400"/>
-            <a:ext cx="5486400" cy="4114800"/>
-          </a:xfrm>
-          <a:prstGeom prst="rect">
-            <a:avLst/>
-          </a:prstGeom>
-          <a:noFill/>
-          <a:ln>
-            <a:noFill/>
-          </a:ln>
-        </p:spPr>
-        <p:txBody>
-          <a:bodyPr spcFirstLastPara="1" wrap="square" lIns="91425" tIns="91425" rIns="91425" bIns="91425" anchor="t" anchorCtr="0">
-            <a:noAutofit/>
-          </a:bodyPr>
-          <a:lstStyle/>
-          <a:p>
-            <a:pPr marL="0" lvl="0" indent="0" algn="l" rtl="0">
-              <a:lnSpc>
-                <a:spcPct val="100000"/>
-              </a:lnSpc>
-              <a:spcBef>
-                <a:spcPts val="0"/>
-              </a:spcBef>
-              <a:spcAft>
-                <a:spcPts val="0"/>
-              </a:spcAft>
-              <a:buSzPts val="1100"/>
-              <a:buNone/>
-            </a:pPr>
-            <a:endParaRPr/>
-          </a:p>
-        </p:txBody>
-      </p:sp>
-    </p:spTree>
-  </p:cSld>
-  <p:clrMapOvr>
-    <a:masterClrMapping/>
-  </p:clrMapOvr>
-</p:notes>
-</file>
-
-<file path=ppt/notesSlides/notesSlide11.xml><?xml version="1.0" encoding="utf-8"?>
-<p:notes xmlns:a="http://schemas.openxmlformats.org/drawingml/2006/main" xmlns:r="http://schemas.openxmlformats.org/officeDocument/2006/relationships" xmlns:p="http://schemas.openxmlformats.org/presentationml/2006/main" showMasterSp="0" showMasterPhAnim="0">
-  <p:cSld>
-    <p:spTree>
-      <p:nvGrpSpPr>
-        <p:cNvPr id="1" name="Shape 162"/>
-        <p:cNvGrpSpPr/>
-        <p:nvPr/>
-      </p:nvGrpSpPr>
-      <p:grpSpPr>
-        <a:xfrm>
-          <a:off x="0" y="0"/>
-          <a:ext cx="0" cy="0"/>
-          <a:chOff x="0" y="0"/>
-          <a:chExt cx="0" cy="0"/>
-        </a:xfrm>
-      </p:grpSpPr>
-      <p:sp>
-        <p:nvSpPr>
-          <p:cNvPr id="163" name="Google Shape;163;p11:notes"/>
-          <p:cNvSpPr txBox="1">
-            <a:spLocks noGrp="1"/>
-          </p:cNvSpPr>
-          <p:nvPr>
-            <p:ph type="body" idx="1"/>
-          </p:nvPr>
-        </p:nvSpPr>
-        <p:spPr>
-          <a:xfrm>
-            <a:off x="685800" y="4343378"/>
-            <a:ext cx="5486400" cy="4114800"/>
-          </a:xfrm>
-          <a:prstGeom prst="rect">
-            <a:avLst/>
-          </a:prstGeom>
-          <a:noFill/>
-          <a:ln>
-            <a:noFill/>
-          </a:ln>
-        </p:spPr>
-        <p:txBody>
-          <a:bodyPr spcFirstLastPara="1" wrap="square" lIns="91425" tIns="91425" rIns="91425" bIns="91425" anchor="t" anchorCtr="0">
-            <a:noAutofit/>
-          </a:bodyPr>
-          <a:lstStyle/>
-          <a:p>
-            <a:pPr marL="0" lvl="0" indent="0" algn="l" rtl="0">
-              <a:lnSpc>
-                <a:spcPct val="100000"/>
-              </a:lnSpc>
-              <a:spcBef>
-                <a:spcPts val="0"/>
-              </a:spcBef>
-              <a:spcAft>
-                <a:spcPts val="0"/>
-              </a:spcAft>
-              <a:buSzPts val="1100"/>
-              <a:buNone/>
-            </a:pPr>
-            <a:endParaRPr/>
-          </a:p>
-        </p:txBody>
-      </p:sp>
-      <p:sp>
-        <p:nvSpPr>
-          <p:cNvPr id="164" name="Google Shape;164;p11:notes"/>
-          <p:cNvSpPr>
-            <a:spLocks noGrp="1" noRot="1" noChangeAspect="1"/>
-          </p:cNvSpPr>
-          <p:nvPr>
-            <p:ph type="sldImg" idx="2"/>
-          </p:nvPr>
-        </p:nvSpPr>
-        <p:spPr>
-          <a:xfrm>
-            <a:off x="381000" y="685800"/>
-            <a:ext cx="6096000" cy="3429000"/>
-          </a:xfrm>
-          <a:custGeom>
-            <a:avLst/>
-            <a:gdLst/>
-            <a:ahLst/>
-            <a:cxnLst/>
-            <a:rect l="l" t="t" r="r" b="b"/>
-            <a:pathLst>
-              <a:path w="120000" h="120000" extrusionOk="0">
-                <a:moveTo>
-                  <a:pt x="0" y="0"/>
-                </a:moveTo>
-                <a:lnTo>
-                  <a:pt x="120000" y="0"/>
-                </a:lnTo>
-                <a:lnTo>
-                  <a:pt x="120000" y="120000"/>
-                </a:lnTo>
-                <a:lnTo>
-                  <a:pt x="0" y="120000"/>
-                </a:lnTo>
-                <a:close/>
-              </a:path>
-            </a:pathLst>
-          </a:custGeom>
-          <a:noFill/>
-          <a:ln w="9525" cap="flat" cmpd="sng">
-            <a:solidFill>
-              <a:srgbClr val="000000"/>
-            </a:solidFill>
-            <a:prstDash val="solid"/>
-            <a:round/>
-            <a:headEnd type="none" w="sm" len="sm"/>
-            <a:tailEnd type="none" w="sm" len="sm"/>
-          </a:ln>
-        </p:spPr>
-      </p:sp>
-    </p:spTree>
-  </p:cSld>
-  <p:clrMapOvr>
-    <a:masterClrMapping/>
-  </p:clrMapOvr>
-</p:notes>
-</file>
-
-<file path=ppt/notesSlides/notesSlide12.xml><?xml version="1.0" encoding="utf-8"?>
-<p:notes xmlns:a="http://schemas.openxmlformats.org/drawingml/2006/main" xmlns:r="http://schemas.openxmlformats.org/officeDocument/2006/relationships" xmlns:p="http://schemas.openxmlformats.org/presentationml/2006/main" showMasterSp="0" showMasterPhAnim="0">
-  <p:cSld>
-    <p:spTree>
-      <p:nvGrpSpPr>
-        <p:cNvPr id="1" name="Shape 168"/>
-        <p:cNvGrpSpPr/>
-        <p:nvPr/>
-      </p:nvGrpSpPr>
-      <p:grpSpPr>
-        <a:xfrm>
-          <a:off x="0" y="0"/>
-          <a:ext cx="0" cy="0"/>
-          <a:chOff x="0" y="0"/>
-          <a:chExt cx="0" cy="0"/>
-        </a:xfrm>
-      </p:grpSpPr>
-      <p:sp>
-        <p:nvSpPr>
-          <p:cNvPr id="169" name="Google Shape;169;p12:notes"/>
-          <p:cNvSpPr>
-            <a:spLocks noGrp="1" noRot="1" noChangeAspect="1"/>
-          </p:cNvSpPr>
-          <p:nvPr>
-            <p:ph type="sldImg" idx="2"/>
-          </p:nvPr>
-        </p:nvSpPr>
-        <p:spPr>
-          <a:xfrm>
-            <a:off x="381000" y="685800"/>
-            <a:ext cx="6096000" cy="3429000"/>
-          </a:xfrm>
-          <a:custGeom>
-            <a:avLst/>
-            <a:gdLst/>
-            <a:ahLst/>
-            <a:cxnLst/>
-            <a:rect l="l" t="t" r="r" b="b"/>
-            <a:pathLst>
-              <a:path w="120000" h="120000" extrusionOk="0">
-                <a:moveTo>
-                  <a:pt x="0" y="0"/>
-                </a:moveTo>
-                <a:lnTo>
-                  <a:pt x="120000" y="0"/>
-                </a:lnTo>
-                <a:lnTo>
-                  <a:pt x="120000" y="120000"/>
-                </a:lnTo>
-                <a:lnTo>
-                  <a:pt x="0" y="120000"/>
-                </a:lnTo>
-                <a:close/>
-              </a:path>
-            </a:pathLst>
-          </a:custGeom>
-          <a:noFill/>
-          <a:ln w="9525" cap="flat" cmpd="sng">
-            <a:solidFill>
-              <a:srgbClr val="000000"/>
-            </a:solidFill>
-            <a:prstDash val="solid"/>
-            <a:round/>
-            <a:headEnd type="none" w="sm" len="sm"/>
-            <a:tailEnd type="none" w="sm" len="sm"/>
-          </a:ln>
-        </p:spPr>
-      </p:sp>
-      <p:sp>
-        <p:nvSpPr>
-          <p:cNvPr id="170" name="Google Shape;170;p12:notes"/>
-          <p:cNvSpPr txBox="1">
-            <a:spLocks noGrp="1"/>
-          </p:cNvSpPr>
-          <p:nvPr>
-            <p:ph type="body" idx="1"/>
-          </p:nvPr>
-        </p:nvSpPr>
-        <p:spPr>
-          <a:xfrm>
-            <a:off x="685800" y="4343400"/>
-            <a:ext cx="5486400" cy="4114800"/>
-          </a:xfrm>
-          <a:prstGeom prst="rect">
-            <a:avLst/>
-          </a:prstGeom>
-          <a:noFill/>
-          <a:ln>
-            <a:noFill/>
-          </a:ln>
-        </p:spPr>
-        <p:txBody>
-          <a:bodyPr spcFirstLastPara="1" wrap="square" lIns="91425" tIns="91425" rIns="91425" bIns="91425" anchor="t" anchorCtr="0">
-            <a:noAutofit/>
-          </a:bodyPr>
-          <a:lstStyle/>
-          <a:p>
-            <a:pPr marL="0" lvl="0" indent="0" algn="l" rtl="0">
-              <a:lnSpc>
-                <a:spcPct val="100000"/>
-              </a:lnSpc>
-              <a:spcBef>
-                <a:spcPts val="0"/>
-              </a:spcBef>
-              <a:spcAft>
-                <a:spcPts val="0"/>
-              </a:spcAft>
-              <a:buSzPts val="1100"/>
-              <a:buNone/>
-            </a:pPr>
-            <a:endParaRPr/>
-          </a:p>
-        </p:txBody>
-      </p:sp>
-    </p:spTree>
-  </p:cSld>
-  <p:clrMapOvr>
-    <a:masterClrMapping/>
-  </p:clrMapOvr>
-</p:notes>
-</file>
-
-<file path=ppt/notesSlides/notesSlide13.xml><?xml version="1.0" encoding="utf-8"?>
-<p:notes xmlns:a="http://schemas.openxmlformats.org/drawingml/2006/main" xmlns:r="http://schemas.openxmlformats.org/officeDocument/2006/relationships" xmlns:p="http://schemas.openxmlformats.org/presentationml/2006/main" showMasterSp="0" showMasterPhAnim="0">
-  <p:cSld>
-    <p:spTree>
-      <p:nvGrpSpPr>
-        <p:cNvPr id="1" name="Shape 174"/>
-        <p:cNvGrpSpPr/>
-        <p:nvPr/>
-      </p:nvGrpSpPr>
-      <p:grpSpPr>
-        <a:xfrm>
-          <a:off x="0" y="0"/>
-          <a:ext cx="0" cy="0"/>
-          <a:chOff x="0" y="0"/>
-          <a:chExt cx="0" cy="0"/>
-        </a:xfrm>
-      </p:grpSpPr>
-      <p:sp>
-        <p:nvSpPr>
-          <p:cNvPr id="175" name="Google Shape;175;p13:notes"/>
-          <p:cNvSpPr txBox="1">
-            <a:spLocks noGrp="1"/>
-          </p:cNvSpPr>
-          <p:nvPr>
-            <p:ph type="body" idx="1"/>
-          </p:nvPr>
-        </p:nvSpPr>
-        <p:spPr>
-          <a:xfrm>
-            <a:off x="685800" y="4343378"/>
-            <a:ext cx="5486400" cy="4114800"/>
-          </a:xfrm>
-          <a:prstGeom prst="rect">
-            <a:avLst/>
-          </a:prstGeom>
-          <a:noFill/>
-          <a:ln>
-            <a:noFill/>
-          </a:ln>
-        </p:spPr>
-        <p:txBody>
-          <a:bodyPr spcFirstLastPara="1" wrap="square" lIns="91425" tIns="91425" rIns="91425" bIns="91425" anchor="t" anchorCtr="0">
-            <a:noAutofit/>
-          </a:bodyPr>
-          <a:lstStyle/>
-          <a:p>
-            <a:pPr marL="0" lvl="0" indent="0" algn="l" rtl="0">
-              <a:lnSpc>
-                <a:spcPct val="100000"/>
-              </a:lnSpc>
-              <a:spcBef>
-                <a:spcPts val="0"/>
-              </a:spcBef>
-              <a:spcAft>
-                <a:spcPts val="0"/>
-              </a:spcAft>
-              <a:buSzPts val="1100"/>
-              <a:buNone/>
-            </a:pPr>
-            <a:endParaRPr/>
-          </a:p>
-        </p:txBody>
-      </p:sp>
-      <p:sp>
-        <p:nvSpPr>
-          <p:cNvPr id="176" name="Google Shape;176;p13:notes"/>
-          <p:cNvSpPr>
-            <a:spLocks noGrp="1" noRot="1" noChangeAspect="1"/>
-          </p:cNvSpPr>
-          <p:nvPr>
-            <p:ph type="sldImg" idx="2"/>
-          </p:nvPr>
-        </p:nvSpPr>
-        <p:spPr>
-          <a:xfrm>
-            <a:off x="381000" y="685800"/>
-            <a:ext cx="6096000" cy="3429000"/>
-          </a:xfrm>
-          <a:custGeom>
-            <a:avLst/>
-            <a:gdLst/>
-            <a:ahLst/>
-            <a:cxnLst/>
-            <a:rect l="l" t="t" r="r" b="b"/>
-            <a:pathLst>
-              <a:path w="120000" h="120000" extrusionOk="0">
-                <a:moveTo>
-                  <a:pt x="0" y="0"/>
-                </a:moveTo>
-                <a:lnTo>
-                  <a:pt x="120000" y="0"/>
-                </a:lnTo>
-                <a:lnTo>
-                  <a:pt x="120000" y="120000"/>
-                </a:lnTo>
-                <a:lnTo>
-                  <a:pt x="0" y="120000"/>
-                </a:lnTo>
-                <a:close/>
-              </a:path>
-            </a:pathLst>
-          </a:custGeom>
-          <a:noFill/>
-          <a:ln w="9525" cap="flat" cmpd="sng">
-            <a:solidFill>
-              <a:srgbClr val="000000"/>
-            </a:solidFill>
-            <a:prstDash val="solid"/>
-            <a:round/>
-            <a:headEnd type="none" w="sm" len="sm"/>
-            <a:tailEnd type="none" w="sm" len="sm"/>
-          </a:ln>
-        </p:spPr>
-      </p:sp>
-    </p:spTree>
-  </p:cSld>
-  <p:clrMapOvr>
-    <a:masterClrMapping/>
-  </p:clrMapOvr>
-</p:notes>
-</file>
-
-<file path=ppt/notesSlides/notesSlide14.xml><?xml version="1.0" encoding="utf-8"?>
-<p:notes xmlns:a="http://schemas.openxmlformats.org/drawingml/2006/main" xmlns:r="http://schemas.openxmlformats.org/officeDocument/2006/relationships" xmlns:p="http://schemas.openxmlformats.org/presentationml/2006/main" showMasterSp="0" showMasterPhAnim="0">
-  <p:cSld>
-    <p:spTree>
-      <p:nvGrpSpPr>
-        <p:cNvPr id="1" name="Shape 180"/>
-        <p:cNvGrpSpPr/>
-        <p:nvPr/>
-      </p:nvGrpSpPr>
-      <p:grpSpPr>
-        <a:xfrm>
-          <a:off x="0" y="0"/>
-          <a:ext cx="0" cy="0"/>
-          <a:chOff x="0" y="0"/>
-          <a:chExt cx="0" cy="0"/>
-        </a:xfrm>
-      </p:grpSpPr>
-      <p:sp>
-        <p:nvSpPr>
-          <p:cNvPr id="181" name="Google Shape;181;p14:notes"/>
-          <p:cNvSpPr txBox="1">
-            <a:spLocks noGrp="1"/>
-          </p:cNvSpPr>
-          <p:nvPr>
-            <p:ph type="body" idx="1"/>
-          </p:nvPr>
-        </p:nvSpPr>
-        <p:spPr>
-          <a:xfrm>
-            <a:off x="685800" y="4343378"/>
-            <a:ext cx="5486400" cy="4114800"/>
-          </a:xfrm>
-          <a:prstGeom prst="rect">
-            <a:avLst/>
-          </a:prstGeom>
-          <a:noFill/>
-          <a:ln>
-            <a:noFill/>
-          </a:ln>
-        </p:spPr>
-        <p:txBody>
-          <a:bodyPr spcFirstLastPara="1" wrap="square" lIns="91425" tIns="91425" rIns="91425" bIns="91425" anchor="t" anchorCtr="0">
-            <a:noAutofit/>
-          </a:bodyPr>
-          <a:lstStyle/>
-          <a:p>
-            <a:pPr marL="0" lvl="0" indent="0" algn="l" rtl="0">
-              <a:lnSpc>
-                <a:spcPct val="100000"/>
-              </a:lnSpc>
-              <a:spcBef>
-                <a:spcPts val="0"/>
-              </a:spcBef>
-              <a:spcAft>
-                <a:spcPts val="0"/>
-              </a:spcAft>
-              <a:buSzPts val="1100"/>
-              <a:buNone/>
-            </a:pPr>
-            <a:endParaRPr/>
-          </a:p>
-        </p:txBody>
-      </p:sp>
-      <p:sp>
-        <p:nvSpPr>
-          <p:cNvPr id="182" name="Google Shape;182;p14:notes"/>
-          <p:cNvSpPr>
-            <a:spLocks noGrp="1" noRot="1" noChangeAspect="1"/>
-          </p:cNvSpPr>
-          <p:nvPr>
-            <p:ph type="sldImg" idx="2"/>
-          </p:nvPr>
-        </p:nvSpPr>
-        <p:spPr>
-          <a:xfrm>
-            <a:off x="381000" y="685800"/>
-            <a:ext cx="6096000" cy="3429000"/>
-          </a:xfrm>
-          <a:custGeom>
-            <a:avLst/>
-            <a:gdLst/>
-            <a:ahLst/>
-            <a:cxnLst/>
-            <a:rect l="l" t="t" r="r" b="b"/>
-            <a:pathLst>
-              <a:path w="120000" h="120000" extrusionOk="0">
-                <a:moveTo>
-                  <a:pt x="0" y="0"/>
-                </a:moveTo>
-                <a:lnTo>
-                  <a:pt x="120000" y="0"/>
-                </a:lnTo>
-                <a:lnTo>
-                  <a:pt x="120000" y="120000"/>
-                </a:lnTo>
-                <a:lnTo>
-                  <a:pt x="0" y="120000"/>
-                </a:lnTo>
-                <a:close/>
-              </a:path>
-            </a:pathLst>
-          </a:custGeom>
-          <a:noFill/>
-          <a:ln w="9525" cap="flat" cmpd="sng">
-            <a:solidFill>
-              <a:srgbClr val="000000"/>
-            </a:solidFill>
-            <a:prstDash val="solid"/>
-            <a:round/>
-            <a:headEnd type="none" w="sm" len="sm"/>
-            <a:tailEnd type="none" w="sm" len="sm"/>
-          </a:ln>
-        </p:spPr>
-      </p:sp>
-    </p:spTree>
-  </p:cSld>
-  <p:clrMapOvr>
-    <a:masterClrMapping/>
-  </p:clrMapOvr>
-</p:notes>
-</file>
-
 <file path=ppt/notesSlides/notesSlide2.xml><?xml version="1.0" encoding="utf-8"?>
 <p:notes xmlns:a="http://schemas.openxmlformats.org/drawingml/2006/main" xmlns:r="http://schemas.openxmlformats.org/officeDocument/2006/relationships" xmlns:p="http://schemas.openxmlformats.org/presentationml/2006/main" showMasterSp="0" showMasterPhAnim="0">
   <p:cSld>
@@ -1956,7 +1338,7 @@
   <p:cSld>
     <p:spTree>
       <p:nvGrpSpPr>
-        <p:cNvPr id="1" name="Shape 120"/>
+        <p:cNvPr id="1" name="Shape 180"/>
         <p:cNvGrpSpPr/>
         <p:nvPr/>
       </p:nvGrpSpPr>
@@ -1970,7 +1352,7 @@
       </p:grpSpPr>
       <p:sp>
         <p:nvSpPr>
-          <p:cNvPr id="121" name="Google Shape;121;p5:notes"/>
+          <p:cNvPr id="181" name="Google Shape;181;p14:notes"/>
           <p:cNvSpPr txBox="1">
             <a:spLocks noGrp="1"/>
           </p:cNvSpPr>
@@ -2016,7 +1398,7 @@
       </p:sp>
       <p:sp>
         <p:nvSpPr>
-          <p:cNvPr id="122" name="Google Shape;122;p5:notes"/>
+          <p:cNvPr id="182" name="Google Shape;182;p14:notes"/>
           <p:cNvSpPr>
             <a:spLocks noGrp="1" noRot="1" noChangeAspect="1"/>
           </p:cNvSpPr>
@@ -2064,494 +1446,6 @@
             <a:tailEnd type="none" w="sm" len="sm"/>
           </a:ln>
         </p:spPr>
-      </p:sp>
-    </p:spTree>
-  </p:cSld>
-  <p:clrMapOvr>
-    <a:masterClrMapping/>
-  </p:clrMapOvr>
-</p:notes>
-</file>
-
-<file path=ppt/notesSlides/notesSlide6.xml><?xml version="1.0" encoding="utf-8"?>
-<p:notes xmlns:a="http://schemas.openxmlformats.org/drawingml/2006/main" xmlns:r="http://schemas.openxmlformats.org/officeDocument/2006/relationships" xmlns:p="http://schemas.openxmlformats.org/presentationml/2006/main" showMasterSp="0" showMasterPhAnim="0">
-  <p:cSld>
-    <p:spTree>
-      <p:nvGrpSpPr>
-        <p:cNvPr id="1" name="Shape 126"/>
-        <p:cNvGrpSpPr/>
-        <p:nvPr/>
-      </p:nvGrpSpPr>
-      <p:grpSpPr>
-        <a:xfrm>
-          <a:off x="0" y="0"/>
-          <a:ext cx="0" cy="0"/>
-          <a:chOff x="0" y="0"/>
-          <a:chExt cx="0" cy="0"/>
-        </a:xfrm>
-      </p:grpSpPr>
-      <p:sp>
-        <p:nvSpPr>
-          <p:cNvPr id="127" name="Google Shape;127;p6:notes"/>
-          <p:cNvSpPr>
-            <a:spLocks noGrp="1" noRot="1" noChangeAspect="1"/>
-          </p:cNvSpPr>
-          <p:nvPr>
-            <p:ph type="sldImg" idx="2"/>
-          </p:nvPr>
-        </p:nvSpPr>
-        <p:spPr>
-          <a:xfrm>
-            <a:off x="381000" y="685800"/>
-            <a:ext cx="6096000" cy="3429000"/>
-          </a:xfrm>
-          <a:custGeom>
-            <a:avLst/>
-            <a:gdLst/>
-            <a:ahLst/>
-            <a:cxnLst/>
-            <a:rect l="l" t="t" r="r" b="b"/>
-            <a:pathLst>
-              <a:path w="120000" h="120000" extrusionOk="0">
-                <a:moveTo>
-                  <a:pt x="0" y="0"/>
-                </a:moveTo>
-                <a:lnTo>
-                  <a:pt x="120000" y="0"/>
-                </a:lnTo>
-                <a:lnTo>
-                  <a:pt x="120000" y="120000"/>
-                </a:lnTo>
-                <a:lnTo>
-                  <a:pt x="0" y="120000"/>
-                </a:lnTo>
-                <a:close/>
-              </a:path>
-            </a:pathLst>
-          </a:custGeom>
-          <a:noFill/>
-          <a:ln w="9525" cap="flat" cmpd="sng">
-            <a:solidFill>
-              <a:srgbClr val="000000"/>
-            </a:solidFill>
-            <a:prstDash val="solid"/>
-            <a:round/>
-            <a:headEnd type="none" w="sm" len="sm"/>
-            <a:tailEnd type="none" w="sm" len="sm"/>
-          </a:ln>
-        </p:spPr>
-      </p:sp>
-      <p:sp>
-        <p:nvSpPr>
-          <p:cNvPr id="128" name="Google Shape;128;p6:notes"/>
-          <p:cNvSpPr txBox="1">
-            <a:spLocks noGrp="1"/>
-          </p:cNvSpPr>
-          <p:nvPr>
-            <p:ph type="body" idx="1"/>
-          </p:nvPr>
-        </p:nvSpPr>
-        <p:spPr>
-          <a:xfrm>
-            <a:off x="685800" y="4343400"/>
-            <a:ext cx="5486400" cy="4114800"/>
-          </a:xfrm>
-          <a:prstGeom prst="rect">
-            <a:avLst/>
-          </a:prstGeom>
-          <a:noFill/>
-          <a:ln>
-            <a:noFill/>
-          </a:ln>
-        </p:spPr>
-        <p:txBody>
-          <a:bodyPr spcFirstLastPara="1" wrap="square" lIns="91425" tIns="91425" rIns="91425" bIns="91425" anchor="t" anchorCtr="0">
-            <a:noAutofit/>
-          </a:bodyPr>
-          <a:lstStyle/>
-          <a:p>
-            <a:pPr marL="0" lvl="0" indent="0" algn="l" rtl="0">
-              <a:lnSpc>
-                <a:spcPct val="100000"/>
-              </a:lnSpc>
-              <a:spcBef>
-                <a:spcPts val="0"/>
-              </a:spcBef>
-              <a:spcAft>
-                <a:spcPts val="0"/>
-              </a:spcAft>
-              <a:buSzPts val="1100"/>
-              <a:buNone/>
-            </a:pPr>
-            <a:endParaRPr/>
-          </a:p>
-        </p:txBody>
-      </p:sp>
-    </p:spTree>
-  </p:cSld>
-  <p:clrMapOvr>
-    <a:masterClrMapping/>
-  </p:clrMapOvr>
-</p:notes>
-</file>
-
-<file path=ppt/notesSlides/notesSlide7.xml><?xml version="1.0" encoding="utf-8"?>
-<p:notes xmlns:a="http://schemas.openxmlformats.org/drawingml/2006/main" xmlns:r="http://schemas.openxmlformats.org/officeDocument/2006/relationships" xmlns:p="http://schemas.openxmlformats.org/presentationml/2006/main" showMasterSp="0" showMasterPhAnim="0">
-  <p:cSld>
-    <p:spTree>
-      <p:nvGrpSpPr>
-        <p:cNvPr id="1" name="Shape 132"/>
-        <p:cNvGrpSpPr/>
-        <p:nvPr/>
-      </p:nvGrpSpPr>
-      <p:grpSpPr>
-        <a:xfrm>
-          <a:off x="0" y="0"/>
-          <a:ext cx="0" cy="0"/>
-          <a:chOff x="0" y="0"/>
-          <a:chExt cx="0" cy="0"/>
-        </a:xfrm>
-      </p:grpSpPr>
-      <p:sp>
-        <p:nvSpPr>
-          <p:cNvPr id="133" name="Google Shape;133;p7:notes"/>
-          <p:cNvSpPr txBox="1">
-            <a:spLocks noGrp="1"/>
-          </p:cNvSpPr>
-          <p:nvPr>
-            <p:ph type="body" idx="1"/>
-          </p:nvPr>
-        </p:nvSpPr>
-        <p:spPr>
-          <a:xfrm>
-            <a:off x="685800" y="4343378"/>
-            <a:ext cx="5486400" cy="4114800"/>
-          </a:xfrm>
-          <a:prstGeom prst="rect">
-            <a:avLst/>
-          </a:prstGeom>
-          <a:noFill/>
-          <a:ln>
-            <a:noFill/>
-          </a:ln>
-        </p:spPr>
-        <p:txBody>
-          <a:bodyPr spcFirstLastPara="1" wrap="square" lIns="91425" tIns="91425" rIns="91425" bIns="91425" anchor="t" anchorCtr="0">
-            <a:noAutofit/>
-          </a:bodyPr>
-          <a:lstStyle/>
-          <a:p>
-            <a:pPr marL="0" lvl="0" indent="0" algn="l" rtl="0">
-              <a:lnSpc>
-                <a:spcPct val="100000"/>
-              </a:lnSpc>
-              <a:spcBef>
-                <a:spcPts val="0"/>
-              </a:spcBef>
-              <a:spcAft>
-                <a:spcPts val="0"/>
-              </a:spcAft>
-              <a:buSzPts val="1100"/>
-              <a:buNone/>
-            </a:pPr>
-            <a:endParaRPr/>
-          </a:p>
-        </p:txBody>
-      </p:sp>
-      <p:sp>
-        <p:nvSpPr>
-          <p:cNvPr id="134" name="Google Shape;134;p7:notes"/>
-          <p:cNvSpPr>
-            <a:spLocks noGrp="1" noRot="1" noChangeAspect="1"/>
-          </p:cNvSpPr>
-          <p:nvPr>
-            <p:ph type="sldImg" idx="2"/>
-          </p:nvPr>
-        </p:nvSpPr>
-        <p:spPr>
-          <a:xfrm>
-            <a:off x="381000" y="685800"/>
-            <a:ext cx="6096000" cy="3429000"/>
-          </a:xfrm>
-          <a:custGeom>
-            <a:avLst/>
-            <a:gdLst/>
-            <a:ahLst/>
-            <a:cxnLst/>
-            <a:rect l="l" t="t" r="r" b="b"/>
-            <a:pathLst>
-              <a:path w="120000" h="120000" extrusionOk="0">
-                <a:moveTo>
-                  <a:pt x="0" y="0"/>
-                </a:moveTo>
-                <a:lnTo>
-                  <a:pt x="120000" y="0"/>
-                </a:lnTo>
-                <a:lnTo>
-                  <a:pt x="120000" y="120000"/>
-                </a:lnTo>
-                <a:lnTo>
-                  <a:pt x="0" y="120000"/>
-                </a:lnTo>
-                <a:close/>
-              </a:path>
-            </a:pathLst>
-          </a:custGeom>
-          <a:noFill/>
-          <a:ln w="9525" cap="flat" cmpd="sng">
-            <a:solidFill>
-              <a:srgbClr val="000000"/>
-            </a:solidFill>
-            <a:prstDash val="solid"/>
-            <a:round/>
-            <a:headEnd type="none" w="sm" len="sm"/>
-            <a:tailEnd type="none" w="sm" len="sm"/>
-          </a:ln>
-        </p:spPr>
-      </p:sp>
-    </p:spTree>
-  </p:cSld>
-  <p:clrMapOvr>
-    <a:masterClrMapping/>
-  </p:clrMapOvr>
-</p:notes>
-</file>
-
-<file path=ppt/notesSlides/notesSlide8.xml><?xml version="1.0" encoding="utf-8"?>
-<p:notes xmlns:a="http://schemas.openxmlformats.org/drawingml/2006/main" xmlns:r="http://schemas.openxmlformats.org/officeDocument/2006/relationships" xmlns:p="http://schemas.openxmlformats.org/presentationml/2006/main" showMasterSp="0" showMasterPhAnim="0">
-  <p:cSld>
-    <p:spTree>
-      <p:nvGrpSpPr>
-        <p:cNvPr id="1" name="Shape 140"/>
-        <p:cNvGrpSpPr/>
-        <p:nvPr/>
-      </p:nvGrpSpPr>
-      <p:grpSpPr>
-        <a:xfrm>
-          <a:off x="0" y="0"/>
-          <a:ext cx="0" cy="0"/>
-          <a:chOff x="0" y="0"/>
-          <a:chExt cx="0" cy="0"/>
-        </a:xfrm>
-      </p:grpSpPr>
-      <p:sp>
-        <p:nvSpPr>
-          <p:cNvPr id="141" name="Google Shape;141;p8:notes"/>
-          <p:cNvSpPr txBox="1">
-            <a:spLocks noGrp="1"/>
-          </p:cNvSpPr>
-          <p:nvPr>
-            <p:ph type="body" idx="1"/>
-          </p:nvPr>
-        </p:nvSpPr>
-        <p:spPr>
-          <a:xfrm>
-            <a:off x="685800" y="4343378"/>
-            <a:ext cx="5486400" cy="4114800"/>
-          </a:xfrm>
-          <a:prstGeom prst="rect">
-            <a:avLst/>
-          </a:prstGeom>
-          <a:noFill/>
-          <a:ln>
-            <a:noFill/>
-          </a:ln>
-        </p:spPr>
-        <p:txBody>
-          <a:bodyPr spcFirstLastPara="1" wrap="square" lIns="91425" tIns="91425" rIns="91425" bIns="91425" anchor="t" anchorCtr="0">
-            <a:noAutofit/>
-          </a:bodyPr>
-          <a:lstStyle/>
-          <a:p>
-            <a:pPr marL="0" lvl="0" indent="0" algn="l" rtl="0">
-              <a:lnSpc>
-                <a:spcPct val="100000"/>
-              </a:lnSpc>
-              <a:spcBef>
-                <a:spcPts val="0"/>
-              </a:spcBef>
-              <a:spcAft>
-                <a:spcPts val="0"/>
-              </a:spcAft>
-              <a:buSzPts val="1100"/>
-              <a:buNone/>
-            </a:pPr>
-            <a:endParaRPr/>
-          </a:p>
-        </p:txBody>
-      </p:sp>
-      <p:sp>
-        <p:nvSpPr>
-          <p:cNvPr id="142" name="Google Shape;142;p8:notes"/>
-          <p:cNvSpPr>
-            <a:spLocks noGrp="1" noRot="1" noChangeAspect="1"/>
-          </p:cNvSpPr>
-          <p:nvPr>
-            <p:ph type="sldImg" idx="2"/>
-          </p:nvPr>
-        </p:nvSpPr>
-        <p:spPr>
-          <a:xfrm>
-            <a:off x="381000" y="685800"/>
-            <a:ext cx="6096000" cy="3429000"/>
-          </a:xfrm>
-          <a:custGeom>
-            <a:avLst/>
-            <a:gdLst/>
-            <a:ahLst/>
-            <a:cxnLst/>
-            <a:rect l="l" t="t" r="r" b="b"/>
-            <a:pathLst>
-              <a:path w="120000" h="120000" extrusionOk="0">
-                <a:moveTo>
-                  <a:pt x="0" y="0"/>
-                </a:moveTo>
-                <a:lnTo>
-                  <a:pt x="120000" y="0"/>
-                </a:lnTo>
-                <a:lnTo>
-                  <a:pt x="120000" y="120000"/>
-                </a:lnTo>
-                <a:lnTo>
-                  <a:pt x="0" y="120000"/>
-                </a:lnTo>
-                <a:close/>
-              </a:path>
-            </a:pathLst>
-          </a:custGeom>
-          <a:noFill/>
-          <a:ln w="9525" cap="flat" cmpd="sng">
-            <a:solidFill>
-              <a:srgbClr val="000000"/>
-            </a:solidFill>
-            <a:prstDash val="solid"/>
-            <a:round/>
-            <a:headEnd type="none" w="sm" len="sm"/>
-            <a:tailEnd type="none" w="sm" len="sm"/>
-          </a:ln>
-        </p:spPr>
-      </p:sp>
-    </p:spTree>
-  </p:cSld>
-  <p:clrMapOvr>
-    <a:masterClrMapping/>
-  </p:clrMapOvr>
-</p:notes>
-</file>
-
-<file path=ppt/notesSlides/notesSlide9.xml><?xml version="1.0" encoding="utf-8"?>
-<p:notes xmlns:a="http://schemas.openxmlformats.org/drawingml/2006/main" xmlns:r="http://schemas.openxmlformats.org/officeDocument/2006/relationships" xmlns:p="http://schemas.openxmlformats.org/presentationml/2006/main" showMasterSp="0" showMasterPhAnim="0">
-  <p:cSld>
-    <p:spTree>
-      <p:nvGrpSpPr>
-        <p:cNvPr id="1" name="Shape 148"/>
-        <p:cNvGrpSpPr/>
-        <p:nvPr/>
-      </p:nvGrpSpPr>
-      <p:grpSpPr>
-        <a:xfrm>
-          <a:off x="0" y="0"/>
-          <a:ext cx="0" cy="0"/>
-          <a:chOff x="0" y="0"/>
-          <a:chExt cx="0" cy="0"/>
-        </a:xfrm>
-      </p:grpSpPr>
-      <p:sp>
-        <p:nvSpPr>
-          <p:cNvPr id="149" name="Google Shape;149;p9:notes"/>
-          <p:cNvSpPr>
-            <a:spLocks noGrp="1" noRot="1" noChangeAspect="1"/>
-          </p:cNvSpPr>
-          <p:nvPr>
-            <p:ph type="sldImg" idx="2"/>
-          </p:nvPr>
-        </p:nvSpPr>
-        <p:spPr>
-          <a:xfrm>
-            <a:off x="381000" y="685800"/>
-            <a:ext cx="6096000" cy="3429000"/>
-          </a:xfrm>
-          <a:custGeom>
-            <a:avLst/>
-            <a:gdLst/>
-            <a:ahLst/>
-            <a:cxnLst/>
-            <a:rect l="l" t="t" r="r" b="b"/>
-            <a:pathLst>
-              <a:path w="120000" h="120000" extrusionOk="0">
-                <a:moveTo>
-                  <a:pt x="0" y="0"/>
-                </a:moveTo>
-                <a:lnTo>
-                  <a:pt x="120000" y="0"/>
-                </a:lnTo>
-                <a:lnTo>
-                  <a:pt x="120000" y="120000"/>
-                </a:lnTo>
-                <a:lnTo>
-                  <a:pt x="0" y="120000"/>
-                </a:lnTo>
-                <a:close/>
-              </a:path>
-            </a:pathLst>
-          </a:custGeom>
-          <a:noFill/>
-          <a:ln w="9525" cap="flat" cmpd="sng">
-            <a:solidFill>
-              <a:srgbClr val="000000"/>
-            </a:solidFill>
-            <a:prstDash val="solid"/>
-            <a:round/>
-            <a:headEnd type="none" w="sm" len="sm"/>
-            <a:tailEnd type="none" w="sm" len="sm"/>
-          </a:ln>
-        </p:spPr>
-      </p:sp>
-      <p:sp>
-        <p:nvSpPr>
-          <p:cNvPr id="150" name="Google Shape;150;p9:notes"/>
-          <p:cNvSpPr txBox="1">
-            <a:spLocks noGrp="1"/>
-          </p:cNvSpPr>
-          <p:nvPr>
-            <p:ph type="body" idx="1"/>
-          </p:nvPr>
-        </p:nvSpPr>
-        <p:spPr>
-          <a:xfrm>
-            <a:off x="685800" y="4343400"/>
-            <a:ext cx="5486400" cy="4114800"/>
-          </a:xfrm>
-          <a:prstGeom prst="rect">
-            <a:avLst/>
-          </a:prstGeom>
-          <a:noFill/>
-          <a:ln>
-            <a:noFill/>
-          </a:ln>
-        </p:spPr>
-        <p:txBody>
-          <a:bodyPr spcFirstLastPara="1" wrap="square" lIns="91425" tIns="91425" rIns="91425" bIns="91425" anchor="t" anchorCtr="0">
-            <a:noAutofit/>
-          </a:bodyPr>
-          <a:lstStyle/>
-          <a:p>
-            <a:pPr marL="0" lvl="0" indent="0" algn="l" rtl="0">
-              <a:lnSpc>
-                <a:spcPct val="100000"/>
-              </a:lnSpc>
-              <a:spcBef>
-                <a:spcPts val="0"/>
-              </a:spcBef>
-              <a:spcAft>
-                <a:spcPts val="0"/>
-              </a:spcAft>
-              <a:buSzPts val="1100"/>
-              <a:buNone/>
-            </a:pPr>
-            <a:endParaRPr/>
-          </a:p>
-        </p:txBody>
       </p:sp>
     </p:spTree>
   </p:cSld>
@@ -17172,12 +16066,14 @@
         <p:spPr>
           <a:xfrm>
             <a:off x="5145300" y="220875"/>
-            <a:ext cx="2539552" cy="755000"/>
+            <a:ext cx="2539552" cy="1376708"/>
           </a:xfrm>
           <a:prstGeom prst="rect">
             <a:avLst/>
           </a:prstGeom>
-          <a:noFill/>
+          <a:solidFill>
+            <a:schemeClr val="bg1"/>
+          </a:solidFill>
           <a:ln>
             <a:noFill/>
           </a:ln>
@@ -17208,16 +16104,16 @@
             <a:r>
               <a:rPr lang="fr" sz="2000" b="1" dirty="0" smtClean="0">
                 <a:solidFill>
-                  <a:srgbClr val="675E47"/>
+                  <a:schemeClr val="tx1"/>
                 </a:solidFill>
                 <a:ea typeface="Trebuchet MS"/>
               </a:rPr>
-              <a:t>TABLEAU PROJECT</a:t>
+              <a:t>A gender Distribution of Loan in a Texas Area</a:t>
             </a:r>
             <a:r>
               <a:rPr lang="fr" sz="2800" b="1" i="0" u="none" strike="noStrike" cap="none" dirty="0">
                 <a:solidFill>
-                  <a:srgbClr val="1A1A1A"/>
+                  <a:schemeClr val="tx1"/>
                 </a:solidFill>
                 <a:latin typeface="Trebuchet MS"/>
                 <a:ea typeface="Trebuchet MS"/>
@@ -17229,7 +16125,7 @@
             <a:br>
               <a:rPr lang="fr" sz="2800" b="1" i="0" u="none" strike="noStrike" cap="none" dirty="0">
                 <a:solidFill>
-                  <a:srgbClr val="1A1A1A"/>
+                  <a:schemeClr val="tx1"/>
                 </a:solidFill>
                 <a:latin typeface="Trebuchet MS"/>
                 <a:ea typeface="Trebuchet MS"/>
@@ -17239,7 +16135,7 @@
             </a:br>
             <a:endParaRPr sz="2800" b="0" i="0" u="none" strike="noStrike" cap="none" dirty="0">
               <a:solidFill>
-                <a:schemeClr val="dk1"/>
+                <a:schemeClr val="tx1"/>
               </a:solidFill>
               <a:latin typeface="Trebuchet MS"/>
               <a:ea typeface="Trebuchet MS"/>
@@ -17620,1731 +16516,57 @@
           </a:p>
         </p:txBody>
       </p:sp>
-    </p:spTree>
-  </p:cSld>
-  <p:clrMapOvr>
-    <a:masterClrMapping/>
-  </p:clrMapOvr>
-</p:sld>
-</file>
-
-<file path=ppt/slides/slide10.xml><?xml version="1.0" encoding="utf-8"?>
-<p:sld xmlns:a="http://schemas.openxmlformats.org/drawingml/2006/main" xmlns:r="http://schemas.openxmlformats.org/officeDocument/2006/relationships" xmlns:p="http://schemas.openxmlformats.org/presentationml/2006/main">
-  <p:cSld>
-    <p:spTree>
-      <p:nvGrpSpPr>
-        <p:cNvPr id="1" name="Shape 158"/>
-        <p:cNvGrpSpPr/>
-        <p:nvPr/>
-      </p:nvGrpSpPr>
-      <p:grpSpPr>
-        <a:xfrm>
-          <a:off x="0" y="0"/>
-          <a:ext cx="0" cy="0"/>
-          <a:chOff x="0" y="0"/>
-          <a:chExt cx="0" cy="0"/>
-        </a:xfrm>
-      </p:grpSpPr>
       <p:sp>
         <p:nvSpPr>
-          <p:cNvPr id="159" name="Google Shape;159;p28"/>
-          <p:cNvSpPr txBox="1">
-            <a:spLocks noGrp="1"/>
-          </p:cNvSpPr>
-          <p:nvPr>
-            <p:ph type="ctrTitle"/>
-          </p:nvPr>
+          <p:cNvPr id="2" name="Rectangle 1"/>
+          <p:cNvSpPr/>
+          <p:nvPr/>
         </p:nvSpPr>
         <p:spPr>
           <a:xfrm>
-            <a:off x="821750" y="303367"/>
-            <a:ext cx="7500600" cy="400200"/>
+            <a:off x="5564221" y="3579779"/>
+            <a:ext cx="3172979" cy="1050587"/>
           </a:xfrm>
           <a:prstGeom prst="rect">
             <a:avLst/>
           </a:prstGeom>
-          <a:noFill/>
-          <a:ln>
-            <a:noFill/>
-          </a:ln>
+          <a:solidFill>
+            <a:schemeClr val="bg1"/>
+          </a:solidFill>
         </p:spPr>
+        <p:style>
+          <a:lnRef idx="2">
+            <a:schemeClr val="accent1">
+              <a:shade val="50000"/>
+            </a:schemeClr>
+          </a:lnRef>
+          <a:fillRef idx="1">
+            <a:schemeClr val="accent1"/>
+          </a:fillRef>
+          <a:effectRef idx="0">
+            <a:schemeClr val="accent1"/>
+          </a:effectRef>
+          <a:fontRef idx="minor">
+            <a:schemeClr val="lt1"/>
+          </a:fontRef>
+        </p:style>
         <p:txBody>
-          <a:bodyPr spcFirstLastPara="1" wrap="square" lIns="0" tIns="0" rIns="0" bIns="0" anchor="t" anchorCtr="0">
-            <a:spAutoFit/>
-          </a:bodyPr>
+          <a:bodyPr rtlCol="0" anchor="ctr"/>
           <a:lstStyle/>
           <a:p>
-            <a:pPr marL="0" lvl="0" indent="0" algn="l" rtl="0">
-              <a:lnSpc>
-                <a:spcPct val="100000"/>
-              </a:lnSpc>
-              <a:spcBef>
-                <a:spcPts val="0"/>
-              </a:spcBef>
-              <a:spcAft>
-                <a:spcPts val="0"/>
-              </a:spcAft>
-              <a:buSzPts val="1400"/>
-              <a:buNone/>
-            </a:pPr>
+            <a:pPr algn="ctr"/>
             <a:r>
-              <a:rPr lang="fr" b="1">
-                <a:latin typeface="Times New Roman"/>
-                <a:ea typeface="Times New Roman"/>
-                <a:cs typeface="Times New Roman"/>
-                <a:sym typeface="Times New Roman"/>
+              <a:rPr lang="en-US" dirty="0" smtClean="0">
+                <a:solidFill>
+                  <a:schemeClr val="tx1"/>
+                </a:solidFill>
               </a:rPr>
-              <a:t>Result : Education Level</a:t>
+              <a:t>Moise MASSON</a:t>
             </a:r>
-            <a:endParaRPr b="1">
-              <a:latin typeface="Times New Roman"/>
-              <a:ea typeface="Times New Roman"/>
-              <a:cs typeface="Times New Roman"/>
-              <a:sym typeface="Times New Roman"/>
-            </a:endParaRPr>
-          </a:p>
-        </p:txBody>
-      </p:sp>
-      <p:pic>
-        <p:nvPicPr>
-          <p:cNvPr id="160" name="Google Shape;160;p28"/>
-          <p:cNvPicPr preferRelativeResize="0"/>
-          <p:nvPr/>
-        </p:nvPicPr>
-        <p:blipFill rotWithShape="1">
-          <a:blip r:embed="rId3">
-            <a:alphaModFix/>
-          </a:blip>
-          <a:srcRect/>
-          <a:stretch/>
-        </p:blipFill>
-        <p:spPr>
-          <a:xfrm>
-            <a:off x="692400" y="975000"/>
-            <a:ext cx="4236800" cy="3984800"/>
-          </a:xfrm>
-          <a:prstGeom prst="rect">
-            <a:avLst/>
-          </a:prstGeom>
-          <a:noFill/>
-          <a:ln>
-            <a:noFill/>
-          </a:ln>
-        </p:spPr>
-      </p:pic>
-      <p:sp>
-        <p:nvSpPr>
-          <p:cNvPr id="161" name="Google Shape;161;p28"/>
-          <p:cNvSpPr txBox="1"/>
-          <p:nvPr/>
-        </p:nvSpPr>
-        <p:spPr>
-          <a:xfrm>
-            <a:off x="5256550" y="1186950"/>
-            <a:ext cx="3561000" cy="3632700"/>
-          </a:xfrm>
-          <a:prstGeom prst="rect">
-            <a:avLst/>
-          </a:prstGeom>
-          <a:noFill/>
-          <a:ln>
-            <a:noFill/>
-          </a:ln>
-        </p:spPr>
-        <p:txBody>
-          <a:bodyPr spcFirstLastPara="1" wrap="square" lIns="91425" tIns="91425" rIns="91425" bIns="91425" anchor="t" anchorCtr="0">
-            <a:spAutoFit/>
-          </a:bodyPr>
-          <a:lstStyle/>
-          <a:p>
-            <a:pPr marL="0" marR="0" lvl="0" indent="0" algn="l" rtl="0">
-              <a:lnSpc>
-                <a:spcPct val="100000"/>
-              </a:lnSpc>
-              <a:spcBef>
-                <a:spcPts val="0"/>
-              </a:spcBef>
-              <a:spcAft>
-                <a:spcPts val="0"/>
-              </a:spcAft>
-              <a:buClr>
-                <a:srgbClr val="000000"/>
-              </a:buClr>
-              <a:buSzPts val="2300"/>
-              <a:buFont typeface="Arial"/>
-              <a:buNone/>
-            </a:pPr>
-            <a:r>
-              <a:rPr lang="fr" sz="2300" b="1" i="0" u="none" strike="noStrike" cap="none">
-                <a:solidFill>
-                  <a:schemeClr val="dk1"/>
-                </a:solidFill>
-                <a:latin typeface="Times New Roman"/>
-                <a:ea typeface="Times New Roman"/>
-                <a:cs typeface="Times New Roman"/>
-                <a:sym typeface="Times New Roman"/>
-              </a:rPr>
-              <a:t>59,2% Bachelors(bacc+4)</a:t>
-            </a:r>
-            <a:endParaRPr sz="2300" b="1" i="0" u="none" strike="noStrike" cap="none">
+            <a:endParaRPr lang="en-US" dirty="0">
               <a:solidFill>
-                <a:schemeClr val="dk1"/>
+                <a:schemeClr val="tx1"/>
               </a:solidFill>
-              <a:latin typeface="Times New Roman"/>
-              <a:ea typeface="Times New Roman"/>
-              <a:cs typeface="Times New Roman"/>
-              <a:sym typeface="Times New Roman"/>
-            </a:endParaRPr>
-          </a:p>
-          <a:p>
-            <a:pPr marL="0" marR="0" lvl="0" indent="0" algn="l" rtl="0">
-              <a:lnSpc>
-                <a:spcPct val="100000"/>
-              </a:lnSpc>
-              <a:spcBef>
-                <a:spcPts val="0"/>
-              </a:spcBef>
-              <a:spcAft>
-                <a:spcPts val="0"/>
-              </a:spcAft>
-              <a:buClr>
-                <a:srgbClr val="000000"/>
-              </a:buClr>
-              <a:buSzPts val="2300"/>
-              <a:buFont typeface="Arial"/>
-              <a:buNone/>
-            </a:pPr>
-            <a:endParaRPr sz="2300" b="1" i="0" u="none" strike="noStrike" cap="none">
-              <a:solidFill>
-                <a:schemeClr val="dk1"/>
-              </a:solidFill>
-              <a:latin typeface="Times New Roman"/>
-              <a:ea typeface="Times New Roman"/>
-              <a:cs typeface="Times New Roman"/>
-              <a:sym typeface="Times New Roman"/>
-            </a:endParaRPr>
-          </a:p>
-          <a:p>
-            <a:pPr marL="0" marR="0" lvl="0" indent="0" algn="l" rtl="0">
-              <a:lnSpc>
-                <a:spcPct val="100000"/>
-              </a:lnSpc>
-              <a:spcBef>
-                <a:spcPts val="0"/>
-              </a:spcBef>
-              <a:spcAft>
-                <a:spcPts val="0"/>
-              </a:spcAft>
-              <a:buClr>
-                <a:srgbClr val="000000"/>
-              </a:buClr>
-              <a:buSzPts val="2300"/>
-              <a:buFont typeface="Arial"/>
-              <a:buNone/>
-            </a:pPr>
-            <a:endParaRPr sz="2300" b="1" i="0" u="none" strike="noStrike" cap="none">
-              <a:solidFill>
-                <a:schemeClr val="dk1"/>
-              </a:solidFill>
-              <a:latin typeface="Times New Roman"/>
-              <a:ea typeface="Times New Roman"/>
-              <a:cs typeface="Times New Roman"/>
-              <a:sym typeface="Times New Roman"/>
-            </a:endParaRPr>
-          </a:p>
-          <a:p>
-            <a:pPr marL="0" marR="0" lvl="0" indent="0" algn="l" rtl="0">
-              <a:lnSpc>
-                <a:spcPct val="100000"/>
-              </a:lnSpc>
-              <a:spcBef>
-                <a:spcPts val="0"/>
-              </a:spcBef>
-              <a:spcAft>
-                <a:spcPts val="0"/>
-              </a:spcAft>
-              <a:buClr>
-                <a:srgbClr val="000000"/>
-              </a:buClr>
-              <a:buSzPts val="2300"/>
-              <a:buFont typeface="Arial"/>
-              <a:buNone/>
-            </a:pPr>
-            <a:r>
-              <a:rPr lang="fr" sz="2300" b="1" i="0" u="none" strike="noStrike" cap="none">
-                <a:solidFill>
-                  <a:schemeClr val="dk1"/>
-                </a:solidFill>
-                <a:latin typeface="Times New Roman"/>
-                <a:ea typeface="Times New Roman"/>
-                <a:cs typeface="Times New Roman"/>
-                <a:sym typeface="Times New Roman"/>
-              </a:rPr>
-              <a:t>13,2 % High School</a:t>
-            </a:r>
-            <a:endParaRPr sz="2300" b="1" i="0" u="none" strike="noStrike" cap="none">
-              <a:solidFill>
-                <a:schemeClr val="dk1"/>
-              </a:solidFill>
-              <a:latin typeface="Times New Roman"/>
-              <a:ea typeface="Times New Roman"/>
-              <a:cs typeface="Times New Roman"/>
-              <a:sym typeface="Times New Roman"/>
-            </a:endParaRPr>
-          </a:p>
-          <a:p>
-            <a:pPr marL="0" marR="0" lvl="0" indent="0" algn="l" rtl="0">
-              <a:lnSpc>
-                <a:spcPct val="100000"/>
-              </a:lnSpc>
-              <a:spcBef>
-                <a:spcPts val="0"/>
-              </a:spcBef>
-              <a:spcAft>
-                <a:spcPts val="0"/>
-              </a:spcAft>
-              <a:buClr>
-                <a:srgbClr val="000000"/>
-              </a:buClr>
-              <a:buSzPts val="2300"/>
-              <a:buFont typeface="Arial"/>
-              <a:buNone/>
-            </a:pPr>
-            <a:endParaRPr sz="2300" b="1" i="0" u="none" strike="noStrike" cap="none">
-              <a:solidFill>
-                <a:schemeClr val="dk1"/>
-              </a:solidFill>
-              <a:latin typeface="Times New Roman"/>
-              <a:ea typeface="Times New Roman"/>
-              <a:cs typeface="Times New Roman"/>
-              <a:sym typeface="Times New Roman"/>
-            </a:endParaRPr>
-          </a:p>
-          <a:p>
-            <a:pPr marL="0" marR="0" lvl="0" indent="0" algn="l" rtl="0">
-              <a:lnSpc>
-                <a:spcPct val="100000"/>
-              </a:lnSpc>
-              <a:spcBef>
-                <a:spcPts val="0"/>
-              </a:spcBef>
-              <a:spcAft>
-                <a:spcPts val="0"/>
-              </a:spcAft>
-              <a:buClr>
-                <a:srgbClr val="000000"/>
-              </a:buClr>
-              <a:buSzPts val="2300"/>
-              <a:buFont typeface="Arial"/>
-              <a:buNone/>
-            </a:pPr>
-            <a:endParaRPr sz="2300" b="1" i="0" u="none" strike="noStrike" cap="none">
-              <a:solidFill>
-                <a:schemeClr val="dk1"/>
-              </a:solidFill>
-              <a:latin typeface="Times New Roman"/>
-              <a:ea typeface="Times New Roman"/>
-              <a:cs typeface="Times New Roman"/>
-              <a:sym typeface="Times New Roman"/>
-            </a:endParaRPr>
-          </a:p>
-          <a:p>
-            <a:pPr marL="0" marR="0" lvl="0" indent="0" algn="l" rtl="0">
-              <a:lnSpc>
-                <a:spcPct val="100000"/>
-              </a:lnSpc>
-              <a:spcBef>
-                <a:spcPts val="0"/>
-              </a:spcBef>
-              <a:spcAft>
-                <a:spcPts val="0"/>
-              </a:spcAft>
-              <a:buClr>
-                <a:srgbClr val="000000"/>
-              </a:buClr>
-              <a:buSzPts val="2300"/>
-              <a:buFont typeface="Arial"/>
-              <a:buNone/>
-            </a:pPr>
-            <a:endParaRPr sz="2300" b="1" i="0" u="none" strike="noStrike" cap="none">
-              <a:solidFill>
-                <a:schemeClr val="dk1"/>
-              </a:solidFill>
-              <a:latin typeface="Times New Roman"/>
-              <a:ea typeface="Times New Roman"/>
-              <a:cs typeface="Times New Roman"/>
-              <a:sym typeface="Times New Roman"/>
-            </a:endParaRPr>
-          </a:p>
-          <a:p>
-            <a:pPr marL="0" marR="0" lvl="0" indent="0" algn="l" rtl="0">
-              <a:lnSpc>
-                <a:spcPct val="100000"/>
-              </a:lnSpc>
-              <a:spcBef>
-                <a:spcPts val="0"/>
-              </a:spcBef>
-              <a:spcAft>
-                <a:spcPts val="0"/>
-              </a:spcAft>
-              <a:buClr>
-                <a:srgbClr val="000000"/>
-              </a:buClr>
-              <a:buSzPts val="2300"/>
-              <a:buFont typeface="Arial"/>
-              <a:buNone/>
-            </a:pPr>
-            <a:r>
-              <a:rPr lang="fr" sz="2300" b="1" i="0" u="none" strike="noStrike" cap="none">
-                <a:solidFill>
-                  <a:schemeClr val="dk1"/>
-                </a:solidFill>
-                <a:latin typeface="Times New Roman"/>
-                <a:ea typeface="Times New Roman"/>
-                <a:cs typeface="Times New Roman"/>
-                <a:sym typeface="Times New Roman"/>
-              </a:rPr>
-              <a:t>5,6 Master</a:t>
-            </a:r>
-            <a:endParaRPr sz="2300" b="1" i="0" u="none" strike="noStrike" cap="none">
-              <a:solidFill>
-                <a:schemeClr val="dk1"/>
-              </a:solidFill>
-              <a:latin typeface="Times New Roman"/>
-              <a:ea typeface="Times New Roman"/>
-              <a:cs typeface="Times New Roman"/>
-              <a:sym typeface="Times New Roman"/>
-            </a:endParaRPr>
-          </a:p>
-          <a:p>
-            <a:pPr marL="0" marR="0" lvl="0" indent="0" algn="l" rtl="0">
-              <a:lnSpc>
-                <a:spcPct val="100000"/>
-              </a:lnSpc>
-              <a:spcBef>
-                <a:spcPts val="0"/>
-              </a:spcBef>
-              <a:spcAft>
-                <a:spcPts val="0"/>
-              </a:spcAft>
-              <a:buClr>
-                <a:srgbClr val="000000"/>
-              </a:buClr>
-              <a:buSzPts val="2000"/>
-              <a:buFont typeface="Arial"/>
-              <a:buNone/>
-            </a:pPr>
-            <a:endParaRPr sz="2000" b="1" i="0" u="none" strike="noStrike" cap="none">
-              <a:solidFill>
-                <a:schemeClr val="dk1"/>
-              </a:solidFill>
-              <a:latin typeface="Times New Roman"/>
-              <a:ea typeface="Times New Roman"/>
-              <a:cs typeface="Times New Roman"/>
-              <a:sym typeface="Times New Roman"/>
-            </a:endParaRPr>
-          </a:p>
-          <a:p>
-            <a:pPr marL="0" marR="0" lvl="0" indent="0" algn="l" rtl="0">
-              <a:lnSpc>
-                <a:spcPct val="100000"/>
-              </a:lnSpc>
-              <a:spcBef>
-                <a:spcPts val="0"/>
-              </a:spcBef>
-              <a:spcAft>
-                <a:spcPts val="0"/>
-              </a:spcAft>
-              <a:buClr>
-                <a:srgbClr val="000000"/>
-              </a:buClr>
-              <a:buSzPts val="2000"/>
-              <a:buFont typeface="Arial"/>
-              <a:buNone/>
-            </a:pPr>
-            <a:endParaRPr sz="2000" b="1" i="0" u="none" strike="noStrike" cap="none">
-              <a:solidFill>
-                <a:schemeClr val="dk1"/>
-              </a:solidFill>
-              <a:latin typeface="Times New Roman"/>
-              <a:ea typeface="Times New Roman"/>
-              <a:cs typeface="Times New Roman"/>
-              <a:sym typeface="Times New Roman"/>
-            </a:endParaRPr>
-          </a:p>
-        </p:txBody>
-      </p:sp>
-    </p:spTree>
-  </p:cSld>
-  <p:clrMapOvr>
-    <a:masterClrMapping/>
-  </p:clrMapOvr>
-</p:sld>
-</file>
-
-<file path=ppt/slides/slide11.xml><?xml version="1.0" encoding="utf-8"?>
-<p:sld xmlns:a="http://schemas.openxmlformats.org/drawingml/2006/main" xmlns:r="http://schemas.openxmlformats.org/officeDocument/2006/relationships" xmlns:p="http://schemas.openxmlformats.org/presentationml/2006/main">
-  <p:cSld>
-    <p:spTree>
-      <p:nvGrpSpPr>
-        <p:cNvPr id="1" name="Shape 165"/>
-        <p:cNvGrpSpPr/>
-        <p:nvPr/>
-      </p:nvGrpSpPr>
-      <p:grpSpPr>
-        <a:xfrm>
-          <a:off x="0" y="0"/>
-          <a:ext cx="0" cy="0"/>
-          <a:chOff x="0" y="0"/>
-          <a:chExt cx="0" cy="0"/>
-        </a:xfrm>
-      </p:grpSpPr>
-      <p:sp>
-        <p:nvSpPr>
-          <p:cNvPr id="166" name="Google Shape;166;p29"/>
-          <p:cNvSpPr txBox="1">
-            <a:spLocks noGrp="1"/>
-          </p:cNvSpPr>
-          <p:nvPr>
-            <p:ph type="title"/>
-          </p:nvPr>
-        </p:nvSpPr>
-        <p:spPr>
-          <a:xfrm>
-            <a:off x="821750" y="303367"/>
-            <a:ext cx="5017800" cy="421500"/>
-          </a:xfrm>
-          <a:prstGeom prst="rect">
-            <a:avLst/>
-          </a:prstGeom>
-          <a:noFill/>
-          <a:ln>
-            <a:noFill/>
-          </a:ln>
-        </p:spPr>
-        <p:txBody>
-          <a:bodyPr spcFirstLastPara="1" wrap="square" lIns="0" tIns="12700" rIns="0" bIns="0" anchor="t" anchorCtr="0">
-            <a:spAutoFit/>
-          </a:bodyPr>
-          <a:lstStyle/>
-          <a:p>
-            <a:pPr marL="12700" lvl="0" indent="0" algn="l" rtl="0">
-              <a:lnSpc>
-                <a:spcPct val="100000"/>
-              </a:lnSpc>
-              <a:spcBef>
-                <a:spcPts val="0"/>
-              </a:spcBef>
-              <a:spcAft>
-                <a:spcPts val="0"/>
-              </a:spcAft>
-              <a:buSzPts val="1400"/>
-              <a:buNone/>
-            </a:pPr>
-            <a:r>
-              <a:rPr lang="fr"/>
-              <a:t>Discussion &amp; Proposed Solution</a:t>
-            </a:r>
-            <a:endParaRPr/>
-          </a:p>
-        </p:txBody>
-      </p:sp>
-      <p:sp>
-        <p:nvSpPr>
-          <p:cNvPr id="167" name="Google Shape;167;p29"/>
-          <p:cNvSpPr txBox="1">
-            <a:spLocks noGrp="1"/>
-          </p:cNvSpPr>
-          <p:nvPr>
-            <p:ph type="body" idx="1"/>
-          </p:nvPr>
-        </p:nvSpPr>
-        <p:spPr>
-          <a:xfrm>
-            <a:off x="799625" y="724875"/>
-            <a:ext cx="7890600" cy="3575700"/>
-          </a:xfrm>
-          <a:prstGeom prst="rect">
-            <a:avLst/>
-          </a:prstGeom>
-          <a:noFill/>
-          <a:ln>
-            <a:noFill/>
-          </a:ln>
-        </p:spPr>
-        <p:txBody>
-          <a:bodyPr spcFirstLastPara="1" wrap="square" lIns="0" tIns="12700" rIns="0" bIns="0" anchor="t" anchorCtr="0">
-            <a:spAutoFit/>
-          </a:bodyPr>
-          <a:lstStyle/>
-          <a:p>
-            <a:pPr marL="0" marR="223520" lvl="0" indent="0" algn="l" rtl="0">
-              <a:lnSpc>
-                <a:spcPct val="113300"/>
-              </a:lnSpc>
-              <a:spcBef>
-                <a:spcPts val="0"/>
-              </a:spcBef>
-              <a:spcAft>
-                <a:spcPts val="0"/>
-              </a:spcAft>
-              <a:buSzPts val="1400"/>
-              <a:buNone/>
-            </a:pPr>
-            <a:r>
-              <a:rPr lang="fr" sz="2300" b="1" i="1">
-                <a:solidFill>
-                  <a:schemeClr val="dk1"/>
-                </a:solidFill>
-                <a:latin typeface="Times New Roman"/>
-                <a:ea typeface="Times New Roman"/>
-                <a:cs typeface="Times New Roman"/>
-                <a:sym typeface="Times New Roman"/>
-              </a:rPr>
-              <a:t>we suggest two solutions :</a:t>
-            </a:r>
-            <a:endParaRPr sz="2300" b="1" i="1">
-              <a:solidFill>
-                <a:schemeClr val="dk1"/>
-              </a:solidFill>
-              <a:latin typeface="Times New Roman"/>
-              <a:ea typeface="Times New Roman"/>
-              <a:cs typeface="Times New Roman"/>
-              <a:sym typeface="Times New Roman"/>
-            </a:endParaRPr>
-          </a:p>
-          <a:p>
-            <a:pPr marL="457200" marR="223520" lvl="0" indent="-374650" algn="l" rtl="0">
-              <a:lnSpc>
-                <a:spcPct val="113300"/>
-              </a:lnSpc>
-              <a:spcBef>
-                <a:spcPts val="0"/>
-              </a:spcBef>
-              <a:spcAft>
-                <a:spcPts val="0"/>
-              </a:spcAft>
-              <a:buClr>
-                <a:schemeClr val="dk1"/>
-              </a:buClr>
-              <a:buSzPts val="2300"/>
-              <a:buFont typeface="Times New Roman"/>
-              <a:buAutoNum type="arabicPeriod"/>
-            </a:pPr>
-            <a:r>
-              <a:rPr lang="fr" sz="2300" b="1" i="1">
-                <a:solidFill>
-                  <a:schemeClr val="dk1"/>
-                </a:solidFill>
-                <a:latin typeface="Times New Roman"/>
-                <a:ea typeface="Times New Roman"/>
-                <a:cs typeface="Times New Roman"/>
-                <a:sym typeface="Times New Roman"/>
-              </a:rPr>
-              <a:t>we choose three commune  by demographic criteria (Delmas, Pétion-Ville, Carrefour)</a:t>
-            </a:r>
-            <a:endParaRPr sz="2300" b="1" i="1">
-              <a:solidFill>
-                <a:schemeClr val="dk1"/>
-              </a:solidFill>
-              <a:latin typeface="Times New Roman"/>
-              <a:ea typeface="Times New Roman"/>
-              <a:cs typeface="Times New Roman"/>
-              <a:sym typeface="Times New Roman"/>
-            </a:endParaRPr>
-          </a:p>
-          <a:p>
-            <a:pPr marL="457200" marR="223520" lvl="0" indent="-374650" algn="l" rtl="0">
-              <a:lnSpc>
-                <a:spcPct val="113300"/>
-              </a:lnSpc>
-              <a:spcBef>
-                <a:spcPts val="0"/>
-              </a:spcBef>
-              <a:spcAft>
-                <a:spcPts val="0"/>
-              </a:spcAft>
-              <a:buClr>
-                <a:schemeClr val="dk1"/>
-              </a:buClr>
-              <a:buSzPts val="2300"/>
-              <a:buFont typeface="Times New Roman"/>
-              <a:buAutoNum type="arabicPeriod"/>
-            </a:pPr>
-            <a:r>
-              <a:rPr lang="fr" sz="2300" b="1" i="1">
-                <a:solidFill>
-                  <a:schemeClr val="dk1"/>
-                </a:solidFill>
-                <a:latin typeface="Times New Roman"/>
-                <a:ea typeface="Times New Roman"/>
-                <a:cs typeface="Times New Roman"/>
-                <a:sym typeface="Times New Roman"/>
-              </a:rPr>
-              <a:t>Make more Marketing on internet to boost female participation</a:t>
-            </a:r>
-            <a:endParaRPr sz="2300" b="1" i="1">
-              <a:solidFill>
-                <a:schemeClr val="dk1"/>
-              </a:solidFill>
-              <a:latin typeface="Times New Roman"/>
-              <a:ea typeface="Times New Roman"/>
-              <a:cs typeface="Times New Roman"/>
-              <a:sym typeface="Times New Roman"/>
-            </a:endParaRPr>
-          </a:p>
-          <a:p>
-            <a:pPr marL="457200" marR="223520" lvl="0" indent="-374650" algn="l" rtl="0">
-              <a:lnSpc>
-                <a:spcPct val="113300"/>
-              </a:lnSpc>
-              <a:spcBef>
-                <a:spcPts val="0"/>
-              </a:spcBef>
-              <a:spcAft>
-                <a:spcPts val="0"/>
-              </a:spcAft>
-              <a:buClr>
-                <a:schemeClr val="dk1"/>
-              </a:buClr>
-              <a:buSzPts val="2300"/>
-              <a:buFont typeface="Times New Roman"/>
-              <a:buAutoNum type="arabicPeriod"/>
-            </a:pPr>
-            <a:r>
-              <a:rPr lang="fr" sz="2300" b="1" i="1">
-                <a:solidFill>
-                  <a:schemeClr val="dk1"/>
-                </a:solidFill>
-                <a:latin typeface="Times New Roman"/>
-                <a:ea typeface="Times New Roman"/>
-                <a:cs typeface="Times New Roman"/>
-                <a:sym typeface="Times New Roman"/>
-              </a:rPr>
-              <a:t>sponsoring woman after graduation for getting job because they likely  expect that from that bootcamp.</a:t>
-            </a:r>
-            <a:endParaRPr sz="2300" b="1" i="1">
-              <a:solidFill>
-                <a:schemeClr val="dk1"/>
-              </a:solidFill>
-              <a:latin typeface="Times New Roman"/>
-              <a:ea typeface="Times New Roman"/>
-              <a:cs typeface="Times New Roman"/>
-              <a:sym typeface="Times New Roman"/>
-            </a:endParaRPr>
-          </a:p>
-          <a:p>
-            <a:pPr marL="457200" marR="223520" lvl="0" indent="-374650" algn="l" rtl="0">
-              <a:lnSpc>
-                <a:spcPct val="113300"/>
-              </a:lnSpc>
-              <a:spcBef>
-                <a:spcPts val="0"/>
-              </a:spcBef>
-              <a:spcAft>
-                <a:spcPts val="0"/>
-              </a:spcAft>
-              <a:buClr>
-                <a:schemeClr val="dk1"/>
-              </a:buClr>
-              <a:buSzPts val="2300"/>
-              <a:buFont typeface="Times New Roman"/>
-              <a:buAutoNum type="arabicPeriod"/>
-            </a:pPr>
-            <a:r>
-              <a:rPr lang="fr" sz="2300" b="1" i="1">
-                <a:solidFill>
-                  <a:schemeClr val="dk1"/>
-                </a:solidFill>
-                <a:latin typeface="Times New Roman"/>
-                <a:ea typeface="Times New Roman"/>
-                <a:cs typeface="Times New Roman"/>
-                <a:sym typeface="Times New Roman"/>
-              </a:rPr>
-              <a:t>that could help to make positive marketing and increase student participation</a:t>
-            </a:r>
-            <a:endParaRPr sz="2300" b="1" i="1">
-              <a:solidFill>
-                <a:schemeClr val="dk1"/>
-              </a:solidFill>
-              <a:latin typeface="Times New Roman"/>
-              <a:ea typeface="Times New Roman"/>
-              <a:cs typeface="Times New Roman"/>
-              <a:sym typeface="Times New Roman"/>
-            </a:endParaRPr>
-          </a:p>
-        </p:txBody>
-      </p:sp>
-    </p:spTree>
-  </p:cSld>
-  <p:clrMapOvr>
-    <a:masterClrMapping/>
-  </p:clrMapOvr>
-</p:sld>
-</file>
-
-<file path=ppt/slides/slide12.xml><?xml version="1.0" encoding="utf-8"?>
-<p:sld xmlns:a="http://schemas.openxmlformats.org/drawingml/2006/main" xmlns:r="http://schemas.openxmlformats.org/officeDocument/2006/relationships" xmlns:p="http://schemas.openxmlformats.org/presentationml/2006/main">
-  <p:cSld>
-    <p:spTree>
-      <p:nvGrpSpPr>
-        <p:cNvPr id="1" name="Shape 171"/>
-        <p:cNvGrpSpPr/>
-        <p:nvPr/>
-      </p:nvGrpSpPr>
-      <p:grpSpPr>
-        <a:xfrm>
-          <a:off x="0" y="0"/>
-          <a:ext cx="0" cy="0"/>
-          <a:chOff x="0" y="0"/>
-          <a:chExt cx="0" cy="0"/>
-        </a:xfrm>
-      </p:grpSpPr>
-      <p:sp>
-        <p:nvSpPr>
-          <p:cNvPr id="172" name="Google Shape;172;p30"/>
-          <p:cNvSpPr txBox="1">
-            <a:spLocks noGrp="1"/>
-          </p:cNvSpPr>
-          <p:nvPr>
-            <p:ph type="title"/>
-          </p:nvPr>
-        </p:nvSpPr>
-        <p:spPr>
-          <a:xfrm>
-            <a:off x="821750" y="303367"/>
-            <a:ext cx="7500600" cy="400200"/>
-          </a:xfrm>
-          <a:prstGeom prst="rect">
-            <a:avLst/>
-          </a:prstGeom>
-          <a:noFill/>
-          <a:ln>
-            <a:noFill/>
-          </a:ln>
-        </p:spPr>
-        <p:txBody>
-          <a:bodyPr spcFirstLastPara="1" wrap="square" lIns="0" tIns="0" rIns="0" bIns="0" anchor="t" anchorCtr="0">
-            <a:spAutoFit/>
-          </a:bodyPr>
-          <a:lstStyle/>
-          <a:p>
-            <a:pPr marL="12700" lvl="0" indent="0" algn="l" rtl="0">
-              <a:lnSpc>
-                <a:spcPct val="100000"/>
-              </a:lnSpc>
-              <a:spcBef>
-                <a:spcPts val="0"/>
-              </a:spcBef>
-              <a:spcAft>
-                <a:spcPts val="0"/>
-              </a:spcAft>
-              <a:buClr>
-                <a:schemeClr val="dk1"/>
-              </a:buClr>
-              <a:buSzPts val="1400"/>
-              <a:buFont typeface="Arial"/>
-              <a:buNone/>
-            </a:pPr>
-            <a:r>
-              <a:rPr lang="fr"/>
-              <a:t>Discussion &amp; Proposed Solution</a:t>
-            </a:r>
-            <a:endParaRPr/>
-          </a:p>
-        </p:txBody>
-      </p:sp>
-      <p:sp>
-        <p:nvSpPr>
-          <p:cNvPr id="173" name="Google Shape;173;p30"/>
-          <p:cNvSpPr txBox="1">
-            <a:spLocks noGrp="1"/>
-          </p:cNvSpPr>
-          <p:nvPr>
-            <p:ph type="body" idx="1"/>
-          </p:nvPr>
-        </p:nvSpPr>
-        <p:spPr>
-          <a:xfrm>
-            <a:off x="799625" y="1274875"/>
-            <a:ext cx="7544700" cy="3129300"/>
-          </a:xfrm>
-          <a:prstGeom prst="rect">
-            <a:avLst/>
-          </a:prstGeom>
-          <a:noFill/>
-          <a:ln>
-            <a:noFill/>
-          </a:ln>
-        </p:spPr>
-        <p:txBody>
-          <a:bodyPr spcFirstLastPara="1" wrap="square" lIns="0" tIns="0" rIns="0" bIns="0" anchor="t" anchorCtr="0">
-            <a:spAutoFit/>
-          </a:bodyPr>
-          <a:lstStyle/>
-          <a:p>
-            <a:pPr marL="12700" lvl="0" indent="0" algn="l" rtl="0">
-              <a:lnSpc>
-                <a:spcPct val="100000"/>
-              </a:lnSpc>
-              <a:spcBef>
-                <a:spcPts val="0"/>
-              </a:spcBef>
-              <a:spcAft>
-                <a:spcPts val="0"/>
-              </a:spcAft>
-              <a:buSzPts val="1400"/>
-              <a:buNone/>
-            </a:pPr>
-            <a:r>
-              <a:rPr lang="fr" sz="2500" b="1">
-                <a:solidFill>
-                  <a:schemeClr val="dk1"/>
-                </a:solidFill>
-                <a:latin typeface="Times New Roman"/>
-                <a:ea typeface="Times New Roman"/>
-                <a:cs typeface="Times New Roman"/>
-                <a:sym typeface="Times New Roman"/>
-              </a:rPr>
-              <a:t>we suggest two solutions :</a:t>
-            </a:r>
-            <a:endParaRPr sz="2500" b="1">
-              <a:solidFill>
-                <a:schemeClr val="dk1"/>
-              </a:solidFill>
-              <a:latin typeface="Times New Roman"/>
-              <a:ea typeface="Times New Roman"/>
-              <a:cs typeface="Times New Roman"/>
-              <a:sym typeface="Times New Roman"/>
-            </a:endParaRPr>
-          </a:p>
-          <a:p>
-            <a:pPr marL="12700" lvl="0" indent="0" algn="l" rtl="0">
-              <a:lnSpc>
-                <a:spcPct val="100000"/>
-              </a:lnSpc>
-              <a:spcBef>
-                <a:spcPts val="0"/>
-              </a:spcBef>
-              <a:spcAft>
-                <a:spcPts val="0"/>
-              </a:spcAft>
-              <a:buSzPts val="1400"/>
-              <a:buNone/>
-            </a:pPr>
-            <a:endParaRPr sz="2500" b="1">
-              <a:solidFill>
-                <a:schemeClr val="dk1"/>
-              </a:solidFill>
-              <a:latin typeface="Times New Roman"/>
-              <a:ea typeface="Times New Roman"/>
-              <a:cs typeface="Times New Roman"/>
-              <a:sym typeface="Times New Roman"/>
-            </a:endParaRPr>
-          </a:p>
-          <a:p>
-            <a:pPr marL="457200" marR="223520" lvl="0" indent="-374650" algn="l" rtl="0">
-              <a:lnSpc>
-                <a:spcPct val="113300"/>
-              </a:lnSpc>
-              <a:spcBef>
-                <a:spcPts val="0"/>
-              </a:spcBef>
-              <a:spcAft>
-                <a:spcPts val="0"/>
-              </a:spcAft>
-              <a:buClr>
-                <a:schemeClr val="dk1"/>
-              </a:buClr>
-              <a:buSzPts val="2300"/>
-              <a:buFont typeface="Times New Roman"/>
-              <a:buAutoNum type="arabicPeriod"/>
-            </a:pPr>
-            <a:r>
-              <a:rPr lang="fr" sz="2300" b="1">
-                <a:solidFill>
-                  <a:schemeClr val="dk1"/>
-                </a:solidFill>
-                <a:latin typeface="Times New Roman"/>
-                <a:ea typeface="Times New Roman"/>
-                <a:cs typeface="Times New Roman"/>
-                <a:sym typeface="Times New Roman"/>
-              </a:rPr>
-              <a:t>Choose three commune demographic (Delmas, Pétion-Ville, Carrefour)</a:t>
-            </a:r>
-            <a:endParaRPr sz="2300" b="1">
-              <a:solidFill>
-                <a:schemeClr val="dk1"/>
-              </a:solidFill>
-              <a:latin typeface="Times New Roman"/>
-              <a:ea typeface="Times New Roman"/>
-              <a:cs typeface="Times New Roman"/>
-              <a:sym typeface="Times New Roman"/>
-            </a:endParaRPr>
-          </a:p>
-          <a:p>
-            <a:pPr marL="457200" marR="223520" lvl="0" indent="-374650" algn="l" rtl="0">
-              <a:lnSpc>
-                <a:spcPct val="113300"/>
-              </a:lnSpc>
-              <a:spcBef>
-                <a:spcPts val="0"/>
-              </a:spcBef>
-              <a:spcAft>
-                <a:spcPts val="0"/>
-              </a:spcAft>
-              <a:buClr>
-                <a:schemeClr val="dk1"/>
-              </a:buClr>
-              <a:buSzPts val="2300"/>
-              <a:buFont typeface="Times New Roman"/>
-              <a:buAutoNum type="arabicPeriod"/>
-            </a:pPr>
-            <a:r>
-              <a:rPr lang="fr" sz="2300" b="1">
-                <a:solidFill>
-                  <a:schemeClr val="dk1"/>
-                </a:solidFill>
-                <a:latin typeface="Times New Roman"/>
-                <a:ea typeface="Times New Roman"/>
-                <a:cs typeface="Times New Roman"/>
-                <a:sym typeface="Times New Roman"/>
-              </a:rPr>
-              <a:t>Choose three commune less devafored (Cité_Soleil) </a:t>
-            </a:r>
-            <a:r>
-              <a:rPr lang="fr" sz="2300" b="1" i="1">
-                <a:solidFill>
-                  <a:schemeClr val="dk1"/>
-                </a:solidFill>
-                <a:latin typeface="Times New Roman"/>
-                <a:ea typeface="Times New Roman"/>
-                <a:cs typeface="Times New Roman"/>
-                <a:sym typeface="Times New Roman"/>
-              </a:rPr>
-              <a:t>that could help to make positive marketing and increase student participation</a:t>
-            </a:r>
-            <a:endParaRPr sz="2300" b="1">
-              <a:solidFill>
-                <a:schemeClr val="dk1"/>
-              </a:solidFill>
-              <a:latin typeface="Times New Roman"/>
-              <a:ea typeface="Times New Roman"/>
-              <a:cs typeface="Times New Roman"/>
-              <a:sym typeface="Times New Roman"/>
-            </a:endParaRPr>
-          </a:p>
-          <a:p>
-            <a:pPr marL="0" marR="223520" lvl="0" indent="0" algn="l" rtl="0">
-              <a:lnSpc>
-                <a:spcPct val="113300"/>
-              </a:lnSpc>
-              <a:spcBef>
-                <a:spcPts val="0"/>
-              </a:spcBef>
-              <a:spcAft>
-                <a:spcPts val="0"/>
-              </a:spcAft>
-              <a:buClr>
-                <a:schemeClr val="dk1"/>
-              </a:buClr>
-              <a:buSzPts val="1400"/>
-              <a:buFont typeface="Arial"/>
-              <a:buNone/>
-            </a:pPr>
-            <a:r>
-              <a:rPr lang="fr" sz="2300" b="1">
-                <a:solidFill>
-                  <a:schemeClr val="dk1"/>
-                </a:solidFill>
-                <a:latin typeface="Times New Roman"/>
-                <a:ea typeface="Times New Roman"/>
-                <a:cs typeface="Times New Roman"/>
-                <a:sym typeface="Times New Roman"/>
-              </a:rPr>
-              <a:t>Make more Marketing on </a:t>
-            </a:r>
-            <a:endParaRPr/>
-          </a:p>
-        </p:txBody>
-      </p:sp>
-    </p:spTree>
-  </p:cSld>
-  <p:clrMapOvr>
-    <a:masterClrMapping/>
-  </p:clrMapOvr>
-</p:sld>
-</file>
-
-<file path=ppt/slides/slide13.xml><?xml version="1.0" encoding="utf-8"?>
-<p:sld xmlns:a="http://schemas.openxmlformats.org/drawingml/2006/main" xmlns:r="http://schemas.openxmlformats.org/officeDocument/2006/relationships" xmlns:p="http://schemas.openxmlformats.org/presentationml/2006/main">
-  <p:cSld>
-    <p:spTree>
-      <p:nvGrpSpPr>
-        <p:cNvPr id="1" name="Shape 177"/>
-        <p:cNvGrpSpPr/>
-        <p:nvPr/>
-      </p:nvGrpSpPr>
-      <p:grpSpPr>
-        <a:xfrm>
-          <a:off x="0" y="0"/>
-          <a:ext cx="0" cy="0"/>
-          <a:chOff x="0" y="0"/>
-          <a:chExt cx="0" cy="0"/>
-        </a:xfrm>
-      </p:grpSpPr>
-      <p:sp>
-        <p:nvSpPr>
-          <p:cNvPr id="178" name="Google Shape;178;p31"/>
-          <p:cNvSpPr txBox="1"/>
-          <p:nvPr/>
-        </p:nvSpPr>
-        <p:spPr>
-          <a:xfrm>
-            <a:off x="821750" y="303367"/>
-            <a:ext cx="4086860" cy="421640"/>
-          </a:xfrm>
-          <a:prstGeom prst="rect">
-            <a:avLst/>
-          </a:prstGeom>
-          <a:noFill/>
-          <a:ln>
-            <a:noFill/>
-          </a:ln>
-        </p:spPr>
-        <p:txBody>
-          <a:bodyPr spcFirstLastPara="1" wrap="square" lIns="0" tIns="12700" rIns="0" bIns="0" anchor="t" anchorCtr="0">
-            <a:spAutoFit/>
-          </a:bodyPr>
-          <a:lstStyle/>
-          <a:p>
-            <a:pPr marL="12700" marR="0" lvl="0" indent="0" algn="l" rtl="0">
-              <a:lnSpc>
-                <a:spcPct val="100000"/>
-              </a:lnSpc>
-              <a:spcBef>
-                <a:spcPts val="0"/>
-              </a:spcBef>
-              <a:spcAft>
-                <a:spcPts val="0"/>
-              </a:spcAft>
-              <a:buClr>
-                <a:srgbClr val="000000"/>
-              </a:buClr>
-              <a:buSzPts val="2600"/>
-              <a:buFont typeface="Arial"/>
-              <a:buNone/>
-            </a:pPr>
-            <a:r>
-              <a:rPr lang="fr" sz="2600" b="1" i="0" u="none" strike="noStrike" cap="none">
-                <a:solidFill>
-                  <a:srgbClr val="1A1A1A"/>
-                </a:solidFill>
-                <a:latin typeface="Trebuchet MS"/>
-                <a:ea typeface="Trebuchet MS"/>
-                <a:cs typeface="Trebuchet MS"/>
-                <a:sym typeface="Trebuchet MS"/>
-              </a:rPr>
-              <a:t>References &amp; Appendices</a:t>
-            </a:r>
-            <a:endParaRPr sz="2600" b="0" i="0" u="none" strike="noStrike" cap="none">
-              <a:solidFill>
-                <a:schemeClr val="dk1"/>
-              </a:solidFill>
-              <a:latin typeface="Trebuchet MS"/>
-              <a:ea typeface="Trebuchet MS"/>
-              <a:cs typeface="Trebuchet MS"/>
-              <a:sym typeface="Trebuchet MS"/>
-            </a:endParaRPr>
-          </a:p>
-        </p:txBody>
-      </p:sp>
-      <p:sp>
-        <p:nvSpPr>
-          <p:cNvPr id="179" name="Google Shape;179;p31"/>
-          <p:cNvSpPr txBox="1"/>
-          <p:nvPr/>
-        </p:nvSpPr>
-        <p:spPr>
-          <a:xfrm>
-            <a:off x="802475" y="1275037"/>
-            <a:ext cx="7130400" cy="3111000"/>
-          </a:xfrm>
-          <a:prstGeom prst="rect">
-            <a:avLst/>
-          </a:prstGeom>
-          <a:noFill/>
-          <a:ln>
-            <a:noFill/>
-          </a:ln>
-        </p:spPr>
-        <p:txBody>
-          <a:bodyPr spcFirstLastPara="1" wrap="square" lIns="0" tIns="12700" rIns="0" bIns="0" anchor="t" anchorCtr="0">
-            <a:spAutoFit/>
-          </a:bodyPr>
-          <a:lstStyle/>
-          <a:p>
-            <a:pPr marL="12700" marR="5080" lvl="0" indent="0" algn="l" rtl="0">
-              <a:lnSpc>
-                <a:spcPct val="113300"/>
-              </a:lnSpc>
-              <a:spcBef>
-                <a:spcPts val="0"/>
-              </a:spcBef>
-              <a:spcAft>
-                <a:spcPts val="0"/>
-              </a:spcAft>
-              <a:buClr>
-                <a:srgbClr val="000000"/>
-              </a:buClr>
-              <a:buSzPts val="2000"/>
-              <a:buFont typeface="Arial"/>
-              <a:buNone/>
-            </a:pPr>
-            <a:r>
-              <a:rPr lang="fr" sz="2000" b="1" i="0" u="sng" strike="noStrike" cap="none">
-                <a:solidFill>
-                  <a:schemeClr val="hlink"/>
-                </a:solidFill>
-                <a:latin typeface="Times New Roman"/>
-                <a:ea typeface="Times New Roman"/>
-                <a:cs typeface="Times New Roman"/>
-                <a:sym typeface="Times New Roman"/>
-                <a:hlinkClick r:id="rId3"/>
-              </a:rPr>
-              <a:t>https://towardsdatascience.com/data-preprocessing-concepts-fa946d11c825</a:t>
-            </a:r>
-            <a:endParaRPr sz="2000" b="1" i="0" u="none" strike="noStrike" cap="none">
-              <a:solidFill>
-                <a:schemeClr val="dk1"/>
-              </a:solidFill>
-              <a:latin typeface="Times New Roman"/>
-              <a:ea typeface="Times New Roman"/>
-              <a:cs typeface="Times New Roman"/>
-              <a:sym typeface="Times New Roman"/>
-            </a:endParaRPr>
-          </a:p>
-          <a:p>
-            <a:pPr marL="12700" marR="5080" lvl="0" indent="0" algn="l" rtl="0">
-              <a:lnSpc>
-                <a:spcPct val="113300"/>
-              </a:lnSpc>
-              <a:spcBef>
-                <a:spcPts val="0"/>
-              </a:spcBef>
-              <a:spcAft>
-                <a:spcPts val="0"/>
-              </a:spcAft>
-              <a:buClr>
-                <a:srgbClr val="000000"/>
-              </a:buClr>
-              <a:buSzPts val="2000"/>
-              <a:buFont typeface="Arial"/>
-              <a:buNone/>
-            </a:pPr>
-            <a:endParaRPr sz="2000" b="1" i="0" u="none" strike="noStrike" cap="none">
-              <a:solidFill>
-                <a:schemeClr val="dk1"/>
-              </a:solidFill>
-              <a:latin typeface="Times New Roman"/>
-              <a:ea typeface="Times New Roman"/>
-              <a:cs typeface="Times New Roman"/>
-              <a:sym typeface="Times New Roman"/>
-            </a:endParaRPr>
-          </a:p>
-          <a:p>
-            <a:pPr marL="12700" marR="5080" lvl="0" indent="0" algn="l" rtl="0">
-              <a:lnSpc>
-                <a:spcPct val="113300"/>
-              </a:lnSpc>
-              <a:spcBef>
-                <a:spcPts val="0"/>
-              </a:spcBef>
-              <a:spcAft>
-                <a:spcPts val="0"/>
-              </a:spcAft>
-              <a:buClr>
-                <a:srgbClr val="000000"/>
-              </a:buClr>
-              <a:buSzPts val="2000"/>
-              <a:buFont typeface="Arial"/>
-              <a:buNone/>
-            </a:pPr>
-            <a:r>
-              <a:rPr lang="fr" sz="2000" b="1" i="0" u="sng" strike="noStrike" cap="none">
-                <a:solidFill>
-                  <a:schemeClr val="hlink"/>
-                </a:solidFill>
-                <a:latin typeface="Times New Roman"/>
-                <a:ea typeface="Times New Roman"/>
-                <a:cs typeface="Times New Roman"/>
-                <a:sym typeface="Times New Roman"/>
-                <a:hlinkClick r:id="rId4"/>
-              </a:rPr>
-              <a:t>https://matplotlib.org/</a:t>
-            </a:r>
-            <a:endParaRPr sz="2000" b="1" i="0" u="none" strike="noStrike" cap="none">
-              <a:solidFill>
-                <a:schemeClr val="dk1"/>
-              </a:solidFill>
-              <a:latin typeface="Times New Roman"/>
-              <a:ea typeface="Times New Roman"/>
-              <a:cs typeface="Times New Roman"/>
-              <a:sym typeface="Times New Roman"/>
-            </a:endParaRPr>
-          </a:p>
-          <a:p>
-            <a:pPr marL="12700" marR="5080" lvl="0" indent="0" algn="l" rtl="0">
-              <a:lnSpc>
-                <a:spcPct val="113300"/>
-              </a:lnSpc>
-              <a:spcBef>
-                <a:spcPts val="0"/>
-              </a:spcBef>
-              <a:spcAft>
-                <a:spcPts val="0"/>
-              </a:spcAft>
-              <a:buClr>
-                <a:srgbClr val="000000"/>
-              </a:buClr>
-              <a:buSzPts val="2000"/>
-              <a:buFont typeface="Arial"/>
-              <a:buNone/>
-            </a:pPr>
-            <a:endParaRPr sz="2000" b="1" i="0" u="none" strike="noStrike" cap="none">
-              <a:solidFill>
-                <a:schemeClr val="dk1"/>
-              </a:solidFill>
-              <a:latin typeface="Times New Roman"/>
-              <a:ea typeface="Times New Roman"/>
-              <a:cs typeface="Times New Roman"/>
-              <a:sym typeface="Times New Roman"/>
-            </a:endParaRPr>
-          </a:p>
-          <a:p>
-            <a:pPr marL="12700" marR="5080" lvl="0" indent="0" algn="l" rtl="0">
-              <a:lnSpc>
-                <a:spcPct val="113300"/>
-              </a:lnSpc>
-              <a:spcBef>
-                <a:spcPts val="0"/>
-              </a:spcBef>
-              <a:spcAft>
-                <a:spcPts val="0"/>
-              </a:spcAft>
-              <a:buClr>
-                <a:srgbClr val="000000"/>
-              </a:buClr>
-              <a:buSzPts val="2000"/>
-              <a:buFont typeface="Arial"/>
-              <a:buNone/>
-            </a:pPr>
-            <a:r>
-              <a:rPr lang="fr" sz="2000" b="1" i="0" u="sng" strike="noStrike" cap="none">
-                <a:solidFill>
-                  <a:schemeClr val="hlink"/>
-                </a:solidFill>
-                <a:latin typeface="Times New Roman"/>
-                <a:ea typeface="Times New Roman"/>
-                <a:cs typeface="Times New Roman"/>
-                <a:sym typeface="Times New Roman"/>
-                <a:hlinkClick r:id="rId5"/>
-              </a:rPr>
-              <a:t>https://www.brh.ht/</a:t>
-            </a:r>
-            <a:endParaRPr sz="2000" b="1" i="0" u="none" strike="noStrike" cap="none">
-              <a:solidFill>
-                <a:schemeClr val="dk1"/>
-              </a:solidFill>
-              <a:latin typeface="Times New Roman"/>
-              <a:ea typeface="Times New Roman"/>
-              <a:cs typeface="Times New Roman"/>
-              <a:sym typeface="Times New Roman"/>
-            </a:endParaRPr>
-          </a:p>
-          <a:p>
-            <a:pPr marL="12700" marR="5080" lvl="0" indent="0" algn="l" rtl="0">
-              <a:lnSpc>
-                <a:spcPct val="113300"/>
-              </a:lnSpc>
-              <a:spcBef>
-                <a:spcPts val="0"/>
-              </a:spcBef>
-              <a:spcAft>
-                <a:spcPts val="0"/>
-              </a:spcAft>
-              <a:buClr>
-                <a:srgbClr val="000000"/>
-              </a:buClr>
-              <a:buSzPts val="2000"/>
-              <a:buFont typeface="Arial"/>
-              <a:buNone/>
-            </a:pPr>
-            <a:endParaRPr sz="2000" b="1" i="0" u="none" strike="noStrike" cap="none">
-              <a:solidFill>
-                <a:schemeClr val="dk1"/>
-              </a:solidFill>
-              <a:latin typeface="Times New Roman"/>
-              <a:ea typeface="Times New Roman"/>
-              <a:cs typeface="Times New Roman"/>
-              <a:sym typeface="Times New Roman"/>
-            </a:endParaRPr>
-          </a:p>
-          <a:p>
-            <a:pPr marL="12700" marR="5080" lvl="0" indent="0" algn="l" rtl="0">
-              <a:lnSpc>
-                <a:spcPct val="113300"/>
-              </a:lnSpc>
-              <a:spcBef>
-                <a:spcPts val="0"/>
-              </a:spcBef>
-              <a:spcAft>
-                <a:spcPts val="0"/>
-              </a:spcAft>
-              <a:buClr>
-                <a:srgbClr val="000000"/>
-              </a:buClr>
-              <a:buSzPts val="2000"/>
-              <a:buFont typeface="Arial"/>
-              <a:buNone/>
-            </a:pPr>
-            <a:r>
-              <a:rPr lang="fr" sz="2000" b="1" i="0" u="sng" strike="noStrike" cap="none">
-                <a:solidFill>
-                  <a:schemeClr val="hlink"/>
-                </a:solidFill>
-                <a:latin typeface="Times New Roman"/>
-                <a:ea typeface="Times New Roman"/>
-                <a:cs typeface="Times New Roman"/>
-                <a:sym typeface="Times New Roman"/>
-                <a:hlinkClick r:id="rId6"/>
-              </a:rPr>
-              <a:t>https://courses.ayitianalytics.org/</a:t>
-            </a:r>
-            <a:endParaRPr sz="2000" b="1" i="0" u="none" strike="noStrike" cap="none">
-              <a:solidFill>
-                <a:schemeClr val="dk1"/>
-              </a:solidFill>
-              <a:latin typeface="Times New Roman"/>
-              <a:ea typeface="Times New Roman"/>
-              <a:cs typeface="Times New Roman"/>
-              <a:sym typeface="Times New Roman"/>
-            </a:endParaRPr>
-          </a:p>
-          <a:p>
-            <a:pPr marL="12700" marR="5080" lvl="0" indent="0" algn="l" rtl="0">
-              <a:lnSpc>
-                <a:spcPct val="113300"/>
-              </a:lnSpc>
-              <a:spcBef>
-                <a:spcPts val="0"/>
-              </a:spcBef>
-              <a:spcAft>
-                <a:spcPts val="0"/>
-              </a:spcAft>
-              <a:buClr>
-                <a:srgbClr val="000000"/>
-              </a:buClr>
-              <a:buSzPts val="2000"/>
-              <a:buFont typeface="Arial"/>
-              <a:buNone/>
-            </a:pPr>
-            <a:endParaRPr sz="2000" b="1" i="0" u="none" strike="noStrike" cap="none">
-              <a:solidFill>
-                <a:schemeClr val="dk1"/>
-              </a:solidFill>
-              <a:latin typeface="Times New Roman"/>
-              <a:ea typeface="Times New Roman"/>
-              <a:cs typeface="Times New Roman"/>
-              <a:sym typeface="Times New Roman"/>
-            </a:endParaRPr>
-          </a:p>
-        </p:txBody>
-      </p:sp>
-    </p:spTree>
-  </p:cSld>
-  <p:clrMapOvr>
-    <a:masterClrMapping/>
-  </p:clrMapOvr>
-</p:sld>
-</file>
-
-<file path=ppt/slides/slide14.xml><?xml version="1.0" encoding="utf-8"?>
-<p:sld xmlns:a="http://schemas.openxmlformats.org/drawingml/2006/main" xmlns:r="http://schemas.openxmlformats.org/officeDocument/2006/relationships" xmlns:p="http://schemas.openxmlformats.org/presentationml/2006/main">
-  <p:cSld>
-    <p:spTree>
-      <p:nvGrpSpPr>
-        <p:cNvPr id="1" name="Shape 183"/>
-        <p:cNvGrpSpPr/>
-        <p:nvPr/>
-      </p:nvGrpSpPr>
-      <p:grpSpPr>
-        <a:xfrm>
-          <a:off x="0" y="0"/>
-          <a:ext cx="0" cy="0"/>
-          <a:chOff x="0" y="0"/>
-          <a:chExt cx="0" cy="0"/>
-        </a:xfrm>
-      </p:grpSpPr>
-      <p:sp>
-        <p:nvSpPr>
-          <p:cNvPr id="184" name="Google Shape;184;p32"/>
-          <p:cNvSpPr txBox="1">
-            <a:spLocks noGrp="1"/>
-          </p:cNvSpPr>
-          <p:nvPr>
-            <p:ph type="title"/>
-          </p:nvPr>
-        </p:nvSpPr>
-        <p:spPr>
-          <a:xfrm>
-            <a:off x="821750" y="303367"/>
-            <a:ext cx="3742800" cy="421500"/>
-          </a:xfrm>
-          <a:prstGeom prst="rect">
-            <a:avLst/>
-          </a:prstGeom>
-          <a:noFill/>
-          <a:ln>
-            <a:noFill/>
-          </a:ln>
-        </p:spPr>
-        <p:txBody>
-          <a:bodyPr spcFirstLastPara="1" wrap="square" lIns="0" tIns="12700" rIns="0" bIns="0" anchor="t" anchorCtr="0">
-            <a:spAutoFit/>
-          </a:bodyPr>
-          <a:lstStyle/>
-          <a:p>
-            <a:pPr marL="12700" lvl="0" indent="0" algn="l" rtl="0">
-              <a:lnSpc>
-                <a:spcPct val="100000"/>
-              </a:lnSpc>
-              <a:spcBef>
-                <a:spcPts val="0"/>
-              </a:spcBef>
-              <a:spcAft>
-                <a:spcPts val="0"/>
-              </a:spcAft>
-              <a:buSzPts val="1400"/>
-              <a:buNone/>
-            </a:pPr>
-            <a:r>
-              <a:rPr lang="fr"/>
-              <a:t>Present Team Members</a:t>
-            </a:r>
-            <a:endParaRPr/>
-          </a:p>
-        </p:txBody>
-      </p:sp>
-      <p:sp>
-        <p:nvSpPr>
-          <p:cNvPr id="185" name="Google Shape;185;p32"/>
-          <p:cNvSpPr txBox="1"/>
-          <p:nvPr/>
-        </p:nvSpPr>
-        <p:spPr>
-          <a:xfrm>
-            <a:off x="908375" y="1275025"/>
-            <a:ext cx="4616700" cy="2359800"/>
-          </a:xfrm>
-          <a:prstGeom prst="rect">
-            <a:avLst/>
-          </a:prstGeom>
-          <a:noFill/>
-          <a:ln>
-            <a:noFill/>
-          </a:ln>
-        </p:spPr>
-        <p:txBody>
-          <a:bodyPr spcFirstLastPara="1" wrap="square" lIns="0" tIns="45075" rIns="0" bIns="0" anchor="t" anchorCtr="0">
-            <a:spAutoFit/>
-          </a:bodyPr>
-          <a:lstStyle/>
-          <a:p>
-            <a:pPr marL="363855" marR="0" lvl="0" indent="-363855" algn="l" rtl="0">
-              <a:lnSpc>
-                <a:spcPct val="100000"/>
-              </a:lnSpc>
-              <a:spcBef>
-                <a:spcPts val="0"/>
-              </a:spcBef>
-              <a:spcAft>
-                <a:spcPts val="0"/>
-              </a:spcAft>
-              <a:buClr>
-                <a:schemeClr val="dk1"/>
-              </a:buClr>
-              <a:buSzPts val="2400"/>
-              <a:buFont typeface="Times New Roman"/>
-              <a:buChar char="●"/>
-            </a:pPr>
-            <a:r>
-              <a:rPr lang="fr" sz="2400" b="1" i="0" u="none" strike="noStrike" cap="none">
-                <a:solidFill>
-                  <a:schemeClr val="dk1"/>
-                </a:solidFill>
-                <a:latin typeface="Times New Roman"/>
-                <a:ea typeface="Times New Roman"/>
-                <a:cs typeface="Times New Roman"/>
-                <a:sym typeface="Times New Roman"/>
-              </a:rPr>
-              <a:t>Team Member 1 : Moïse Masson</a:t>
-            </a:r>
-            <a:endParaRPr sz="2400" b="1" i="0" u="none" strike="noStrike" cap="none">
-              <a:solidFill>
-                <a:schemeClr val="dk1"/>
-              </a:solidFill>
-              <a:latin typeface="Times New Roman"/>
-              <a:ea typeface="Times New Roman"/>
-              <a:cs typeface="Times New Roman"/>
-              <a:sym typeface="Times New Roman"/>
-            </a:endParaRPr>
-          </a:p>
-          <a:p>
-            <a:pPr marL="363855" marR="0" lvl="0" indent="-211455" algn="l" rtl="0">
-              <a:lnSpc>
-                <a:spcPct val="100000"/>
-              </a:lnSpc>
-              <a:spcBef>
-                <a:spcPts val="0"/>
-              </a:spcBef>
-              <a:spcAft>
-                <a:spcPts val="0"/>
-              </a:spcAft>
-              <a:buClr>
-                <a:schemeClr val="dk1"/>
-              </a:buClr>
-              <a:buSzPts val="2400"/>
-              <a:buFont typeface="Times New Roman"/>
-              <a:buNone/>
-            </a:pPr>
-            <a:endParaRPr sz="2400" b="1" i="0" u="none" strike="noStrike" cap="none">
-              <a:solidFill>
-                <a:schemeClr val="dk1"/>
-              </a:solidFill>
-              <a:latin typeface="Times New Roman"/>
-              <a:ea typeface="Times New Roman"/>
-              <a:cs typeface="Times New Roman"/>
-              <a:sym typeface="Times New Roman"/>
-            </a:endParaRPr>
-          </a:p>
-          <a:p>
-            <a:pPr marL="363855" marR="0" lvl="0" indent="-363855" algn="l" rtl="0">
-              <a:lnSpc>
-                <a:spcPct val="100000"/>
-              </a:lnSpc>
-              <a:spcBef>
-                <a:spcPts val="254"/>
-              </a:spcBef>
-              <a:spcAft>
-                <a:spcPts val="0"/>
-              </a:spcAft>
-              <a:buClr>
-                <a:schemeClr val="dk1"/>
-              </a:buClr>
-              <a:buSzPts val="2400"/>
-              <a:buFont typeface="Times New Roman"/>
-              <a:buChar char="●"/>
-            </a:pPr>
-            <a:r>
-              <a:rPr lang="fr" sz="2400" b="1" i="0" u="none" strike="noStrike" cap="none">
-                <a:solidFill>
-                  <a:schemeClr val="dk1"/>
-                </a:solidFill>
-                <a:latin typeface="Times New Roman"/>
-                <a:ea typeface="Times New Roman"/>
-                <a:cs typeface="Times New Roman"/>
-                <a:sym typeface="Times New Roman"/>
-              </a:rPr>
-              <a:t>Team Member 2 : Moise Mason</a:t>
-            </a:r>
-            <a:endParaRPr sz="2400" b="1" i="0" u="none" strike="noStrike" cap="none">
-              <a:solidFill>
-                <a:schemeClr val="dk1"/>
-              </a:solidFill>
-              <a:latin typeface="Times New Roman"/>
-              <a:ea typeface="Times New Roman"/>
-              <a:cs typeface="Times New Roman"/>
-              <a:sym typeface="Times New Roman"/>
-            </a:endParaRPr>
-          </a:p>
-          <a:p>
-            <a:pPr marL="363855" marR="0" lvl="0" indent="-211455" algn="l" rtl="0">
-              <a:lnSpc>
-                <a:spcPct val="100000"/>
-              </a:lnSpc>
-              <a:spcBef>
-                <a:spcPts val="254"/>
-              </a:spcBef>
-              <a:spcAft>
-                <a:spcPts val="0"/>
-              </a:spcAft>
-              <a:buClr>
-                <a:schemeClr val="dk1"/>
-              </a:buClr>
-              <a:buSzPts val="2400"/>
-              <a:buFont typeface="Times New Roman"/>
-              <a:buNone/>
-            </a:pPr>
-            <a:endParaRPr sz="2400" b="1" i="0" u="none" strike="noStrike" cap="none">
-              <a:solidFill>
-                <a:schemeClr val="dk1"/>
-              </a:solidFill>
-              <a:latin typeface="Times New Roman"/>
-              <a:ea typeface="Times New Roman"/>
-              <a:cs typeface="Times New Roman"/>
-              <a:sym typeface="Times New Roman"/>
-            </a:endParaRPr>
-          </a:p>
-          <a:p>
-            <a:pPr marL="363855" marR="0" lvl="0" indent="-363855" algn="l" rtl="0">
-              <a:lnSpc>
-                <a:spcPct val="100000"/>
-              </a:lnSpc>
-              <a:spcBef>
-                <a:spcPts val="254"/>
-              </a:spcBef>
-              <a:spcAft>
-                <a:spcPts val="0"/>
-              </a:spcAft>
-              <a:buClr>
-                <a:schemeClr val="dk1"/>
-              </a:buClr>
-              <a:buSzPts val="2400"/>
-              <a:buFont typeface="Times New Roman"/>
-              <a:buChar char="●"/>
-            </a:pPr>
-            <a:r>
-              <a:rPr lang="fr" sz="2400" b="1" i="0" u="none" strike="noStrike" cap="none">
-                <a:solidFill>
-                  <a:schemeClr val="dk1"/>
-                </a:solidFill>
-                <a:latin typeface="Times New Roman"/>
-                <a:ea typeface="Times New Roman"/>
-                <a:cs typeface="Times New Roman"/>
-                <a:sym typeface="Times New Roman"/>
-              </a:rPr>
-              <a:t>Team Member 3 : Moïse Masson</a:t>
-            </a:r>
-            <a:br>
-              <a:rPr lang="fr" sz="2400" b="1" i="0" u="none" strike="noStrike" cap="none">
-                <a:solidFill>
-                  <a:schemeClr val="dk1"/>
-                </a:solidFill>
-                <a:latin typeface="Times New Roman"/>
-                <a:ea typeface="Times New Roman"/>
-                <a:cs typeface="Times New Roman"/>
-                <a:sym typeface="Times New Roman"/>
-              </a:rPr>
-            </a:br>
-            <a:endParaRPr sz="2400" b="1" i="0" u="none" strike="noStrike" cap="none">
-              <a:solidFill>
-                <a:schemeClr val="dk1"/>
-              </a:solidFill>
-              <a:latin typeface="Times New Roman"/>
-              <a:ea typeface="Times New Roman"/>
-              <a:cs typeface="Times New Roman"/>
-              <a:sym typeface="Times New Roman"/>
             </a:endParaRPr>
           </a:p>
         </p:txBody>
@@ -19443,7 +16665,7 @@
         <p:spPr>
           <a:xfrm>
             <a:off x="904350" y="1116300"/>
-            <a:ext cx="8026200" cy="3340200"/>
+            <a:ext cx="8025641" cy="2169794"/>
           </a:xfrm>
           <a:prstGeom prst="rect">
             <a:avLst/>
@@ -19477,7 +16699,7 @@
               <a:buChar char="●"/>
             </a:pPr>
             <a:r>
-              <a:rPr lang="fr" sz="3300" b="1" i="0" u="none" strike="noStrike" cap="none">
+              <a:rPr lang="fr" sz="3300" b="1" dirty="0" smtClean="0">
                 <a:solidFill>
                   <a:schemeClr val="dk1"/>
                 </a:solidFill>
@@ -19486,9 +16708,9 @@
                 <a:cs typeface="Times New Roman"/>
                 <a:sym typeface="Times New Roman"/>
               </a:rPr>
-              <a:t>Describe the Business Problem</a:t>
+              <a:t>Intro</a:t>
             </a:r>
-            <a:endParaRPr sz="3300" b="1" i="0" u="none" strike="noStrike" cap="none">
+            <a:endParaRPr lang="fr" sz="3300" b="1" i="0" u="none" strike="noStrike" cap="none" dirty="0" smtClean="0">
               <a:solidFill>
                 <a:schemeClr val="dk1"/>
               </a:solidFill>
@@ -19499,7 +16721,7 @@
             </a:endParaRPr>
           </a:p>
           <a:p>
-            <a:pPr marL="457200" marR="0" lvl="0" indent="-444500" algn="l" rtl="0">
+            <a:pPr marL="457200" marR="0" lvl="0" indent="-438150" algn="l" rtl="0">
               <a:lnSpc>
                 <a:spcPct val="100000"/>
               </a:lnSpc>
@@ -19512,12 +16734,12 @@
               <a:buClr>
                 <a:schemeClr val="dk1"/>
               </a:buClr>
-              <a:buSzPts val="3400"/>
+              <a:buSzPts val="3300"/>
               <a:buFont typeface="Times New Roman"/>
               <a:buChar char="●"/>
             </a:pPr>
             <a:r>
-              <a:rPr lang="fr" sz="3400" b="1" i="0" u="none" strike="noStrike" cap="none">
+              <a:rPr lang="fr" sz="3300" b="1" i="0" u="none" strike="noStrike" cap="none" dirty="0" smtClean="0">
                 <a:solidFill>
                   <a:schemeClr val="dk1"/>
                 </a:solidFill>
@@ -19526,49 +16748,9 @@
                 <a:cs typeface="Times New Roman"/>
                 <a:sym typeface="Times New Roman"/>
               </a:rPr>
-              <a:t>Methodology</a:t>
+              <a:t>Describe How Loan are distributed by Gender</a:t>
             </a:r>
-            <a:endParaRPr sz="3400" b="1" i="0" u="none" strike="noStrike" cap="none">
-              <a:solidFill>
-                <a:schemeClr val="dk1"/>
-              </a:solidFill>
-              <a:latin typeface="Times New Roman"/>
-              <a:ea typeface="Times New Roman"/>
-              <a:cs typeface="Times New Roman"/>
-              <a:sym typeface="Times New Roman"/>
-            </a:endParaRPr>
-          </a:p>
-          <a:p>
-            <a:pPr marL="457200" marR="0" lvl="0" indent="-444500" algn="l" rtl="0">
-              <a:lnSpc>
-                <a:spcPct val="100000"/>
-              </a:lnSpc>
-              <a:spcBef>
-                <a:spcPts val="0"/>
-              </a:spcBef>
-              <a:spcAft>
-                <a:spcPts val="0"/>
-              </a:spcAft>
-              <a:buClr>
-                <a:schemeClr val="dk1"/>
-              </a:buClr>
-              <a:buSzPts val="3400"/>
-              <a:buFont typeface="Times New Roman"/>
-              <a:buChar char="●"/>
-            </a:pPr>
-            <a:r>
-              <a:rPr lang="fr" sz="3400" b="1" i="0" u="none" strike="noStrike" cap="none">
-                <a:solidFill>
-                  <a:schemeClr val="dk1"/>
-                </a:solidFill>
-                <a:latin typeface="Times New Roman"/>
-                <a:ea typeface="Times New Roman"/>
-                <a:cs typeface="Times New Roman"/>
-                <a:sym typeface="Times New Roman"/>
-              </a:rPr>
-              <a:t>Result</a:t>
-            </a:r>
-            <a:endParaRPr sz="3400" b="1" i="0" u="none" strike="noStrike" cap="none">
+            <a:endParaRPr sz="3400" b="1" i="0" u="none" strike="noStrike" cap="none" dirty="0">
               <a:solidFill>
                 <a:schemeClr val="dk1"/>
               </a:solidFill>
@@ -19597,7 +16779,7 @@
               <a:buChar char="●"/>
             </a:pPr>
             <a:r>
-              <a:rPr lang="fr" sz="3000" b="1" i="0" u="none" strike="noStrike" cap="none">
+              <a:rPr lang="fr" sz="3000" b="1" i="0" u="none" strike="noStrike" cap="none" dirty="0" smtClean="0">
                 <a:solidFill>
                   <a:schemeClr val="dk1"/>
                 </a:solidFill>
@@ -19606,38 +16788,10 @@
                 <a:cs typeface="Times New Roman"/>
                 <a:sym typeface="Times New Roman"/>
               </a:rPr>
-              <a:t>Discussion &amp; Proposed Solution</a:t>
+              <a:t>Discussion </a:t>
             </a:r>
-            <a:endParaRPr sz="3000" b="1" i="0" u="none" strike="noStrike" cap="none">
-              <a:solidFill>
-                <a:schemeClr val="dk1"/>
-              </a:solidFill>
-              <a:latin typeface="Times New Roman"/>
-              <a:ea typeface="Times New Roman"/>
-              <a:cs typeface="Times New Roman"/>
-              <a:sym typeface="Times New Roman"/>
-            </a:endParaRPr>
-          </a:p>
-          <a:p>
-            <a:pPr marL="457200" marR="0" lvl="0" indent="-438150" algn="l" rtl="0">
-              <a:lnSpc>
-                <a:spcPct val="100000"/>
-              </a:lnSpc>
-              <a:spcBef>
-                <a:spcPts val="0"/>
-              </a:spcBef>
-              <a:spcAft>
-                <a:spcPts val="0"/>
-              </a:spcAft>
-              <a:buClr>
-                <a:schemeClr val="dk1"/>
-              </a:buClr>
-              <a:buSzPts val="3300"/>
-              <a:buFont typeface="Times New Roman"/>
-              <a:buChar char="●"/>
-            </a:pPr>
             <a:r>
-              <a:rPr lang="fr" sz="2900" b="1" i="0" u="none" strike="noStrike" cap="none">
+              <a:rPr lang="fr" sz="3000" b="1" i="0" u="none" strike="noStrike" cap="none" dirty="0">
                 <a:solidFill>
                   <a:schemeClr val="dk1"/>
                 </a:solidFill>
@@ -19646,38 +16800,10 @@
                 <a:cs typeface="Times New Roman"/>
                 <a:sym typeface="Times New Roman"/>
               </a:rPr>
-              <a:t>References &amp; Appendices</a:t>
+              <a:t>&amp; Proposed </a:t>
             </a:r>
-            <a:endParaRPr sz="2900" b="1" i="0" u="none" strike="noStrike" cap="none">
-              <a:solidFill>
-                <a:schemeClr val="dk1"/>
-              </a:solidFill>
-              <a:latin typeface="Times New Roman"/>
-              <a:ea typeface="Times New Roman"/>
-              <a:cs typeface="Times New Roman"/>
-              <a:sym typeface="Times New Roman"/>
-            </a:endParaRPr>
-          </a:p>
-          <a:p>
-            <a:pPr marL="457200" marR="0" lvl="0" indent="-450850" algn="l" rtl="0">
-              <a:lnSpc>
-                <a:spcPct val="100000"/>
-              </a:lnSpc>
-              <a:spcBef>
-                <a:spcPts val="0"/>
-              </a:spcBef>
-              <a:spcAft>
-                <a:spcPts val="0"/>
-              </a:spcAft>
-              <a:buClr>
-                <a:schemeClr val="dk1"/>
-              </a:buClr>
-              <a:buSzPts val="3500"/>
-              <a:buFont typeface="Times New Roman"/>
-              <a:buChar char="●"/>
-            </a:pPr>
             <a:r>
-              <a:rPr lang="fr" sz="2900" b="1" i="0" u="none" strike="noStrike" cap="none">
+              <a:rPr lang="fr" sz="3000" b="1" i="0" u="none" strike="noStrike" cap="none" dirty="0" smtClean="0">
                 <a:solidFill>
                   <a:schemeClr val="dk1"/>
                 </a:solidFill>
@@ -19686,9 +16812,9 @@
                 <a:cs typeface="Times New Roman"/>
                 <a:sym typeface="Times New Roman"/>
               </a:rPr>
-              <a:t>Present Team Members</a:t>
+              <a:t>Solution</a:t>
             </a:r>
-            <a:endParaRPr sz="3500" b="1" i="0" u="none" strike="noStrike" cap="none">
+            <a:endParaRPr sz="3000" b="1" i="0" u="none" strike="noStrike" cap="none" dirty="0">
               <a:solidFill>
                 <a:schemeClr val="dk1"/>
               </a:solidFill>
@@ -19727,56 +16853,6 @@
       </p:grpSpPr>
       <p:sp>
         <p:nvSpPr>
-          <p:cNvPr id="110" name="Google Shape;110;p21"/>
-          <p:cNvSpPr txBox="1">
-            <a:spLocks noGrp="1"/>
-          </p:cNvSpPr>
-          <p:nvPr>
-            <p:ph type="title"/>
-          </p:nvPr>
-        </p:nvSpPr>
-        <p:spPr>
-          <a:xfrm>
-            <a:off x="821750" y="303367"/>
-            <a:ext cx="1376700" cy="421500"/>
-          </a:xfrm>
-          <a:prstGeom prst="rect">
-            <a:avLst/>
-          </a:prstGeom>
-          <a:noFill/>
-          <a:ln>
-            <a:noFill/>
-          </a:ln>
-        </p:spPr>
-        <p:txBody>
-          <a:bodyPr spcFirstLastPara="1" wrap="square" lIns="0" tIns="12700" rIns="0" bIns="0" anchor="t" anchorCtr="0">
-            <a:spAutoFit/>
-          </a:bodyPr>
-          <a:lstStyle/>
-          <a:p>
-            <a:pPr marL="12700" lvl="0" indent="0" algn="l" rtl="0">
-              <a:lnSpc>
-                <a:spcPct val="100000"/>
-              </a:lnSpc>
-              <a:spcBef>
-                <a:spcPts val="0"/>
-              </a:spcBef>
-              <a:spcAft>
-                <a:spcPts val="0"/>
-              </a:spcAft>
-              <a:buSzPts val="1400"/>
-              <a:buNone/>
-            </a:pPr>
-            <a:r>
-              <a:rPr lang="fr"/>
-              <a:t>Problem</a:t>
-            </a:r>
-            <a:endParaRPr/>
-          </a:p>
-        </p:txBody>
-      </p:sp>
-      <p:sp>
-        <p:nvSpPr>
           <p:cNvPr id="111" name="Google Shape;111;p21"/>
           <p:cNvSpPr txBox="1"/>
           <p:nvPr/>
@@ -19837,8 +16913,8 @@
         </p:nvSpPr>
         <p:spPr>
           <a:xfrm>
-            <a:off x="4804400" y="1073925"/>
-            <a:ext cx="3888600" cy="3417000"/>
+            <a:off x="821750" y="1073925"/>
+            <a:ext cx="7940413" cy="2154406"/>
           </a:xfrm>
           <a:prstGeom prst="rect">
             <a:avLst/>
@@ -19854,102 +16930,70 @@
           </a:bodyPr>
           <a:lstStyle/>
           <a:p>
-            <a:pPr marL="0" marR="0" lvl="0" indent="0" algn="l" rtl="0">
-              <a:lnSpc>
-                <a:spcPct val="100000"/>
-              </a:lnSpc>
-              <a:spcBef>
-                <a:spcPts val="0"/>
-              </a:spcBef>
-              <a:spcAft>
-                <a:spcPts val="0"/>
-              </a:spcAft>
-              <a:buClr>
-                <a:srgbClr val="000000"/>
-              </a:buClr>
+            <a:pPr lvl="0">
               <a:buSzPts val="3000"/>
-              <a:buFont typeface="Arial"/>
-              <a:buNone/>
             </a:pPr>
             <a:r>
-              <a:rPr lang="fr" sz="3000" b="1" i="0" u="none" strike="noStrike" cap="none">
-                <a:solidFill>
-                  <a:schemeClr val="dk1"/>
-                </a:solidFill>
-                <a:latin typeface="Times New Roman"/>
-                <a:ea typeface="Times New Roman"/>
-                <a:cs typeface="Times New Roman"/>
-                <a:sym typeface="Times New Roman"/>
+              <a:rPr lang="en-US" sz="3200" b="1" dirty="0">
+                <a:latin typeface="Times New Roman" panose="02020603050405020304" pitchFamily="18" charset="0"/>
+                <a:cs typeface="Times New Roman" panose="02020603050405020304" pitchFamily="18" charset="0"/>
               </a:rPr>
-              <a:t>Ayiti Analytics does not know how to increase the number of students who should apply for the Bootcamp</a:t>
+              <a:t>In an area of Texas, It seems that loan are distributed differently by gender regardless of a </a:t>
             </a:r>
-            <a:endParaRPr sz="3000" b="1" i="0" u="none" strike="noStrike" cap="none">
+            <a:r>
+              <a:rPr lang="en-US" sz="3200" b="1" dirty="0" smtClean="0">
+                <a:latin typeface="Times New Roman" panose="02020603050405020304" pitchFamily="18" charset="0"/>
+                <a:cs typeface="Times New Roman" panose="02020603050405020304" pitchFamily="18" charset="0"/>
+              </a:rPr>
+              <a:t>monthly </a:t>
+            </a:r>
+            <a:r>
+              <a:rPr lang="en-US" sz="3200" b="1" dirty="0">
+                <a:latin typeface="Times New Roman" panose="02020603050405020304" pitchFamily="18" charset="0"/>
+                <a:cs typeface="Times New Roman" panose="02020603050405020304" pitchFamily="18" charset="0"/>
+              </a:rPr>
+              <a:t>distribution or number of transaction </a:t>
+            </a:r>
+            <a:endParaRPr sz="3000" b="1" i="0" u="none" strike="noStrike" cap="none" dirty="0">
               <a:solidFill>
                 <a:schemeClr val="dk1"/>
               </a:solidFill>
-              <a:latin typeface="Times New Roman"/>
+              <a:latin typeface="Times New Roman" panose="02020603050405020304" pitchFamily="18" charset="0"/>
               <a:ea typeface="Times New Roman"/>
-              <a:cs typeface="Times New Roman"/>
-              <a:sym typeface="Times New Roman"/>
-            </a:endParaRPr>
-          </a:p>
-          <a:p>
-            <a:pPr marL="0" marR="0" lvl="0" indent="0" algn="l" rtl="0">
-              <a:lnSpc>
-                <a:spcPct val="100000"/>
-              </a:lnSpc>
-              <a:spcBef>
-                <a:spcPts val="0"/>
-              </a:spcBef>
-              <a:spcAft>
-                <a:spcPts val="0"/>
-              </a:spcAft>
-              <a:buClr>
-                <a:srgbClr val="000000"/>
-              </a:buClr>
-              <a:buSzPts val="3000"/>
-              <a:buFont typeface="Arial"/>
-              <a:buNone/>
-            </a:pPr>
-            <a:endParaRPr sz="3000" b="1" i="0" u="none" strike="noStrike" cap="none">
-              <a:solidFill>
-                <a:schemeClr val="dk1"/>
-              </a:solidFill>
-              <a:latin typeface="Times New Roman"/>
-              <a:ea typeface="Times New Roman"/>
-              <a:cs typeface="Times New Roman"/>
+              <a:cs typeface="Times New Roman" panose="02020603050405020304" pitchFamily="18" charset="0"/>
               <a:sym typeface="Times New Roman"/>
             </a:endParaRPr>
           </a:p>
         </p:txBody>
       </p:sp>
-      <p:pic>
-        <p:nvPicPr>
-          <p:cNvPr id="113" name="Google Shape;113;p21"/>
-          <p:cNvPicPr preferRelativeResize="0"/>
-          <p:nvPr/>
-        </p:nvPicPr>
-        <p:blipFill rotWithShape="1">
-          <a:blip r:embed="rId3">
-            <a:alphaModFix/>
-          </a:blip>
-          <a:srcRect/>
-          <a:stretch/>
-        </p:blipFill>
+      <p:sp>
+        <p:nvSpPr>
+          <p:cNvPr id="2" name="Title 1"/>
+          <p:cNvSpPr>
+            <a:spLocks noGrp="1"/>
+          </p:cNvSpPr>
+          <p:nvPr>
+            <p:ph type="title"/>
+          </p:nvPr>
+        </p:nvSpPr>
         <p:spPr>
           <a:xfrm>
-            <a:off x="720650" y="877275"/>
-            <a:ext cx="3669700" cy="3669700"/>
+            <a:off x="821750" y="303367"/>
+            <a:ext cx="7500600" cy="400110"/>
           </a:xfrm>
-          <a:prstGeom prst="rect">
-            <a:avLst/>
-          </a:prstGeom>
-          <a:noFill/>
-          <a:ln>
-            <a:noFill/>
-          </a:ln>
         </p:spPr>
-      </p:pic>
+        <p:txBody>
+          <a:bodyPr/>
+          <a:lstStyle/>
+          <a:p>
+            <a:r>
+              <a:rPr lang="en-US" dirty="0" smtClean="0"/>
+              <a:t>Intro</a:t>
+            </a:r>
+            <a:endParaRPr lang="en-US" dirty="0"/>
+          </a:p>
+        </p:txBody>
+      </p:sp>
     </p:spTree>
   </p:cSld>
   <p:clrMapOvr>
@@ -19988,7 +17032,7 @@
         <p:spPr>
           <a:xfrm>
             <a:off x="821750" y="303367"/>
-            <a:ext cx="7500600" cy="400200"/>
+            <a:ext cx="7500600" cy="430887"/>
           </a:xfrm>
           <a:prstGeom prst="rect">
             <a:avLst/>
@@ -20004,245 +17048,262 @@
           </a:bodyPr>
           <a:lstStyle/>
           <a:p>
-            <a:pPr marL="0" lvl="0" indent="0" algn="l" rtl="0">
-              <a:lnSpc>
-                <a:spcPct val="100000"/>
-              </a:lnSpc>
-              <a:spcBef>
-                <a:spcPts val="0"/>
-              </a:spcBef>
-              <a:spcAft>
-                <a:spcPts val="0"/>
-              </a:spcAft>
-              <a:buSzPts val="1400"/>
-              <a:buNone/>
-            </a:pPr>
             <a:r>
-              <a:rPr lang="fr"/>
-              <a:t>What Ayiti Analytics needs ?</a:t>
+              <a:rPr lang="en-US" sz="2800" dirty="0">
+                <a:solidFill>
+                  <a:schemeClr val="dk1"/>
+                </a:solidFill>
+                <a:latin typeface="Times New Roman"/>
+                <a:ea typeface="Times New Roman"/>
+                <a:cs typeface="Times New Roman"/>
+                <a:sym typeface="Times New Roman"/>
+              </a:rPr>
+              <a:t>Describe How Loan are distributed by </a:t>
             </a:r>
-            <a:endParaRPr/>
+            <a:r>
+              <a:rPr lang="en-US" sz="2800" dirty="0" smtClean="0">
+                <a:solidFill>
+                  <a:schemeClr val="dk1"/>
+                </a:solidFill>
+                <a:latin typeface="Times New Roman"/>
+                <a:ea typeface="Times New Roman"/>
+                <a:cs typeface="Times New Roman"/>
+                <a:sym typeface="Times New Roman"/>
+              </a:rPr>
+              <a:t>Gender</a:t>
+            </a:r>
+            <a:endParaRPr dirty="0"/>
           </a:p>
         </p:txBody>
       </p:sp>
       <p:sp>
         <p:nvSpPr>
-          <p:cNvPr id="119" name="Google Shape;119;p22"/>
-          <p:cNvSpPr txBox="1">
-            <a:spLocks noGrp="1"/>
-          </p:cNvSpPr>
-          <p:nvPr>
-            <p:ph type="body" idx="1"/>
-          </p:nvPr>
+          <p:cNvPr id="2" name="Rectangle 1"/>
+          <p:cNvSpPr/>
+          <p:nvPr/>
         </p:nvSpPr>
         <p:spPr>
           <a:xfrm>
-            <a:off x="650000" y="1144575"/>
-            <a:ext cx="8379300" cy="3570900"/>
+            <a:off x="555811" y="932329"/>
+            <a:ext cx="3418605" cy="4096871"/>
           </a:xfrm>
           <a:prstGeom prst="rect">
             <a:avLst/>
           </a:prstGeom>
-          <a:noFill/>
-          <a:ln>
-            <a:noFill/>
-          </a:ln>
+          <a:solidFill>
+            <a:schemeClr val="bg1"/>
+          </a:solidFill>
         </p:spPr>
+        <p:style>
+          <a:lnRef idx="2">
+            <a:schemeClr val="accent1">
+              <a:shade val="50000"/>
+            </a:schemeClr>
+          </a:lnRef>
+          <a:fillRef idx="1">
+            <a:schemeClr val="accent1"/>
+          </a:fillRef>
+          <a:effectRef idx="0">
+            <a:schemeClr val="accent1"/>
+          </a:effectRef>
+          <a:fontRef idx="minor">
+            <a:schemeClr val="lt1"/>
+          </a:fontRef>
+        </p:style>
         <p:txBody>
-          <a:bodyPr spcFirstLastPara="1" wrap="square" lIns="0" tIns="0" rIns="0" bIns="0" anchor="t" anchorCtr="0">
-            <a:spAutoFit/>
-          </a:bodyPr>
+          <a:bodyPr rtlCol="0" anchor="ctr"/>
           <a:lstStyle/>
           <a:p>
-            <a:pPr marL="0" lvl="0" indent="0" algn="l" rtl="0">
-              <a:lnSpc>
-                <a:spcPct val="100000"/>
-              </a:lnSpc>
-              <a:spcBef>
-                <a:spcPts val="0"/>
-              </a:spcBef>
-              <a:spcAft>
-                <a:spcPts val="0"/>
-              </a:spcAft>
-              <a:buSzPts val="1400"/>
-              <a:buNone/>
+            <a:pPr marL="285750" indent="-285750">
+              <a:buFont typeface="Arial" panose="020B0604020202020204" pitchFamily="34" charset="0"/>
+              <a:buChar char="•"/>
             </a:pPr>
             <a:r>
-              <a:rPr lang="fr" sz="2900" b="1">
-                <a:solidFill>
-                  <a:schemeClr val="dk1"/>
-                </a:solidFill>
-                <a:latin typeface="Times New Roman"/>
-                <a:ea typeface="Times New Roman"/>
-                <a:cs typeface="Times New Roman"/>
-                <a:sym typeface="Times New Roman"/>
+              <a:rPr lang="en-US" sz="1200" dirty="0" smtClean="0">
+                <a:solidFill>
+                  <a:schemeClr val="tx1"/>
+                </a:solidFill>
+                <a:latin typeface="Times New Roman" panose="02020603050405020304" pitchFamily="18" charset="0"/>
+                <a:cs typeface="Times New Roman" panose="02020603050405020304" pitchFamily="18" charset="0"/>
               </a:rPr>
-              <a:t>A strategic solution that allow them to expand their activities :</a:t>
+              <a:t>60% of the loan is given to Woman against 40% for man</a:t>
             </a:r>
-            <a:endParaRPr sz="2900" b="1">
+          </a:p>
+          <a:p>
+            <a:pPr marL="285750" indent="-285750">
+              <a:buFont typeface="Arial" panose="020B0604020202020204" pitchFamily="34" charset="0"/>
+              <a:buChar char="•"/>
+            </a:pPr>
+            <a:r>
+              <a:rPr lang="en-US" sz="1200" dirty="0" smtClean="0">
+                <a:solidFill>
+                  <a:schemeClr val="tx1"/>
+                </a:solidFill>
+                <a:latin typeface="Times New Roman" panose="02020603050405020304" pitchFamily="18" charset="0"/>
+                <a:cs typeface="Times New Roman" panose="02020603050405020304" pitchFamily="18" charset="0"/>
+              </a:rPr>
+              <a:t>20-35 aged woman ,are given 64% of the loan</a:t>
+            </a:r>
+          </a:p>
+          <a:p>
+            <a:pPr marL="285750" indent="-285750">
+              <a:buFont typeface="Arial" panose="020B0604020202020204" pitchFamily="34" charset="0"/>
+              <a:buChar char="•"/>
+            </a:pPr>
+            <a:r>
+              <a:rPr lang="en-US" sz="1200" dirty="0" smtClean="0">
+                <a:solidFill>
+                  <a:schemeClr val="tx1"/>
+                </a:solidFill>
+                <a:latin typeface="Times New Roman" panose="02020603050405020304" pitchFamily="18" charset="0"/>
+                <a:cs typeface="Times New Roman" panose="02020603050405020304" pitchFamily="18" charset="0"/>
+              </a:rPr>
+              <a:t>People who have less than $ 200,000 annual income receive 97% of the loan where 60% are given to woman and 40% to man</a:t>
+            </a:r>
+          </a:p>
+          <a:p>
+            <a:pPr marL="285750" indent="-285750">
+              <a:buFont typeface="Arial" panose="020B0604020202020204" pitchFamily="34" charset="0"/>
+              <a:buChar char="•"/>
+            </a:pPr>
+            <a:r>
+              <a:rPr lang="en-US" sz="1200" dirty="0" smtClean="0">
+                <a:solidFill>
+                  <a:schemeClr val="tx1"/>
+                </a:solidFill>
+                <a:latin typeface="Times New Roman" panose="02020603050405020304" pitchFamily="18" charset="0"/>
+                <a:cs typeface="Times New Roman" panose="02020603050405020304" pitchFamily="18" charset="0"/>
+              </a:rPr>
+              <a:t>Woman receive in average $ 5,000 more than man</a:t>
+            </a:r>
+          </a:p>
+          <a:p>
+            <a:pPr marL="285750" indent="-285750">
+              <a:buFont typeface="Arial" panose="020B0604020202020204" pitchFamily="34" charset="0"/>
+              <a:buChar char="•"/>
+            </a:pPr>
+            <a:r>
+              <a:rPr lang="en-US" sz="1200" dirty="0" smtClean="0">
+                <a:solidFill>
+                  <a:schemeClr val="tx1"/>
+                </a:solidFill>
+                <a:latin typeface="Times New Roman" panose="02020603050405020304" pitchFamily="18" charset="0"/>
+                <a:cs typeface="Times New Roman" panose="02020603050405020304" pitchFamily="18" charset="0"/>
+              </a:rPr>
+              <a:t>Divorced (52%) and married (47%) people have received more money than others (single, widowed)</a:t>
+            </a:r>
+          </a:p>
+          <a:p>
+            <a:pPr marL="285750" indent="-285750">
+              <a:buFont typeface="Arial" panose="020B0604020202020204" pitchFamily="34" charset="0"/>
+              <a:buChar char="•"/>
+            </a:pPr>
+            <a:r>
+              <a:rPr lang="en-US" sz="1200" dirty="0" smtClean="0">
+                <a:solidFill>
+                  <a:schemeClr val="tx1"/>
+                </a:solidFill>
+                <a:latin typeface="Times New Roman" panose="02020603050405020304" pitchFamily="18" charset="0"/>
+                <a:cs typeface="Times New Roman" panose="02020603050405020304" pitchFamily="18" charset="0"/>
+              </a:rPr>
+              <a:t>Woman with a Secondary (62%), Primary (52%),  Bachelor degree are largely getting more loan than man</a:t>
+            </a:r>
+          </a:p>
+          <a:p>
+            <a:pPr marL="285750" indent="-285750">
+              <a:buFont typeface="Arial" panose="020B0604020202020204" pitchFamily="34" charset="0"/>
+              <a:buChar char="•"/>
+            </a:pPr>
+            <a:r>
+              <a:rPr lang="en-US" sz="1200" dirty="0" smtClean="0">
+                <a:solidFill>
+                  <a:schemeClr val="tx1"/>
+                </a:solidFill>
+                <a:latin typeface="Times New Roman" panose="02020603050405020304" pitchFamily="18" charset="0"/>
+                <a:cs typeface="Times New Roman" panose="02020603050405020304" pitchFamily="18" charset="0"/>
+              </a:rPr>
+              <a:t>Woman with less than 15 years old of experience are getting more loan than man in order of 60% </a:t>
+            </a:r>
+          </a:p>
+          <a:p>
+            <a:pPr marL="285750" indent="-285750">
+              <a:buFont typeface="Arial" panose="020B0604020202020204" pitchFamily="34" charset="0"/>
+              <a:buChar char="•"/>
+            </a:pPr>
+            <a:endParaRPr lang="en-US" dirty="0" smtClean="0">
               <a:solidFill>
-                <a:schemeClr val="dk1"/>
+                <a:schemeClr val="tx1"/>
               </a:solidFill>
-              <a:latin typeface="Times New Roman"/>
-              <a:ea typeface="Times New Roman"/>
-              <a:cs typeface="Times New Roman"/>
-              <a:sym typeface="Times New Roman"/>
+              <a:latin typeface="Times New Roman" panose="02020603050405020304" pitchFamily="18" charset="0"/>
+              <a:cs typeface="Times New Roman" panose="02020603050405020304" pitchFamily="18" charset="0"/>
             </a:endParaRPr>
           </a:p>
           <a:p>
-            <a:pPr marL="0" lvl="0" indent="0" algn="l" rtl="0">
-              <a:lnSpc>
-                <a:spcPct val="100000"/>
-              </a:lnSpc>
-              <a:spcBef>
-                <a:spcPts val="0"/>
-              </a:spcBef>
-              <a:spcAft>
-                <a:spcPts val="0"/>
-              </a:spcAft>
-              <a:buSzPts val="1400"/>
-              <a:buNone/>
-            </a:pPr>
-            <a:endParaRPr sz="2900" b="1">
+            <a:endParaRPr lang="en-US" dirty="0" smtClean="0">
               <a:solidFill>
-                <a:schemeClr val="dk1"/>
+                <a:schemeClr val="tx1"/>
               </a:solidFill>
-              <a:latin typeface="Times New Roman"/>
-              <a:ea typeface="Times New Roman"/>
-              <a:cs typeface="Times New Roman"/>
-              <a:sym typeface="Times New Roman"/>
+              <a:latin typeface="Times New Roman" panose="02020603050405020304" pitchFamily="18" charset="0"/>
+              <a:cs typeface="Times New Roman" panose="02020603050405020304" pitchFamily="18" charset="0"/>
             </a:endParaRPr>
           </a:p>
           <a:p>
-            <a:pPr marL="457200" lvl="0" indent="-412750" algn="l" rtl="0">
-              <a:lnSpc>
-                <a:spcPct val="100000"/>
-              </a:lnSpc>
-              <a:spcBef>
-                <a:spcPts val="0"/>
-              </a:spcBef>
-              <a:spcAft>
-                <a:spcPts val="0"/>
-              </a:spcAft>
-              <a:buClr>
-                <a:schemeClr val="dk1"/>
-              </a:buClr>
-              <a:buSzPts val="2900"/>
-              <a:buFont typeface="Times New Roman"/>
-              <a:buChar char="●"/>
-            </a:pPr>
             <a:r>
-              <a:rPr lang="fr" sz="2900" b="1">
-                <a:solidFill>
-                  <a:schemeClr val="dk1"/>
-                </a:solidFill>
-                <a:latin typeface="Times New Roman"/>
-                <a:ea typeface="Times New Roman"/>
-                <a:cs typeface="Times New Roman"/>
-                <a:sym typeface="Times New Roman"/>
+              <a:rPr lang="en-US" dirty="0" smtClean="0">
+                <a:solidFill>
+                  <a:schemeClr val="tx1"/>
+                </a:solidFill>
+                <a:latin typeface="Times New Roman" panose="02020603050405020304" pitchFamily="18" charset="0"/>
+                <a:cs typeface="Times New Roman" panose="02020603050405020304" pitchFamily="18" charset="0"/>
               </a:rPr>
-              <a:t>Three municipalities to be established</a:t>
+              <a:t>  </a:t>
             </a:r>
-            <a:endParaRPr sz="2900" b="1">
+            <a:endParaRPr lang="en-US" dirty="0">
               <a:solidFill>
-                <a:schemeClr val="dk1"/>
+                <a:schemeClr val="tx1"/>
               </a:solidFill>
-              <a:latin typeface="Times New Roman"/>
-              <a:ea typeface="Times New Roman"/>
-              <a:cs typeface="Times New Roman"/>
-              <a:sym typeface="Times New Roman"/>
-            </a:endParaRPr>
-          </a:p>
-          <a:p>
-            <a:pPr marL="457200" lvl="0" indent="0" algn="l" rtl="0">
-              <a:lnSpc>
-                <a:spcPct val="100000"/>
-              </a:lnSpc>
-              <a:spcBef>
-                <a:spcPts val="0"/>
-              </a:spcBef>
-              <a:spcAft>
-                <a:spcPts val="0"/>
-              </a:spcAft>
-              <a:buSzPts val="1400"/>
-              <a:buNone/>
-            </a:pPr>
-            <a:endParaRPr sz="2900" b="1">
-              <a:solidFill>
-                <a:schemeClr val="dk1"/>
-              </a:solidFill>
-              <a:latin typeface="Times New Roman"/>
-              <a:ea typeface="Times New Roman"/>
-              <a:cs typeface="Times New Roman"/>
-              <a:sym typeface="Times New Roman"/>
-            </a:endParaRPr>
-          </a:p>
-          <a:p>
-            <a:pPr marL="457200" lvl="0" indent="-412750" algn="l" rtl="0">
-              <a:lnSpc>
-                <a:spcPct val="100000"/>
-              </a:lnSpc>
-              <a:spcBef>
-                <a:spcPts val="0"/>
-              </a:spcBef>
-              <a:spcAft>
-                <a:spcPts val="0"/>
-              </a:spcAft>
-              <a:buClr>
-                <a:schemeClr val="dk1"/>
-              </a:buClr>
-              <a:buSzPts val="2900"/>
-              <a:buFont typeface="Times New Roman"/>
-              <a:buChar char="●"/>
-            </a:pPr>
-            <a:r>
-              <a:rPr lang="fr" sz="2900" b="1">
-                <a:solidFill>
-                  <a:schemeClr val="dk1"/>
-                </a:solidFill>
-                <a:latin typeface="Times New Roman"/>
-                <a:ea typeface="Times New Roman"/>
-                <a:cs typeface="Times New Roman"/>
-                <a:sym typeface="Times New Roman"/>
-              </a:rPr>
-              <a:t>Increase the participation of woman in the Bootcamp</a:t>
-            </a:r>
-            <a:endParaRPr sz="2900" b="1">
-              <a:solidFill>
-                <a:schemeClr val="dk1"/>
-              </a:solidFill>
-              <a:latin typeface="Times New Roman"/>
-              <a:ea typeface="Times New Roman"/>
-              <a:cs typeface="Times New Roman"/>
-              <a:sym typeface="Times New Roman"/>
-            </a:endParaRPr>
-          </a:p>
-          <a:p>
-            <a:pPr marL="0" lvl="0" indent="0" algn="l" rtl="0">
-              <a:lnSpc>
-                <a:spcPct val="100000"/>
-              </a:lnSpc>
-              <a:spcBef>
-                <a:spcPts val="0"/>
-              </a:spcBef>
-              <a:spcAft>
-                <a:spcPts val="0"/>
-              </a:spcAft>
-              <a:buSzPts val="1400"/>
-              <a:buNone/>
-            </a:pPr>
-            <a:endParaRPr sz="2900" b="1">
-              <a:solidFill>
-                <a:schemeClr val="dk1"/>
-              </a:solidFill>
-              <a:latin typeface="Times New Roman"/>
-              <a:ea typeface="Times New Roman"/>
-              <a:cs typeface="Times New Roman"/>
-              <a:sym typeface="Times New Roman"/>
+              <a:latin typeface="Times New Roman" panose="02020603050405020304" pitchFamily="18" charset="0"/>
+              <a:cs typeface="Times New Roman" panose="02020603050405020304" pitchFamily="18" charset="0"/>
             </a:endParaRPr>
           </a:p>
         </p:txBody>
       </p:sp>
+      <p:pic>
+        <p:nvPicPr>
+          <p:cNvPr id="6" name="slide12" descr="Dashboard Socio">
+            <a:extLst>
+              <a:ext uri="{FF2B5EF4-FFF2-40B4-BE49-F238E27FC236}">
+                <a16:creationId xmlns:a16="http://schemas.microsoft.com/office/drawing/2014/main" id="{20FBD9A5-2D4E-45DB-835B-7798415EB482}"/>
+              </a:ext>
+            </a:extLst>
+          </p:cNvPr>
+          <p:cNvPicPr>
+            <a:picLocks noChangeAspect="1"/>
+          </p:cNvPicPr>
+          <p:nvPr/>
+        </p:nvPicPr>
+        <p:blipFill>
+          <a:blip r:embed="rId3">
+            <a:extLst>
+              <a:ext uri="{28A0092B-C50C-407E-A947-70E740481C1C}">
+                <a14:useLocalDpi xmlns:a14="http://schemas.microsoft.com/office/drawing/2010/main" val="0"/>
+              </a:ext>
+            </a:extLst>
+          </a:blip>
+          <a:stretch>
+            <a:fillRect/>
+          </a:stretch>
+        </p:blipFill>
+        <p:spPr>
+          <a:xfrm>
+            <a:off x="4085617" y="953372"/>
+            <a:ext cx="4961342" cy="4075827"/>
+          </a:xfrm>
+          <a:prstGeom prst="rect">
+            <a:avLst/>
+          </a:prstGeom>
+        </p:spPr>
+      </p:pic>
     </p:spTree>
   </p:cSld>
   <p:clrMapOvr>
@@ -20256,7 +17317,7 @@
   <p:cSld>
     <p:spTree>
       <p:nvGrpSpPr>
-        <p:cNvPr id="1" name="Shape 123"/>
+        <p:cNvPr id="1" name=""/>
         <p:cNvGrpSpPr/>
         <p:nvPr/>
       </p:nvGrpSpPr>
@@ -20270,469 +17331,240 @@
       </p:grpSpPr>
       <p:sp>
         <p:nvSpPr>
-          <p:cNvPr id="124" name="Google Shape;124;p23"/>
-          <p:cNvSpPr txBox="1"/>
-          <p:nvPr/>
+          <p:cNvPr id="2" name="Title 1"/>
+          <p:cNvSpPr>
+            <a:spLocks noGrp="1"/>
+          </p:cNvSpPr>
+          <p:nvPr>
+            <p:ph type="title"/>
+          </p:nvPr>
         </p:nvSpPr>
         <p:spPr>
           <a:xfrm>
             <a:off x="821750" y="303367"/>
-            <a:ext cx="2139950" cy="421640"/>
+            <a:ext cx="7500600" cy="465118"/>
           </a:xfrm>
-          <a:prstGeom prst="rect">
-            <a:avLst/>
-          </a:prstGeom>
-          <a:noFill/>
-          <a:ln>
-            <a:noFill/>
-          </a:ln>
         </p:spPr>
         <p:txBody>
-          <a:bodyPr spcFirstLastPara="1" wrap="square" lIns="0" tIns="12700" rIns="0" bIns="0" anchor="t" anchorCtr="0">
-            <a:spAutoFit/>
-          </a:bodyPr>
+          <a:bodyPr/>
           <a:lstStyle/>
           <a:p>
-            <a:pPr marL="12700" marR="0" lvl="0" indent="0" algn="l" rtl="0">
-              <a:lnSpc>
-                <a:spcPct val="100000"/>
-              </a:lnSpc>
-              <a:spcBef>
-                <a:spcPts val="0"/>
-              </a:spcBef>
-              <a:spcAft>
-                <a:spcPts val="0"/>
-              </a:spcAft>
-              <a:buClr>
-                <a:srgbClr val="000000"/>
-              </a:buClr>
-              <a:buSzPts val="2600"/>
-              <a:buFont typeface="Arial"/>
-              <a:buNone/>
-            </a:pPr>
+            <a:pPr lvl="0"/>
             <a:r>
-              <a:rPr lang="fr" sz="2600" b="1" i="0" u="none" strike="noStrike" cap="none">
-                <a:solidFill>
-                  <a:srgbClr val="1A1A1A"/>
-                </a:solidFill>
-                <a:latin typeface="Trebuchet MS"/>
-                <a:ea typeface="Trebuchet MS"/>
-                <a:cs typeface="Trebuchet MS"/>
-                <a:sym typeface="Trebuchet MS"/>
+              <a:rPr lang="en-US" sz="2800" dirty="0">
+                <a:solidFill>
+                  <a:schemeClr val="dk1"/>
+                </a:solidFill>
+                <a:latin typeface="Times New Roman"/>
+                <a:ea typeface="Times New Roman"/>
+                <a:cs typeface="Times New Roman"/>
+                <a:sym typeface="Times New Roman"/>
               </a:rPr>
-              <a:t>Methodology</a:t>
+              <a:t>Discussion &amp; Proposed Solution</a:t>
             </a:r>
-            <a:endParaRPr sz="2600" b="0" i="0" u="none" strike="noStrike" cap="none">
-              <a:solidFill>
-                <a:schemeClr val="dk1"/>
-              </a:solidFill>
-              <a:latin typeface="Trebuchet MS"/>
-              <a:ea typeface="Trebuchet MS"/>
-              <a:cs typeface="Trebuchet MS"/>
-              <a:sym typeface="Trebuchet MS"/>
-            </a:endParaRPr>
+            <a:br>
+              <a:rPr lang="en-US" sz="2800" dirty="0">
+                <a:solidFill>
+                  <a:schemeClr val="dk1"/>
+                </a:solidFill>
+                <a:latin typeface="Times New Roman"/>
+                <a:ea typeface="Times New Roman"/>
+                <a:cs typeface="Times New Roman"/>
+                <a:sym typeface="Times New Roman"/>
+              </a:rPr>
+            </a:br>
+            <a:endParaRPr lang="en-US" dirty="0"/>
           </a:p>
         </p:txBody>
       </p:sp>
       <p:sp>
         <p:nvSpPr>
-          <p:cNvPr id="125" name="Google Shape;125;p23"/>
-          <p:cNvSpPr txBox="1"/>
-          <p:nvPr/>
+          <p:cNvPr id="3" name="Text Placeholder 2"/>
+          <p:cNvSpPr>
+            <a:spLocks noGrp="1"/>
+          </p:cNvSpPr>
+          <p:nvPr>
+            <p:ph type="body" idx="1"/>
+          </p:nvPr>
         </p:nvSpPr>
         <p:spPr>
           <a:xfrm>
-            <a:off x="442552" y="725007"/>
-            <a:ext cx="8010784" cy="4364700"/>
+            <a:off x="799628" y="1275036"/>
+            <a:ext cx="7828805" cy="3046988"/>
           </a:xfrm>
-          <a:prstGeom prst="rect">
-            <a:avLst/>
-          </a:prstGeom>
-          <a:noFill/>
-          <a:ln>
-            <a:noFill/>
-          </a:ln>
+          <a:solidFill>
+            <a:schemeClr val="bg1"/>
+          </a:solidFill>
         </p:spPr>
         <p:txBody>
-          <a:bodyPr spcFirstLastPara="1" wrap="square" lIns="0" tIns="12700" rIns="0" bIns="0" anchor="t" anchorCtr="0">
-            <a:spAutoFit/>
-          </a:bodyPr>
+          <a:bodyPr/>
           <a:lstStyle/>
           <a:p>
-            <a:pPr marL="457200" marR="5080" lvl="0" indent="-361950" algn="l" rtl="0">
-              <a:lnSpc>
-                <a:spcPct val="113300"/>
-              </a:lnSpc>
-              <a:spcBef>
-                <a:spcPts val="0"/>
-              </a:spcBef>
-              <a:spcAft>
-                <a:spcPts val="0"/>
-              </a:spcAft>
-              <a:buClr>
-                <a:schemeClr val="dk1"/>
-              </a:buClr>
-              <a:buSzPts val="2100"/>
-              <a:buFont typeface="Times New Roman"/>
-              <a:buChar char="●"/>
+            <a:pPr marL="514350" indent="-285750">
+              <a:buFont typeface="Arial" panose="020B0604020202020204" pitchFamily="34" charset="0"/>
+              <a:buChar char="•"/>
             </a:pPr>
             <a:r>
-              <a:rPr lang="fr" sz="2100" b="1" i="0" u="none" strike="noStrike" cap="none">
-                <a:solidFill>
-                  <a:schemeClr val="dk1"/>
-                </a:solidFill>
-                <a:latin typeface="Times New Roman"/>
-                <a:ea typeface="Times New Roman"/>
-                <a:cs typeface="Times New Roman"/>
-                <a:sym typeface="Times New Roman"/>
+              <a:rPr lang="en-US" sz="1800" b="1" dirty="0" smtClean="0">
+                <a:solidFill>
+                  <a:schemeClr val="tx1"/>
+                </a:solidFill>
+                <a:latin typeface="Times New Roman" panose="02020603050405020304" pitchFamily="18" charset="0"/>
+                <a:cs typeface="Times New Roman" panose="02020603050405020304" pitchFamily="18" charset="0"/>
               </a:rPr>
-              <a:t>We use dataset of Ayiti Analytics from various sources</a:t>
+              <a:t>The bank has to notice that not many loan are given to woman with less than a bachelor degree, in order to increase the amount loan for woman the bank have to check and track these category</a:t>
             </a:r>
-            <a:endParaRPr sz="2100" b="1" i="0" u="none" strike="noStrike" cap="none">
+          </a:p>
+          <a:p>
+            <a:pPr marL="228600" indent="0"/>
+            <a:endParaRPr lang="en-US" sz="1800" b="1" dirty="0" smtClean="0">
               <a:solidFill>
-                <a:schemeClr val="dk1"/>
+                <a:schemeClr val="tx1"/>
               </a:solidFill>
-              <a:latin typeface="Times New Roman"/>
-              <a:ea typeface="Times New Roman"/>
-              <a:cs typeface="Times New Roman"/>
-              <a:sym typeface="Times New Roman"/>
+              <a:latin typeface="Times New Roman" panose="02020603050405020304" pitchFamily="18" charset="0"/>
+              <a:cs typeface="Times New Roman" panose="02020603050405020304" pitchFamily="18" charset="0"/>
             </a:endParaRPr>
           </a:p>
           <a:p>
-            <a:pPr marL="457200" marR="5080" lvl="0" indent="-361950" algn="l" rtl="0">
-              <a:lnSpc>
-                <a:spcPct val="113300"/>
-              </a:lnSpc>
-              <a:spcBef>
-                <a:spcPts val="0"/>
-              </a:spcBef>
-              <a:spcAft>
-                <a:spcPts val="0"/>
-              </a:spcAft>
-              <a:buClr>
-                <a:schemeClr val="dk1"/>
-              </a:buClr>
-              <a:buSzPts val="2100"/>
-              <a:buFont typeface="Times New Roman"/>
-              <a:buChar char="●"/>
+            <a:pPr marL="514350" indent="-285750">
+              <a:buFont typeface="Arial" panose="020B0604020202020204" pitchFamily="34" charset="0"/>
+              <a:buChar char="•"/>
             </a:pPr>
             <a:r>
-              <a:rPr lang="fr" sz="2100" b="1" i="0" u="none" strike="noStrike" cap="none">
-                <a:solidFill>
-                  <a:schemeClr val="dk1"/>
-                </a:solidFill>
-                <a:latin typeface="Times New Roman"/>
-                <a:ea typeface="Times New Roman"/>
-                <a:cs typeface="Times New Roman"/>
-                <a:sym typeface="Times New Roman"/>
+              <a:rPr lang="en-US" sz="1800" b="1" dirty="0" smtClean="0">
+                <a:solidFill>
+                  <a:schemeClr val="tx1"/>
+                </a:solidFill>
+                <a:latin typeface="Times New Roman" panose="02020603050405020304" pitchFamily="18" charset="0"/>
+                <a:cs typeface="Times New Roman" panose="02020603050405020304" pitchFamily="18" charset="0"/>
               </a:rPr>
-              <a:t>From Merging Dataset, We set up a common one ;</a:t>
+              <a:t>Most of loan are </a:t>
             </a:r>
-            <a:endParaRPr sz="2100" b="1" i="0" u="none" strike="noStrike" cap="none">
+            <a:r>
+              <a:rPr lang="en-US" sz="1800" b="1" dirty="0">
+                <a:solidFill>
+                  <a:schemeClr val="tx1"/>
+                </a:solidFill>
+                <a:latin typeface="Times New Roman" panose="02020603050405020304" pitchFamily="18" charset="0"/>
+                <a:cs typeface="Times New Roman" panose="02020603050405020304" pitchFamily="18" charset="0"/>
+              </a:rPr>
+              <a:t>centered </a:t>
+            </a:r>
+            <a:r>
+              <a:rPr lang="en-US" sz="1800" b="1" dirty="0" smtClean="0">
+                <a:solidFill>
+                  <a:schemeClr val="tx1"/>
+                </a:solidFill>
+                <a:latin typeface="Times New Roman" panose="02020603050405020304" pitchFamily="18" charset="0"/>
+                <a:cs typeface="Times New Roman" panose="02020603050405020304" pitchFamily="18" charset="0"/>
+              </a:rPr>
+              <a:t>to group </a:t>
+            </a:r>
+            <a:r>
+              <a:rPr lang="en-US" sz="1800" b="1" dirty="0">
+                <a:solidFill>
+                  <a:schemeClr val="tx1"/>
+                </a:solidFill>
+                <a:latin typeface="Times New Roman" panose="02020603050405020304" pitchFamily="18" charset="0"/>
+                <a:cs typeface="Times New Roman" panose="02020603050405020304" pitchFamily="18" charset="0"/>
+              </a:rPr>
+              <a:t>of women aged 20 to </a:t>
+            </a:r>
+            <a:r>
+              <a:rPr lang="en-US" sz="1800" b="1" dirty="0" smtClean="0">
+                <a:solidFill>
+                  <a:schemeClr val="tx1"/>
+                </a:solidFill>
+                <a:latin typeface="Times New Roman" panose="02020603050405020304" pitchFamily="18" charset="0"/>
+                <a:cs typeface="Times New Roman" panose="02020603050405020304" pitchFamily="18" charset="0"/>
+              </a:rPr>
+              <a:t>35, the bank could also target woman between 35 to 45</a:t>
+            </a:r>
+          </a:p>
+          <a:p>
+            <a:pPr marL="228600" indent="0"/>
+            <a:endParaRPr lang="en-US" sz="1800" b="1" dirty="0" smtClean="0">
               <a:solidFill>
-                <a:schemeClr val="dk1"/>
+                <a:schemeClr val="tx1"/>
               </a:solidFill>
-              <a:latin typeface="Times New Roman"/>
-              <a:ea typeface="Times New Roman"/>
-              <a:cs typeface="Times New Roman"/>
-              <a:sym typeface="Times New Roman"/>
+              <a:latin typeface="Times New Roman" panose="02020603050405020304" pitchFamily="18" charset="0"/>
+              <a:cs typeface="Times New Roman" panose="02020603050405020304" pitchFamily="18" charset="0"/>
             </a:endParaRPr>
           </a:p>
           <a:p>
-            <a:pPr marL="457200" marR="5080" lvl="0" indent="-361950" algn="l" rtl="0">
-              <a:lnSpc>
-                <a:spcPct val="113300"/>
-              </a:lnSpc>
-              <a:spcBef>
-                <a:spcPts val="0"/>
-              </a:spcBef>
-              <a:spcAft>
-                <a:spcPts val="0"/>
-              </a:spcAft>
-              <a:buClr>
-                <a:schemeClr val="dk1"/>
-              </a:buClr>
-              <a:buSzPts val="2100"/>
-              <a:buFont typeface="Times New Roman"/>
-              <a:buChar char="●"/>
+            <a:pPr marL="514350" indent="-285750">
+              <a:buFont typeface="Arial" panose="020B0604020202020204" pitchFamily="34" charset="0"/>
+              <a:buChar char="•"/>
             </a:pPr>
             <a:r>
-              <a:rPr lang="fr" sz="2100" b="1" i="0" u="none" strike="noStrike" cap="none">
-                <a:solidFill>
-                  <a:schemeClr val="dk1"/>
-                </a:solidFill>
-                <a:latin typeface="Times New Roman"/>
-                <a:ea typeface="Times New Roman"/>
-                <a:cs typeface="Times New Roman"/>
-                <a:sym typeface="Times New Roman"/>
+              <a:rPr lang="en-US" sz="1800" b="1" dirty="0">
+                <a:solidFill>
+                  <a:schemeClr val="tx1"/>
+                </a:solidFill>
+                <a:latin typeface="Times New Roman" panose="02020603050405020304" pitchFamily="18" charset="0"/>
+                <a:cs typeface="Times New Roman" panose="02020603050405020304" pitchFamily="18" charset="0"/>
               </a:rPr>
-              <a:t>We use Excel and Python as a statistical tools ;</a:t>
-            </a:r>
-            <a:endParaRPr sz="2100" b="1" i="0" u="none" strike="noStrike" cap="none">
-              <a:solidFill>
-                <a:schemeClr val="dk1"/>
-              </a:solidFill>
-              <a:latin typeface="Times New Roman"/>
-              <a:ea typeface="Times New Roman"/>
-              <a:cs typeface="Times New Roman"/>
-              <a:sym typeface="Times New Roman"/>
-            </a:endParaRPr>
-          </a:p>
-          <a:p>
-            <a:pPr marL="457200" marR="5080" lvl="0" indent="-361950" algn="l" rtl="0">
-              <a:lnSpc>
-                <a:spcPct val="113300"/>
-              </a:lnSpc>
-              <a:spcBef>
-                <a:spcPts val="0"/>
-              </a:spcBef>
-              <a:spcAft>
-                <a:spcPts val="0"/>
-              </a:spcAft>
-              <a:buClr>
-                <a:schemeClr val="dk1"/>
-              </a:buClr>
-              <a:buSzPts val="2100"/>
-              <a:buFont typeface="Times New Roman"/>
-              <a:buChar char="●"/>
-            </a:pPr>
-            <a:r>
-              <a:rPr lang="fr" sz="2100" b="1" i="0" u="none" strike="noStrike" cap="none">
-                <a:solidFill>
-                  <a:schemeClr val="dk1"/>
-                </a:solidFill>
-                <a:latin typeface="Times New Roman"/>
-                <a:ea typeface="Times New Roman"/>
-                <a:cs typeface="Times New Roman"/>
-                <a:sym typeface="Times New Roman"/>
-              </a:rPr>
-              <a:t>Data preprocessing ;</a:t>
-            </a:r>
-            <a:endParaRPr sz="2100" b="1" i="0" u="none" strike="noStrike" cap="none">
-              <a:solidFill>
-                <a:schemeClr val="dk1"/>
-              </a:solidFill>
-              <a:latin typeface="Times New Roman"/>
-              <a:ea typeface="Times New Roman"/>
-              <a:cs typeface="Times New Roman"/>
-              <a:sym typeface="Times New Roman"/>
-            </a:endParaRPr>
-          </a:p>
-          <a:p>
-            <a:pPr marL="457200" marR="5080" lvl="0" indent="-361950" algn="l" rtl="0">
-              <a:lnSpc>
-                <a:spcPct val="113300"/>
-              </a:lnSpc>
-              <a:spcBef>
-                <a:spcPts val="0"/>
-              </a:spcBef>
-              <a:spcAft>
-                <a:spcPts val="0"/>
-              </a:spcAft>
-              <a:buClr>
-                <a:schemeClr val="dk1"/>
-              </a:buClr>
-              <a:buSzPts val="2100"/>
-              <a:buFont typeface="Times New Roman"/>
-              <a:buChar char="●"/>
-            </a:pPr>
-            <a:r>
-              <a:rPr lang="fr" sz="2100" b="1" i="0" u="none" strike="noStrike" cap="none">
-                <a:solidFill>
-                  <a:schemeClr val="dk1"/>
-                </a:solidFill>
-                <a:latin typeface="Times New Roman"/>
-                <a:ea typeface="Times New Roman"/>
-                <a:cs typeface="Times New Roman"/>
-                <a:sym typeface="Times New Roman"/>
-              </a:rPr>
-              <a:t>Data transformation;</a:t>
-            </a:r>
-            <a:endParaRPr sz="2100" b="1" i="0" u="none" strike="noStrike" cap="none">
-              <a:solidFill>
-                <a:schemeClr val="dk1"/>
-              </a:solidFill>
-              <a:latin typeface="Times New Roman"/>
-              <a:ea typeface="Times New Roman"/>
-              <a:cs typeface="Times New Roman"/>
-              <a:sym typeface="Times New Roman"/>
-            </a:endParaRPr>
-          </a:p>
-          <a:p>
-            <a:pPr marL="457200" marR="5080" lvl="0" indent="-361950" algn="l" rtl="0">
-              <a:lnSpc>
-                <a:spcPct val="113300"/>
-              </a:lnSpc>
-              <a:spcBef>
-                <a:spcPts val="0"/>
-              </a:spcBef>
-              <a:spcAft>
-                <a:spcPts val="0"/>
-              </a:spcAft>
-              <a:buClr>
-                <a:schemeClr val="dk1"/>
-              </a:buClr>
-              <a:buSzPts val="2100"/>
-              <a:buFont typeface="Times New Roman"/>
-              <a:buChar char="●"/>
-            </a:pPr>
-            <a:r>
-              <a:rPr lang="fr" sz="2100" b="1" i="0" u="none" strike="noStrike" cap="none">
-                <a:solidFill>
-                  <a:schemeClr val="dk1"/>
-                </a:solidFill>
-                <a:latin typeface="Times New Roman"/>
-                <a:ea typeface="Times New Roman"/>
-                <a:cs typeface="Times New Roman"/>
-                <a:sym typeface="Times New Roman"/>
-              </a:rPr>
-              <a:t>Data reduction;</a:t>
-            </a:r>
-            <a:endParaRPr sz="2100" b="1" i="0" u="none" strike="noStrike" cap="none">
-              <a:solidFill>
-                <a:schemeClr val="dk1"/>
-              </a:solidFill>
-              <a:latin typeface="Times New Roman"/>
-              <a:ea typeface="Times New Roman"/>
-              <a:cs typeface="Times New Roman"/>
-              <a:sym typeface="Times New Roman"/>
-            </a:endParaRPr>
-          </a:p>
-          <a:p>
-            <a:pPr marL="457200" marR="5080" lvl="0" indent="-361950" algn="l" rtl="0">
-              <a:lnSpc>
-                <a:spcPct val="113300"/>
-              </a:lnSpc>
-              <a:spcBef>
-                <a:spcPts val="0"/>
-              </a:spcBef>
-              <a:spcAft>
-                <a:spcPts val="0"/>
-              </a:spcAft>
-              <a:buClr>
-                <a:schemeClr val="dk1"/>
-              </a:buClr>
-              <a:buSzPts val="2100"/>
-              <a:buFont typeface="Times New Roman"/>
-              <a:buChar char="●"/>
-            </a:pPr>
-            <a:r>
-              <a:rPr lang="fr" sz="2100" b="1" i="0" u="none" strike="noStrike" cap="none">
-                <a:solidFill>
-                  <a:schemeClr val="dk1"/>
-                </a:solidFill>
-                <a:latin typeface="Times New Roman"/>
-                <a:ea typeface="Times New Roman"/>
-                <a:cs typeface="Times New Roman"/>
-                <a:sym typeface="Times New Roman"/>
-              </a:rPr>
-              <a:t>Descriptive Analysis;</a:t>
-            </a:r>
-            <a:endParaRPr sz="2100" b="1" i="0" u="none" strike="noStrike" cap="none">
-              <a:solidFill>
-                <a:schemeClr val="dk1"/>
-              </a:solidFill>
-              <a:latin typeface="Times New Roman"/>
-              <a:ea typeface="Times New Roman"/>
-              <a:cs typeface="Times New Roman"/>
-              <a:sym typeface="Times New Roman"/>
-            </a:endParaRPr>
-          </a:p>
-          <a:p>
-            <a:pPr marL="457200" marR="5080" lvl="0" indent="-361950" algn="l" rtl="0">
-              <a:lnSpc>
-                <a:spcPct val="113300"/>
-              </a:lnSpc>
-              <a:spcBef>
-                <a:spcPts val="0"/>
-              </a:spcBef>
-              <a:spcAft>
-                <a:spcPts val="0"/>
-              </a:spcAft>
-              <a:buClr>
-                <a:schemeClr val="dk1"/>
-              </a:buClr>
-              <a:buSzPts val="2100"/>
-              <a:buFont typeface="Times New Roman"/>
-              <a:buChar char="●"/>
-            </a:pPr>
-            <a:r>
-              <a:rPr lang="fr" sz="2100" b="1" i="0" u="none" strike="noStrike" cap="none">
-                <a:solidFill>
-                  <a:schemeClr val="dk1"/>
-                </a:solidFill>
-                <a:latin typeface="Times New Roman"/>
-                <a:ea typeface="Times New Roman"/>
-                <a:cs typeface="Times New Roman"/>
-                <a:sym typeface="Times New Roman"/>
-              </a:rPr>
-              <a:t>Bivariate Analysis ;</a:t>
-            </a:r>
-            <a:endParaRPr sz="2100" b="1" i="0" u="none" strike="noStrike" cap="none">
-              <a:solidFill>
-                <a:schemeClr val="dk1"/>
-              </a:solidFill>
-              <a:latin typeface="Times New Roman"/>
-              <a:ea typeface="Times New Roman"/>
-              <a:cs typeface="Times New Roman"/>
-              <a:sym typeface="Times New Roman"/>
-            </a:endParaRPr>
-          </a:p>
-          <a:p>
-            <a:pPr marL="457200" marR="5080" lvl="0" indent="-361950" algn="l" rtl="0">
-              <a:lnSpc>
-                <a:spcPct val="113300"/>
-              </a:lnSpc>
-              <a:spcBef>
-                <a:spcPts val="0"/>
-              </a:spcBef>
-              <a:spcAft>
-                <a:spcPts val="0"/>
-              </a:spcAft>
-              <a:buClr>
-                <a:schemeClr val="dk1"/>
-              </a:buClr>
-              <a:buSzPts val="2100"/>
-              <a:buFont typeface="Times New Roman"/>
-              <a:buChar char="●"/>
-            </a:pPr>
-            <a:r>
-              <a:rPr lang="fr" sz="2100" b="1" i="0" u="none" strike="noStrike" cap="none">
-                <a:solidFill>
-                  <a:schemeClr val="dk1"/>
-                </a:solidFill>
-                <a:latin typeface="Times New Roman"/>
-                <a:ea typeface="Times New Roman"/>
-                <a:cs typeface="Times New Roman"/>
-                <a:sym typeface="Times New Roman"/>
-              </a:rPr>
-              <a:t>ntroduce the methods and data sources used for the analysis. If you have collected  new data, explain the data collection exercise. Discuss your choice of variables, data,  and methods and how they will help you address the problem</a:t>
+              <a:t>Most of loan are </a:t>
             </a:r>
             <a:r>
-              <a:rPr lang="fr" sz="1600" b="0" i="0" u="none" strike="noStrike" cap="none">
-                <a:solidFill>
-                  <a:srgbClr val="595959"/>
-                </a:solidFill>
-                <a:latin typeface="Tahoma"/>
-                <a:ea typeface="Tahoma"/>
-                <a:cs typeface="Tahoma"/>
-                <a:sym typeface="Tahoma"/>
+              <a:rPr lang="en-US" sz="1800" b="1" dirty="0" smtClean="0">
+                <a:solidFill>
+                  <a:schemeClr val="tx1"/>
+                </a:solidFill>
+                <a:latin typeface="Times New Roman" panose="02020603050405020304" pitchFamily="18" charset="0"/>
+                <a:cs typeface="Times New Roman" panose="02020603050405020304" pitchFamily="18" charset="0"/>
               </a:rPr>
-              <a:t>.</a:t>
+              <a:t>less than $ 10,000 for </a:t>
             </a:r>
-            <a:endParaRPr sz="1600" b="0" i="0" u="none" strike="noStrike" cap="none">
-              <a:solidFill>
-                <a:schemeClr val="dk1"/>
-              </a:solidFill>
-              <a:latin typeface="Tahoma"/>
-              <a:ea typeface="Tahoma"/>
-              <a:cs typeface="Tahoma"/>
-              <a:sym typeface="Tahoma"/>
-            </a:endParaRPr>
+            <a:r>
+              <a:rPr lang="en-US" sz="1800" b="1" dirty="0">
+                <a:solidFill>
+                  <a:schemeClr val="tx1"/>
+                </a:solidFill>
+                <a:latin typeface="Times New Roman" panose="02020603050405020304" pitchFamily="18" charset="0"/>
+                <a:cs typeface="Times New Roman" panose="02020603050405020304" pitchFamily="18" charset="0"/>
+              </a:rPr>
+              <a:t>women aged 20 to </a:t>
+            </a:r>
+            <a:r>
+              <a:rPr lang="en-US" sz="1800" b="1" dirty="0" smtClean="0">
+                <a:solidFill>
+                  <a:schemeClr val="tx1"/>
+                </a:solidFill>
+                <a:latin typeface="Times New Roman" panose="02020603050405020304" pitchFamily="18" charset="0"/>
+                <a:cs typeface="Times New Roman" panose="02020603050405020304" pitchFamily="18" charset="0"/>
+              </a:rPr>
+              <a:t>35 with less than 15 of work experience and earned less than $ 15,000 by month. By the way, the bank makes less than 1,000 monthly small loan transaction. The </a:t>
+            </a:r>
+            <a:r>
+              <a:rPr lang="en-US" sz="1800" b="1" dirty="0">
+                <a:solidFill>
+                  <a:schemeClr val="tx1"/>
+                </a:solidFill>
+                <a:latin typeface="Times New Roman" panose="02020603050405020304" pitchFamily="18" charset="0"/>
+                <a:cs typeface="Times New Roman" panose="02020603050405020304" pitchFamily="18" charset="0"/>
+              </a:rPr>
+              <a:t>bank could </a:t>
+            </a:r>
+            <a:r>
+              <a:rPr lang="en-US" sz="1800" b="1" dirty="0" smtClean="0">
+                <a:solidFill>
+                  <a:schemeClr val="tx1"/>
+                </a:solidFill>
+                <a:latin typeface="Times New Roman" panose="02020603050405020304" pitchFamily="18" charset="0"/>
+                <a:cs typeface="Times New Roman" panose="02020603050405020304" pitchFamily="18" charset="0"/>
+              </a:rPr>
+              <a:t>also increase the amount of credit for this category of woman</a:t>
+            </a:r>
           </a:p>
         </p:txBody>
       </p:sp>
     </p:spTree>
+    <p:extLst>
+      <p:ext uri="{BB962C8B-B14F-4D97-AF65-F5344CB8AC3E}">
+        <p14:creationId xmlns:p14="http://schemas.microsoft.com/office/powerpoint/2010/main" val="2890216254"/>
+      </p:ext>
+    </p:extLst>
   </p:cSld>
   <p:clrMapOvr>
     <a:masterClrMapping/>
@@ -20745,7 +17577,7 @@
   <p:cSld>
     <p:spTree>
       <p:nvGrpSpPr>
-        <p:cNvPr id="1" name="Shape 129"/>
+        <p:cNvPr id="1" name="Shape 183"/>
         <p:cNvGrpSpPr/>
         <p:nvPr/>
       </p:nvGrpSpPr>
@@ -20759,34 +17591,32 @@
       </p:grpSpPr>
       <p:sp>
         <p:nvSpPr>
-          <p:cNvPr id="130" name="Google Shape;130;p24"/>
-          <p:cNvSpPr txBox="1">
-            <a:spLocks noGrp="1"/>
-          </p:cNvSpPr>
-          <p:nvPr>
-            <p:ph type="ctrTitle"/>
-          </p:nvPr>
+          <p:cNvPr id="185" name="Google Shape;185;p32"/>
+          <p:cNvSpPr txBox="1"/>
+          <p:nvPr/>
         </p:nvSpPr>
         <p:spPr>
           <a:xfrm>
-            <a:off x="821750" y="303367"/>
-            <a:ext cx="7500600" cy="400200"/>
+            <a:off x="1138136" y="2199153"/>
+            <a:ext cx="7334655" cy="1153511"/>
           </a:xfrm>
           <a:prstGeom prst="rect">
             <a:avLst/>
           </a:prstGeom>
-          <a:noFill/>
+          <a:solidFill>
+            <a:schemeClr val="bg1"/>
+          </a:solidFill>
           <a:ln>
             <a:noFill/>
           </a:ln>
         </p:spPr>
         <p:txBody>
-          <a:bodyPr spcFirstLastPara="1" wrap="square" lIns="0" tIns="0" rIns="0" bIns="0" anchor="t" anchorCtr="0">
+          <a:bodyPr spcFirstLastPara="1" wrap="square" lIns="0" tIns="45075" rIns="0" bIns="0" anchor="t" anchorCtr="0">
             <a:spAutoFit/>
           </a:bodyPr>
           <a:lstStyle/>
           <a:p>
-            <a:pPr marL="12700" lvl="0" indent="0" algn="l" rtl="0">
+            <a:pPr marR="0" lvl="0" algn="ctr" rtl="0">
               <a:lnSpc>
                 <a:spcPct val="100000"/>
               </a:lnSpc>
@@ -20799,77 +17629,9 @@
               <a:buClr>
                 <a:schemeClr val="dk1"/>
               </a:buClr>
-              <a:buSzPts val="1400"/>
-              <a:buFont typeface="Arial"/>
-              <a:buNone/>
+              <a:buSzPts val="2400"/>
             </a:pPr>
-            <a:r>
-              <a:rPr lang="fr" b="1">
-                <a:solidFill>
-                  <a:srgbClr val="1A1A1A"/>
-                </a:solidFill>
-              </a:rPr>
-              <a:t>Methodology (Suite)</a:t>
-            </a:r>
-            <a:endParaRPr/>
-          </a:p>
-        </p:txBody>
-      </p:sp>
-      <p:sp>
-        <p:nvSpPr>
-          <p:cNvPr id="131" name="Google Shape;131;p24"/>
-          <p:cNvSpPr txBox="1"/>
-          <p:nvPr/>
-        </p:nvSpPr>
-        <p:spPr>
-          <a:xfrm>
-            <a:off x="777175" y="975000"/>
-            <a:ext cx="7842300" cy="4170300"/>
-          </a:xfrm>
-          <a:prstGeom prst="rect">
-            <a:avLst/>
-          </a:prstGeom>
-          <a:noFill/>
-          <a:ln>
-            <a:noFill/>
-          </a:ln>
-        </p:spPr>
-        <p:txBody>
-          <a:bodyPr spcFirstLastPara="1" wrap="square" lIns="91425" tIns="91425" rIns="91425" bIns="91425" anchor="t" anchorCtr="0">
-            <a:spAutoFit/>
-          </a:bodyPr>
-          <a:lstStyle/>
-          <a:p>
-            <a:pPr marL="457200" marR="5080" lvl="0" indent="0" algn="l" rtl="0">
-              <a:lnSpc>
-                <a:spcPct val="113300"/>
-              </a:lnSpc>
-              <a:spcBef>
-                <a:spcPts val="0"/>
-              </a:spcBef>
-              <a:spcAft>
-                <a:spcPts val="0"/>
-              </a:spcAft>
-              <a:buClr>
-                <a:srgbClr val="000000"/>
-              </a:buClr>
-              <a:buSzPts val="2100"/>
-              <a:buFont typeface="Arial"/>
-              <a:buNone/>
-            </a:pPr>
-            <a:r>
-              <a:rPr lang="fr" sz="2100" b="1" i="0" u="none" strike="noStrike" cap="none">
-                <a:solidFill>
-                  <a:schemeClr val="dk1"/>
-                </a:solidFill>
-                <a:latin typeface="Times New Roman"/>
-                <a:ea typeface="Times New Roman"/>
-                <a:cs typeface="Times New Roman"/>
-                <a:sym typeface="Times New Roman"/>
-              </a:rPr>
-              <a:t>250 observations have been analysed, we have used six (6) key variable to set up analysis ;</a:t>
-            </a:r>
-            <a:endParaRPr sz="2100" b="1" i="0" u="none" strike="noStrike" cap="none">
+            <a:endParaRPr lang="fr" sz="2400" b="1" i="0" u="none" strike="noStrike" cap="none" dirty="0" smtClean="0">
               <a:solidFill>
                 <a:schemeClr val="dk1"/>
               </a:solidFill>
@@ -20880,9 +17642,9 @@
             </a:endParaRPr>
           </a:p>
           <a:p>
-            <a:pPr marL="457200" marR="5080" lvl="0" indent="-361950" algn="l" rtl="0">
-              <a:lnSpc>
-                <a:spcPct val="113300"/>
+            <a:pPr marR="0" lvl="0" algn="ctr" rtl="0">
+              <a:lnSpc>
+                <a:spcPct val="100000"/>
               </a:lnSpc>
               <a:spcBef>
                 <a:spcPts val="0"/>
@@ -20893,12 +17655,10 @@
               <a:buClr>
                 <a:schemeClr val="dk1"/>
               </a:buClr>
-              <a:buSzPts val="2100"/>
-              <a:buFont typeface="Times New Roman"/>
-              <a:buChar char="●"/>
+              <a:buSzPts val="2400"/>
             </a:pPr>
             <a:r>
-              <a:rPr lang="fr" sz="2100" b="1" i="0" u="none" strike="noStrike" cap="none">
+              <a:rPr lang="fr" sz="2400" b="1" i="0" u="none" strike="noStrike" cap="none" dirty="0" smtClean="0">
                 <a:solidFill>
                   <a:schemeClr val="dk1"/>
                 </a:solidFill>
@@ -20907,38 +17667,10 @@
                 <a:cs typeface="Times New Roman"/>
                 <a:sym typeface="Times New Roman"/>
               </a:rPr>
-              <a:t>Sex : male and Female</a:t>
+              <a:t>THANK YOU</a:t>
             </a:r>
-            <a:endParaRPr sz="2100" b="1" i="0" u="none" strike="noStrike" cap="none">
-              <a:solidFill>
-                <a:schemeClr val="dk1"/>
-              </a:solidFill>
-              <a:latin typeface="Times New Roman"/>
-              <a:ea typeface="Times New Roman"/>
-              <a:cs typeface="Times New Roman"/>
-              <a:sym typeface="Times New Roman"/>
-            </a:endParaRPr>
-          </a:p>
-          <a:p>
-            <a:pPr marL="457200" marR="5080" lvl="0" indent="-361950" algn="l" rtl="0">
-              <a:lnSpc>
-                <a:spcPct val="113300"/>
-              </a:lnSpc>
-              <a:spcBef>
-                <a:spcPts val="0"/>
-              </a:spcBef>
-              <a:spcAft>
-                <a:spcPts val="0"/>
-              </a:spcAft>
-              <a:buClr>
-                <a:schemeClr val="dk1"/>
-              </a:buClr>
-              <a:buSzPts val="2100"/>
-              <a:buFont typeface="Times New Roman"/>
-              <a:buChar char="●"/>
-            </a:pPr>
             <a:r>
-              <a:rPr lang="fr" sz="2100" b="1" i="0" u="none" strike="noStrike" cap="none">
+              <a:rPr lang="fr" sz="2400" b="1" i="0" u="none" strike="noStrike" cap="none" dirty="0">
                 <a:solidFill>
                   <a:schemeClr val="dk1"/>
                 </a:solidFill>
@@ -20947,38 +17679,10 @@
                 <a:cs typeface="Times New Roman"/>
                 <a:sym typeface="Times New Roman"/>
               </a:rPr>
-              <a:t>Education_level : Level of education</a:t>
+              <a:t/>
             </a:r>
-            <a:endParaRPr sz="2100" b="1" i="0" u="none" strike="noStrike" cap="none">
-              <a:solidFill>
-                <a:schemeClr val="dk1"/>
-              </a:solidFill>
-              <a:latin typeface="Times New Roman"/>
-              <a:ea typeface="Times New Roman"/>
-              <a:cs typeface="Times New Roman"/>
-              <a:sym typeface="Times New Roman"/>
-            </a:endParaRPr>
-          </a:p>
-          <a:p>
-            <a:pPr marL="457200" marR="5080" lvl="0" indent="-361950" algn="l" rtl="0">
-              <a:lnSpc>
-                <a:spcPct val="113300"/>
-              </a:lnSpc>
-              <a:spcBef>
-                <a:spcPts val="0"/>
-              </a:spcBef>
-              <a:spcAft>
-                <a:spcPts val="0"/>
-              </a:spcAft>
-              <a:buClr>
-                <a:schemeClr val="dk1"/>
-              </a:buClr>
-              <a:buSzPts val="2100"/>
-              <a:buFont typeface="Times New Roman"/>
-              <a:buChar char="●"/>
-            </a:pPr>
-            <a:r>
-              <a:rPr lang="fr" sz="2100" b="1" i="0" u="none" strike="noStrike" cap="none">
+            <a:br>
+              <a:rPr lang="fr" sz="2400" b="1" i="0" u="none" strike="noStrike" cap="none" dirty="0">
                 <a:solidFill>
                   <a:schemeClr val="dk1"/>
                 </a:solidFill>
@@ -20987,667 +17691,8 @@
                 <a:cs typeface="Times New Roman"/>
                 <a:sym typeface="Times New Roman"/>
               </a:rPr>
-              <a:t>have_computer_home : number of student who have a computer at home</a:t>
-            </a:r>
-            <a:endParaRPr sz="2100" b="1" i="0" u="none" strike="noStrike" cap="none">
-              <a:solidFill>
-                <a:schemeClr val="dk1"/>
-              </a:solidFill>
-              <a:latin typeface="Times New Roman"/>
-              <a:ea typeface="Times New Roman"/>
-              <a:cs typeface="Times New Roman"/>
-              <a:sym typeface="Times New Roman"/>
-            </a:endParaRPr>
-          </a:p>
-          <a:p>
-            <a:pPr marL="457200" marR="5080" lvl="0" indent="-361950" algn="l" rtl="0">
-              <a:lnSpc>
-                <a:spcPct val="113300"/>
-              </a:lnSpc>
-              <a:spcBef>
-                <a:spcPts val="0"/>
-              </a:spcBef>
-              <a:spcAft>
-                <a:spcPts val="0"/>
-              </a:spcAft>
-              <a:buClr>
-                <a:schemeClr val="dk1"/>
-              </a:buClr>
-              <a:buSzPts val="2100"/>
-              <a:buFont typeface="Times New Roman"/>
-              <a:buChar char="●"/>
-            </a:pPr>
-            <a:r>
-              <a:rPr lang="fr" sz="2100" b="1" i="0" u="none" strike="noStrike" cap="none">
-                <a:solidFill>
-                  <a:schemeClr val="dk1"/>
-                </a:solidFill>
-                <a:latin typeface="Times New Roman"/>
-                <a:ea typeface="Times New Roman"/>
-                <a:cs typeface="Times New Roman"/>
-                <a:sym typeface="Times New Roman"/>
-              </a:rPr>
-              <a:t>internet_at_home : number of student who have a computer at home</a:t>
-            </a:r>
-            <a:endParaRPr sz="2100" b="1" i="0" u="none" strike="noStrike" cap="none">
-              <a:solidFill>
-                <a:schemeClr val="dk1"/>
-              </a:solidFill>
-              <a:latin typeface="Times New Roman"/>
-              <a:ea typeface="Times New Roman"/>
-              <a:cs typeface="Times New Roman"/>
-              <a:sym typeface="Times New Roman"/>
-            </a:endParaRPr>
-          </a:p>
-          <a:p>
-            <a:pPr marL="457200" marR="5080" lvl="0" indent="-361950" algn="l" rtl="0">
-              <a:lnSpc>
-                <a:spcPct val="113300"/>
-              </a:lnSpc>
-              <a:spcBef>
-                <a:spcPts val="0"/>
-              </a:spcBef>
-              <a:spcAft>
-                <a:spcPts val="0"/>
-              </a:spcAft>
-              <a:buClr>
-                <a:schemeClr val="dk1"/>
-              </a:buClr>
-              <a:buSzPts val="2100"/>
-              <a:buFont typeface="Times New Roman"/>
-              <a:buChar char="●"/>
-            </a:pPr>
-            <a:r>
-              <a:rPr lang="fr" sz="2100" b="1" i="0" u="none" strike="noStrike" cap="none">
-                <a:solidFill>
-                  <a:schemeClr val="dk1"/>
-                </a:solidFill>
-                <a:latin typeface="Times New Roman"/>
-                <a:ea typeface="Times New Roman"/>
-                <a:cs typeface="Times New Roman"/>
-                <a:sym typeface="Times New Roman"/>
-              </a:rPr>
-              <a:t>Channel : communication channel by which they have heard about the Ayiti Analytics Bootcamp</a:t>
-            </a:r>
-            <a:endParaRPr sz="2100" b="1" i="0" u="none" strike="noStrike" cap="none">
-              <a:solidFill>
-                <a:schemeClr val="dk1"/>
-              </a:solidFill>
-              <a:latin typeface="Times New Roman"/>
-              <a:ea typeface="Times New Roman"/>
-              <a:cs typeface="Times New Roman"/>
-              <a:sym typeface="Times New Roman"/>
-            </a:endParaRPr>
-          </a:p>
-          <a:p>
-            <a:pPr marL="457200" marR="5080" lvl="0" indent="-361950" algn="l" rtl="0">
-              <a:lnSpc>
-                <a:spcPct val="113300"/>
-              </a:lnSpc>
-              <a:spcBef>
-                <a:spcPts val="0"/>
-              </a:spcBef>
-              <a:spcAft>
-                <a:spcPts val="0"/>
-              </a:spcAft>
-              <a:buClr>
-                <a:schemeClr val="dk1"/>
-              </a:buClr>
-              <a:buSzPts val="2100"/>
-              <a:buFont typeface="Times New Roman"/>
-              <a:buChar char="●"/>
-            </a:pPr>
-            <a:r>
-              <a:rPr lang="fr" sz="2100" b="1" i="0" u="none" strike="noStrike" cap="none">
-                <a:solidFill>
-                  <a:schemeClr val="dk1"/>
-                </a:solidFill>
-                <a:latin typeface="Times New Roman"/>
-                <a:ea typeface="Times New Roman"/>
-                <a:cs typeface="Times New Roman"/>
-                <a:sym typeface="Times New Roman"/>
-              </a:rPr>
-              <a:t>Commune_FR : communes of Haiti</a:t>
-            </a:r>
-            <a:endParaRPr sz="1400" b="0" i="0" u="none" strike="noStrike" cap="none">
-              <a:solidFill>
-                <a:srgbClr val="000000"/>
-              </a:solidFill>
-              <a:latin typeface="Tahoma"/>
-              <a:ea typeface="Tahoma"/>
-              <a:cs typeface="Tahoma"/>
-              <a:sym typeface="Tahoma"/>
-            </a:endParaRPr>
-          </a:p>
-        </p:txBody>
-      </p:sp>
-    </p:spTree>
-  </p:cSld>
-  <p:clrMapOvr>
-    <a:masterClrMapping/>
-  </p:clrMapOvr>
-</p:sld>
-</file>
-
-<file path=ppt/slides/slide7.xml><?xml version="1.0" encoding="utf-8"?>
-<p:sld xmlns:a="http://schemas.openxmlformats.org/drawingml/2006/main" xmlns:r="http://schemas.openxmlformats.org/officeDocument/2006/relationships" xmlns:p="http://schemas.openxmlformats.org/presentationml/2006/main">
-  <p:cSld>
-    <p:spTree>
-      <p:nvGrpSpPr>
-        <p:cNvPr id="1" name="Shape 135"/>
-        <p:cNvGrpSpPr/>
-        <p:nvPr/>
-      </p:nvGrpSpPr>
-      <p:grpSpPr>
-        <a:xfrm>
-          <a:off x="0" y="0"/>
-          <a:ext cx="0" cy="0"/>
-          <a:chOff x="0" y="0"/>
-          <a:chExt cx="0" cy="0"/>
-        </a:xfrm>
-      </p:grpSpPr>
-      <p:sp>
-        <p:nvSpPr>
-          <p:cNvPr id="136" name="Google Shape;136;p25"/>
-          <p:cNvSpPr txBox="1"/>
-          <p:nvPr/>
-        </p:nvSpPr>
-        <p:spPr>
-          <a:xfrm>
-            <a:off x="821750" y="303367"/>
-            <a:ext cx="1197610" cy="421640"/>
-          </a:xfrm>
-          <a:prstGeom prst="rect">
-            <a:avLst/>
-          </a:prstGeom>
-          <a:noFill/>
-          <a:ln>
-            <a:noFill/>
-          </a:ln>
-        </p:spPr>
-        <p:txBody>
-          <a:bodyPr spcFirstLastPara="1" wrap="square" lIns="0" tIns="12700" rIns="0" bIns="0" anchor="t" anchorCtr="0">
-            <a:spAutoFit/>
-          </a:bodyPr>
-          <a:lstStyle/>
-          <a:p>
-            <a:pPr marL="12700" marR="0" lvl="0" indent="0" algn="l" rtl="0">
-              <a:lnSpc>
-                <a:spcPct val="100000"/>
-              </a:lnSpc>
-              <a:spcBef>
-                <a:spcPts val="0"/>
-              </a:spcBef>
-              <a:spcAft>
-                <a:spcPts val="0"/>
-              </a:spcAft>
-              <a:buClr>
-                <a:srgbClr val="000000"/>
-              </a:buClr>
-              <a:buSzPts val="2600"/>
-              <a:buFont typeface="Arial"/>
-              <a:buNone/>
-            </a:pPr>
-            <a:r>
-              <a:rPr lang="fr" sz="2600" b="1" i="0" u="none" strike="noStrike" cap="none">
-                <a:solidFill>
-                  <a:srgbClr val="1A1A1A"/>
-                </a:solidFill>
-                <a:latin typeface="Trebuchet MS"/>
-                <a:ea typeface="Trebuchet MS"/>
-                <a:cs typeface="Trebuchet MS"/>
-                <a:sym typeface="Trebuchet MS"/>
-              </a:rPr>
-              <a:t>Results</a:t>
-            </a:r>
-            <a:endParaRPr sz="2600" b="0" i="0" u="none" strike="noStrike" cap="none">
-              <a:solidFill>
-                <a:schemeClr val="dk1"/>
-              </a:solidFill>
-              <a:latin typeface="Trebuchet MS"/>
-              <a:ea typeface="Trebuchet MS"/>
-              <a:cs typeface="Trebuchet MS"/>
-              <a:sym typeface="Trebuchet MS"/>
-            </a:endParaRPr>
-          </a:p>
-        </p:txBody>
-      </p:sp>
-      <p:sp>
-        <p:nvSpPr>
-          <p:cNvPr id="137" name="Google Shape;137;p25"/>
-          <p:cNvSpPr txBox="1"/>
-          <p:nvPr/>
-        </p:nvSpPr>
-        <p:spPr>
-          <a:xfrm>
-            <a:off x="1116300" y="1667400"/>
-            <a:ext cx="7418400" cy="400200"/>
-          </a:xfrm>
-          <a:prstGeom prst="rect">
-            <a:avLst/>
-          </a:prstGeom>
-          <a:noFill/>
-          <a:ln>
-            <a:noFill/>
-          </a:ln>
-        </p:spPr>
-        <p:txBody>
-          <a:bodyPr spcFirstLastPara="1" wrap="square" lIns="91425" tIns="91425" rIns="91425" bIns="91425" anchor="t" anchorCtr="0">
-            <a:spAutoFit/>
-          </a:bodyPr>
-          <a:lstStyle/>
-          <a:p>
-            <a:pPr marL="0" marR="0" lvl="0" indent="0" algn="l" rtl="0">
-              <a:lnSpc>
-                <a:spcPct val="100000"/>
-              </a:lnSpc>
-              <a:spcBef>
-                <a:spcPts val="0"/>
-              </a:spcBef>
-              <a:spcAft>
-                <a:spcPts val="0"/>
-              </a:spcAft>
-              <a:buClr>
-                <a:srgbClr val="000000"/>
-              </a:buClr>
-              <a:buSzPts val="1400"/>
-              <a:buFont typeface="Arial"/>
-              <a:buNone/>
-            </a:pPr>
-            <a:endParaRPr sz="1400" b="0" i="0" u="none" strike="noStrike" cap="none">
-              <a:solidFill>
-                <a:srgbClr val="000000"/>
-              </a:solidFill>
-              <a:latin typeface="Tahoma"/>
-              <a:ea typeface="Tahoma"/>
-              <a:cs typeface="Tahoma"/>
-              <a:sym typeface="Tahoma"/>
-            </a:endParaRPr>
-          </a:p>
-        </p:txBody>
-      </p:sp>
-      <p:pic>
-        <p:nvPicPr>
-          <p:cNvPr id="138" name="Google Shape;138;p25"/>
-          <p:cNvPicPr preferRelativeResize="0"/>
-          <p:nvPr/>
-        </p:nvPicPr>
-        <p:blipFill rotWithShape="1">
-          <a:blip r:embed="rId3">
-            <a:alphaModFix/>
-          </a:blip>
-          <a:srcRect/>
-          <a:stretch/>
-        </p:blipFill>
-        <p:spPr>
-          <a:xfrm>
-            <a:off x="570575" y="975000"/>
-            <a:ext cx="4001425" cy="4055451"/>
-          </a:xfrm>
-          <a:prstGeom prst="rect">
-            <a:avLst/>
-          </a:prstGeom>
-          <a:noFill/>
-          <a:ln>
-            <a:noFill/>
-          </a:ln>
-        </p:spPr>
-      </p:pic>
-      <p:sp>
-        <p:nvSpPr>
-          <p:cNvPr id="139" name="Google Shape;139;p25"/>
-          <p:cNvSpPr txBox="1"/>
-          <p:nvPr/>
-        </p:nvSpPr>
-        <p:spPr>
-          <a:xfrm>
-            <a:off x="4719575" y="1172825"/>
-            <a:ext cx="4069500" cy="3724800"/>
-          </a:xfrm>
-          <a:prstGeom prst="rect">
-            <a:avLst/>
-          </a:prstGeom>
-          <a:noFill/>
-          <a:ln>
-            <a:noFill/>
-          </a:ln>
-        </p:spPr>
-        <p:txBody>
-          <a:bodyPr spcFirstLastPara="1" wrap="square" lIns="91425" tIns="91425" rIns="91425" bIns="91425" anchor="t" anchorCtr="0">
-            <a:spAutoFit/>
-          </a:bodyPr>
-          <a:lstStyle/>
-          <a:p>
-            <a:pPr marL="457200" marR="0" lvl="0" indent="-374650" algn="l" rtl="0">
-              <a:lnSpc>
-                <a:spcPct val="100000"/>
-              </a:lnSpc>
-              <a:spcBef>
-                <a:spcPts val="0"/>
-              </a:spcBef>
-              <a:spcAft>
-                <a:spcPts val="0"/>
-              </a:spcAft>
-              <a:buClr>
-                <a:schemeClr val="dk1"/>
-              </a:buClr>
-              <a:buSzPts val="2300"/>
-              <a:buFont typeface="Times New Roman"/>
-              <a:buChar char="●"/>
-            </a:pPr>
-            <a:r>
-              <a:rPr lang="fr" sz="2300" b="1" i="0" u="none" strike="noStrike" cap="none">
-                <a:solidFill>
-                  <a:schemeClr val="dk1"/>
-                </a:solidFill>
-                <a:latin typeface="Times New Roman"/>
-                <a:ea typeface="Times New Roman"/>
-                <a:cs typeface="Times New Roman"/>
-                <a:sym typeface="Times New Roman"/>
-              </a:rPr>
-              <a:t>28,62% Delmas</a:t>
-            </a:r>
-            <a:endParaRPr sz="2300" b="1" i="0" u="none" strike="noStrike" cap="none">
-              <a:solidFill>
-                <a:schemeClr val="dk1"/>
-              </a:solidFill>
-              <a:latin typeface="Times New Roman"/>
-              <a:ea typeface="Times New Roman"/>
-              <a:cs typeface="Times New Roman"/>
-              <a:sym typeface="Times New Roman"/>
-            </a:endParaRPr>
-          </a:p>
-          <a:p>
-            <a:pPr marL="457200" marR="0" lvl="0" indent="0" algn="l" rtl="0">
-              <a:lnSpc>
-                <a:spcPct val="100000"/>
-              </a:lnSpc>
-              <a:spcBef>
-                <a:spcPts val="0"/>
-              </a:spcBef>
-              <a:spcAft>
-                <a:spcPts val="0"/>
-              </a:spcAft>
-              <a:buClr>
-                <a:srgbClr val="000000"/>
-              </a:buClr>
-              <a:buSzPts val="2300"/>
-              <a:buFont typeface="Arial"/>
-              <a:buNone/>
-            </a:pPr>
-            <a:endParaRPr sz="2300" b="1" i="0" u="none" strike="noStrike" cap="none">
-              <a:solidFill>
-                <a:schemeClr val="dk1"/>
-              </a:solidFill>
-              <a:latin typeface="Times New Roman"/>
-              <a:ea typeface="Times New Roman"/>
-              <a:cs typeface="Times New Roman"/>
-              <a:sym typeface="Times New Roman"/>
-            </a:endParaRPr>
-          </a:p>
-          <a:p>
-            <a:pPr marL="457200" marR="0" lvl="0" indent="-374650" algn="l" rtl="0">
-              <a:lnSpc>
-                <a:spcPct val="100000"/>
-              </a:lnSpc>
-              <a:spcBef>
-                <a:spcPts val="0"/>
-              </a:spcBef>
-              <a:spcAft>
-                <a:spcPts val="0"/>
-              </a:spcAft>
-              <a:buClr>
-                <a:schemeClr val="dk1"/>
-              </a:buClr>
-              <a:buSzPts val="2300"/>
-              <a:buFont typeface="Times New Roman"/>
-              <a:buChar char="●"/>
-            </a:pPr>
-            <a:r>
-              <a:rPr lang="fr" sz="2300" b="1" i="0" u="none" strike="noStrike" cap="none">
-                <a:solidFill>
-                  <a:schemeClr val="dk1"/>
-                </a:solidFill>
-                <a:latin typeface="Times New Roman"/>
-                <a:ea typeface="Times New Roman"/>
-                <a:cs typeface="Times New Roman"/>
-                <a:sym typeface="Times New Roman"/>
-              </a:rPr>
-              <a:t>22,98% Port-au-Prince</a:t>
-            </a:r>
-            <a:endParaRPr sz="2300" b="1" i="0" u="none" strike="noStrike" cap="none">
-              <a:solidFill>
-                <a:schemeClr val="dk1"/>
-              </a:solidFill>
-              <a:latin typeface="Times New Roman"/>
-              <a:ea typeface="Times New Roman"/>
-              <a:cs typeface="Times New Roman"/>
-              <a:sym typeface="Times New Roman"/>
-            </a:endParaRPr>
-          </a:p>
-          <a:p>
-            <a:pPr marL="457200" marR="0" lvl="0" indent="0" algn="l" rtl="0">
-              <a:lnSpc>
-                <a:spcPct val="100000"/>
-              </a:lnSpc>
-              <a:spcBef>
-                <a:spcPts val="0"/>
-              </a:spcBef>
-              <a:spcAft>
-                <a:spcPts val="0"/>
-              </a:spcAft>
-              <a:buClr>
-                <a:srgbClr val="000000"/>
-              </a:buClr>
-              <a:buSzPts val="2300"/>
-              <a:buFont typeface="Arial"/>
-              <a:buNone/>
-            </a:pPr>
-            <a:endParaRPr sz="2300" b="1" i="0" u="none" strike="noStrike" cap="none">
-              <a:solidFill>
-                <a:schemeClr val="dk1"/>
-              </a:solidFill>
-              <a:latin typeface="Times New Roman"/>
-              <a:ea typeface="Times New Roman"/>
-              <a:cs typeface="Times New Roman"/>
-              <a:sym typeface="Times New Roman"/>
-            </a:endParaRPr>
-          </a:p>
-          <a:p>
-            <a:pPr marL="457200" marR="0" lvl="0" indent="-374650" algn="l" rtl="0">
-              <a:lnSpc>
-                <a:spcPct val="100000"/>
-              </a:lnSpc>
-              <a:spcBef>
-                <a:spcPts val="0"/>
-              </a:spcBef>
-              <a:spcAft>
-                <a:spcPts val="0"/>
-              </a:spcAft>
-              <a:buClr>
-                <a:schemeClr val="dk1"/>
-              </a:buClr>
-              <a:buSzPts val="2300"/>
-              <a:buFont typeface="Times New Roman"/>
-              <a:buChar char="●"/>
-            </a:pPr>
-            <a:r>
-              <a:rPr lang="fr" sz="2300" b="1" i="0" u="none" strike="noStrike" cap="none">
-                <a:solidFill>
-                  <a:schemeClr val="dk1"/>
-                </a:solidFill>
-                <a:latin typeface="Times New Roman"/>
-                <a:ea typeface="Times New Roman"/>
-                <a:cs typeface="Times New Roman"/>
-                <a:sym typeface="Times New Roman"/>
-              </a:rPr>
-              <a:t>11,69% Pétion-Ville</a:t>
-            </a:r>
-            <a:endParaRPr sz="2300" b="1" i="0" u="none" strike="noStrike" cap="none">
-              <a:solidFill>
-                <a:schemeClr val="dk1"/>
-              </a:solidFill>
-              <a:latin typeface="Times New Roman"/>
-              <a:ea typeface="Times New Roman"/>
-              <a:cs typeface="Times New Roman"/>
-              <a:sym typeface="Times New Roman"/>
-            </a:endParaRPr>
-          </a:p>
-          <a:p>
-            <a:pPr marL="457200" marR="0" lvl="0" indent="0" algn="l" rtl="0">
-              <a:lnSpc>
-                <a:spcPct val="100000"/>
-              </a:lnSpc>
-              <a:spcBef>
-                <a:spcPts val="0"/>
-              </a:spcBef>
-              <a:spcAft>
-                <a:spcPts val="0"/>
-              </a:spcAft>
-              <a:buClr>
-                <a:srgbClr val="000000"/>
-              </a:buClr>
-              <a:buSzPts val="2300"/>
-              <a:buFont typeface="Arial"/>
-              <a:buNone/>
-            </a:pPr>
-            <a:endParaRPr sz="2300" b="1" i="0" u="none" strike="noStrike" cap="none">
-              <a:solidFill>
-                <a:schemeClr val="dk1"/>
-              </a:solidFill>
-              <a:latin typeface="Times New Roman"/>
-              <a:ea typeface="Times New Roman"/>
-              <a:cs typeface="Times New Roman"/>
-              <a:sym typeface="Times New Roman"/>
-            </a:endParaRPr>
-          </a:p>
-          <a:p>
-            <a:pPr marL="457200" marR="0" lvl="0" indent="-374650" algn="l" rtl="0">
-              <a:lnSpc>
-                <a:spcPct val="100000"/>
-              </a:lnSpc>
-              <a:spcBef>
-                <a:spcPts val="0"/>
-              </a:spcBef>
-              <a:spcAft>
-                <a:spcPts val="0"/>
-              </a:spcAft>
-              <a:buClr>
-                <a:schemeClr val="dk1"/>
-              </a:buClr>
-              <a:buSzPts val="2300"/>
-              <a:buFont typeface="Times New Roman"/>
-              <a:buChar char="●"/>
-            </a:pPr>
-            <a:r>
-              <a:rPr lang="fr" sz="2300" b="1" i="0" u="none" strike="noStrike" cap="none">
-                <a:solidFill>
-                  <a:schemeClr val="dk1"/>
-                </a:solidFill>
-                <a:latin typeface="Times New Roman"/>
-                <a:ea typeface="Times New Roman"/>
-                <a:cs typeface="Times New Roman"/>
-                <a:sym typeface="Times New Roman"/>
-              </a:rPr>
-              <a:t>9,27% Carrefour</a:t>
-            </a:r>
-            <a:endParaRPr sz="2300" b="1" i="0" u="none" strike="noStrike" cap="none">
-              <a:solidFill>
-                <a:schemeClr val="dk1"/>
-              </a:solidFill>
-              <a:latin typeface="Times New Roman"/>
-              <a:ea typeface="Times New Roman"/>
-              <a:cs typeface="Times New Roman"/>
-              <a:sym typeface="Times New Roman"/>
-            </a:endParaRPr>
-          </a:p>
-          <a:p>
-            <a:pPr marL="457200" marR="0" lvl="0" indent="0" algn="l" rtl="0">
-              <a:lnSpc>
-                <a:spcPct val="100000"/>
-              </a:lnSpc>
-              <a:spcBef>
-                <a:spcPts val="0"/>
-              </a:spcBef>
-              <a:spcAft>
-                <a:spcPts val="0"/>
-              </a:spcAft>
-              <a:buClr>
-                <a:srgbClr val="000000"/>
-              </a:buClr>
-              <a:buSzPts val="2300"/>
-              <a:buFont typeface="Arial"/>
-              <a:buNone/>
-            </a:pPr>
-            <a:endParaRPr sz="2300" b="1" i="0" u="none" strike="noStrike" cap="none">
-              <a:solidFill>
-                <a:schemeClr val="dk1"/>
-              </a:solidFill>
-              <a:latin typeface="Times New Roman"/>
-              <a:ea typeface="Times New Roman"/>
-              <a:cs typeface="Times New Roman"/>
-              <a:sym typeface="Times New Roman"/>
-            </a:endParaRPr>
-          </a:p>
-          <a:p>
-            <a:pPr marL="457200" marR="0" lvl="0" indent="-374650" algn="l" rtl="0">
-              <a:lnSpc>
-                <a:spcPct val="100000"/>
-              </a:lnSpc>
-              <a:spcBef>
-                <a:spcPts val="0"/>
-              </a:spcBef>
-              <a:spcAft>
-                <a:spcPts val="0"/>
-              </a:spcAft>
-              <a:buClr>
-                <a:schemeClr val="dk1"/>
-              </a:buClr>
-              <a:buSzPts val="2300"/>
-              <a:buFont typeface="Times New Roman"/>
-              <a:buChar char="●"/>
-            </a:pPr>
-            <a:r>
-              <a:rPr lang="fr" sz="2300" b="1" i="0" u="none" strike="noStrike" cap="none">
-                <a:solidFill>
-                  <a:schemeClr val="dk1"/>
-                </a:solidFill>
-                <a:latin typeface="Times New Roman"/>
-                <a:ea typeface="Times New Roman"/>
-                <a:cs typeface="Times New Roman"/>
-                <a:sym typeface="Times New Roman"/>
-              </a:rPr>
-              <a:t>4,44% Tabarre</a:t>
-            </a:r>
-            <a:endParaRPr sz="2300" b="1" i="0" u="none" strike="noStrike" cap="none">
-              <a:solidFill>
-                <a:schemeClr val="dk1"/>
-              </a:solidFill>
-              <a:latin typeface="Times New Roman"/>
-              <a:ea typeface="Times New Roman"/>
-              <a:cs typeface="Times New Roman"/>
-              <a:sym typeface="Times New Roman"/>
-            </a:endParaRPr>
-          </a:p>
-          <a:p>
-            <a:pPr marL="457200" marR="0" lvl="0" indent="0" algn="l" rtl="0">
-              <a:lnSpc>
-                <a:spcPct val="100000"/>
-              </a:lnSpc>
-              <a:spcBef>
-                <a:spcPts val="0"/>
-              </a:spcBef>
-              <a:spcAft>
-                <a:spcPts val="0"/>
-              </a:spcAft>
-              <a:buClr>
-                <a:srgbClr val="000000"/>
-              </a:buClr>
-              <a:buSzPts val="2300"/>
-              <a:buFont typeface="Arial"/>
-              <a:buNone/>
-            </a:pPr>
-            <a:endParaRPr sz="2300" b="1" i="0" u="none" strike="noStrike" cap="none">
+            </a:br>
+            <a:endParaRPr sz="2400" b="1" i="0" u="none" strike="noStrike" cap="none" dirty="0">
               <a:solidFill>
                 <a:schemeClr val="dk1"/>
               </a:solidFill>
@@ -21659,839 +17704,6 @@
           </a:p>
         </p:txBody>
       </p:sp>
-    </p:spTree>
-  </p:cSld>
-  <p:clrMapOvr>
-    <a:masterClrMapping/>
-  </p:clrMapOvr>
-</p:sld>
-</file>
-
-<file path=ppt/slides/slide8.xml><?xml version="1.0" encoding="utf-8"?>
-<p:sld xmlns:a="http://schemas.openxmlformats.org/drawingml/2006/main" xmlns:r="http://schemas.openxmlformats.org/officeDocument/2006/relationships" xmlns:p="http://schemas.openxmlformats.org/presentationml/2006/main">
-  <p:cSld>
-    <p:spTree>
-      <p:nvGrpSpPr>
-        <p:cNvPr id="1" name="Shape 143"/>
-        <p:cNvGrpSpPr/>
-        <p:nvPr/>
-      </p:nvGrpSpPr>
-      <p:grpSpPr>
-        <a:xfrm>
-          <a:off x="0" y="0"/>
-          <a:ext cx="0" cy="0"/>
-          <a:chOff x="0" y="0"/>
-          <a:chExt cx="0" cy="0"/>
-        </a:xfrm>
-      </p:grpSpPr>
-      <p:sp>
-        <p:nvSpPr>
-          <p:cNvPr id="144" name="Google Shape;144;p26"/>
-          <p:cNvSpPr txBox="1"/>
-          <p:nvPr/>
-        </p:nvSpPr>
-        <p:spPr>
-          <a:xfrm>
-            <a:off x="821750" y="303375"/>
-            <a:ext cx="7826100" cy="413100"/>
-          </a:xfrm>
-          <a:prstGeom prst="rect">
-            <a:avLst/>
-          </a:prstGeom>
-          <a:noFill/>
-          <a:ln>
-            <a:noFill/>
-          </a:ln>
-        </p:spPr>
-        <p:txBody>
-          <a:bodyPr spcFirstLastPara="1" wrap="square" lIns="0" tIns="12700" rIns="0" bIns="0" anchor="t" anchorCtr="0">
-            <a:spAutoFit/>
-          </a:bodyPr>
-          <a:lstStyle/>
-          <a:p>
-            <a:pPr marL="12700" marR="0" lvl="0" indent="0" algn="l" rtl="0">
-              <a:lnSpc>
-                <a:spcPct val="100000"/>
-              </a:lnSpc>
-              <a:spcBef>
-                <a:spcPts val="0"/>
-              </a:spcBef>
-              <a:spcAft>
-                <a:spcPts val="0"/>
-              </a:spcAft>
-              <a:buClr>
-                <a:srgbClr val="000000"/>
-              </a:buClr>
-              <a:buSzPts val="2600"/>
-              <a:buFont typeface="Arial"/>
-              <a:buNone/>
-            </a:pPr>
-            <a:r>
-              <a:rPr lang="fr" sz="2600" b="1" i="0" u="none" strike="noStrike" cap="none">
-                <a:solidFill>
-                  <a:srgbClr val="1A1A1A"/>
-                </a:solidFill>
-                <a:latin typeface="Trebuchet MS"/>
-                <a:ea typeface="Trebuchet MS"/>
-                <a:cs typeface="Trebuchet MS"/>
-                <a:sym typeface="Trebuchet MS"/>
-              </a:rPr>
-              <a:t>Results : Distribution by sex</a:t>
-            </a:r>
-            <a:endParaRPr sz="2600" b="0" i="0" u="none" strike="noStrike" cap="none">
-              <a:solidFill>
-                <a:schemeClr val="dk1"/>
-              </a:solidFill>
-              <a:latin typeface="Trebuchet MS"/>
-              <a:ea typeface="Trebuchet MS"/>
-              <a:cs typeface="Trebuchet MS"/>
-              <a:sym typeface="Trebuchet MS"/>
-            </a:endParaRPr>
-          </a:p>
-        </p:txBody>
-      </p:sp>
-      <p:sp>
-        <p:nvSpPr>
-          <p:cNvPr id="145" name="Google Shape;145;p26"/>
-          <p:cNvSpPr txBox="1"/>
-          <p:nvPr/>
-        </p:nvSpPr>
-        <p:spPr>
-          <a:xfrm>
-            <a:off x="1116300" y="1667400"/>
-            <a:ext cx="7418400" cy="400200"/>
-          </a:xfrm>
-          <a:prstGeom prst="rect">
-            <a:avLst/>
-          </a:prstGeom>
-          <a:noFill/>
-          <a:ln>
-            <a:noFill/>
-          </a:ln>
-        </p:spPr>
-        <p:txBody>
-          <a:bodyPr spcFirstLastPara="1" wrap="square" lIns="91425" tIns="91425" rIns="91425" bIns="91425" anchor="t" anchorCtr="0">
-            <a:spAutoFit/>
-          </a:bodyPr>
-          <a:lstStyle/>
-          <a:p>
-            <a:pPr marL="0" marR="0" lvl="0" indent="0" algn="l" rtl="0">
-              <a:lnSpc>
-                <a:spcPct val="100000"/>
-              </a:lnSpc>
-              <a:spcBef>
-                <a:spcPts val="0"/>
-              </a:spcBef>
-              <a:spcAft>
-                <a:spcPts val="0"/>
-              </a:spcAft>
-              <a:buClr>
-                <a:srgbClr val="000000"/>
-              </a:buClr>
-              <a:buSzPts val="1400"/>
-              <a:buFont typeface="Arial"/>
-              <a:buNone/>
-            </a:pPr>
-            <a:endParaRPr sz="1400" b="0" i="0" u="none" strike="noStrike" cap="none">
-              <a:solidFill>
-                <a:srgbClr val="000000"/>
-              </a:solidFill>
-              <a:latin typeface="Tahoma"/>
-              <a:ea typeface="Tahoma"/>
-              <a:cs typeface="Tahoma"/>
-              <a:sym typeface="Tahoma"/>
-            </a:endParaRPr>
-          </a:p>
-        </p:txBody>
-      </p:sp>
-      <p:sp>
-        <p:nvSpPr>
-          <p:cNvPr id="146" name="Google Shape;146;p26"/>
-          <p:cNvSpPr txBox="1"/>
-          <p:nvPr/>
-        </p:nvSpPr>
-        <p:spPr>
-          <a:xfrm>
-            <a:off x="4719575" y="1172825"/>
-            <a:ext cx="4069500" cy="3370800"/>
-          </a:xfrm>
-          <a:prstGeom prst="rect">
-            <a:avLst/>
-          </a:prstGeom>
-          <a:noFill/>
-          <a:ln>
-            <a:noFill/>
-          </a:ln>
-        </p:spPr>
-        <p:txBody>
-          <a:bodyPr spcFirstLastPara="1" wrap="square" lIns="91425" tIns="91425" rIns="91425" bIns="91425" anchor="t" anchorCtr="0">
-            <a:spAutoFit/>
-          </a:bodyPr>
-          <a:lstStyle/>
-          <a:p>
-            <a:pPr marL="457200" marR="0" lvl="0" indent="-374650" algn="l" rtl="0">
-              <a:lnSpc>
-                <a:spcPct val="100000"/>
-              </a:lnSpc>
-              <a:spcBef>
-                <a:spcPts val="0"/>
-              </a:spcBef>
-              <a:spcAft>
-                <a:spcPts val="0"/>
-              </a:spcAft>
-              <a:buClr>
-                <a:schemeClr val="dk1"/>
-              </a:buClr>
-              <a:buSzPts val="2300"/>
-              <a:buFont typeface="Times New Roman"/>
-              <a:buChar char="●"/>
-            </a:pPr>
-            <a:r>
-              <a:rPr lang="fr" sz="2300" b="1" i="0" u="none" strike="noStrike" cap="none">
-                <a:solidFill>
-                  <a:schemeClr val="dk1"/>
-                </a:solidFill>
-                <a:latin typeface="Times New Roman"/>
-                <a:ea typeface="Times New Roman"/>
-                <a:cs typeface="Times New Roman"/>
-                <a:sym typeface="Times New Roman"/>
-              </a:rPr>
-              <a:t>75% between 24 and 30 years old</a:t>
-            </a:r>
-            <a:endParaRPr sz="2300" b="1" i="0" u="none" strike="noStrike" cap="none">
-              <a:solidFill>
-                <a:schemeClr val="dk1"/>
-              </a:solidFill>
-              <a:latin typeface="Times New Roman"/>
-              <a:ea typeface="Times New Roman"/>
-              <a:cs typeface="Times New Roman"/>
-              <a:sym typeface="Times New Roman"/>
-            </a:endParaRPr>
-          </a:p>
-          <a:p>
-            <a:pPr marL="457200" marR="0" lvl="0" indent="0" algn="l" rtl="0">
-              <a:lnSpc>
-                <a:spcPct val="100000"/>
-              </a:lnSpc>
-              <a:spcBef>
-                <a:spcPts val="0"/>
-              </a:spcBef>
-              <a:spcAft>
-                <a:spcPts val="0"/>
-              </a:spcAft>
-              <a:buClr>
-                <a:srgbClr val="000000"/>
-              </a:buClr>
-              <a:buSzPts val="2300"/>
-              <a:buFont typeface="Arial"/>
-              <a:buNone/>
-            </a:pPr>
-            <a:endParaRPr sz="2300" b="1" i="0" u="none" strike="noStrike" cap="none">
-              <a:solidFill>
-                <a:schemeClr val="dk1"/>
-              </a:solidFill>
-              <a:latin typeface="Times New Roman"/>
-              <a:ea typeface="Times New Roman"/>
-              <a:cs typeface="Times New Roman"/>
-              <a:sym typeface="Times New Roman"/>
-            </a:endParaRPr>
-          </a:p>
-          <a:p>
-            <a:pPr marL="457200" marR="0" lvl="0" indent="-374650" algn="l" rtl="0">
-              <a:lnSpc>
-                <a:spcPct val="100000"/>
-              </a:lnSpc>
-              <a:spcBef>
-                <a:spcPts val="0"/>
-              </a:spcBef>
-              <a:spcAft>
-                <a:spcPts val="0"/>
-              </a:spcAft>
-              <a:buClr>
-                <a:schemeClr val="dk1"/>
-              </a:buClr>
-              <a:buSzPts val="2300"/>
-              <a:buFont typeface="Times New Roman"/>
-              <a:buChar char="●"/>
-            </a:pPr>
-            <a:r>
-              <a:rPr lang="fr" sz="2300" b="1" i="0" u="none" strike="noStrike" cap="none">
-                <a:solidFill>
-                  <a:schemeClr val="dk1"/>
-                </a:solidFill>
-                <a:latin typeface="Times New Roman"/>
-                <a:ea typeface="Times New Roman"/>
-                <a:cs typeface="Times New Roman"/>
-                <a:sym typeface="Times New Roman"/>
-              </a:rPr>
-              <a:t>81% woman</a:t>
-            </a:r>
-            <a:endParaRPr sz="2300" b="1" i="0" u="none" strike="noStrike" cap="none">
-              <a:solidFill>
-                <a:schemeClr val="dk1"/>
-              </a:solidFill>
-              <a:latin typeface="Times New Roman"/>
-              <a:ea typeface="Times New Roman"/>
-              <a:cs typeface="Times New Roman"/>
-              <a:sym typeface="Times New Roman"/>
-            </a:endParaRPr>
-          </a:p>
-          <a:p>
-            <a:pPr marL="457200" marR="0" lvl="0" indent="0" algn="l" rtl="0">
-              <a:lnSpc>
-                <a:spcPct val="100000"/>
-              </a:lnSpc>
-              <a:spcBef>
-                <a:spcPts val="0"/>
-              </a:spcBef>
-              <a:spcAft>
-                <a:spcPts val="0"/>
-              </a:spcAft>
-              <a:buClr>
-                <a:srgbClr val="000000"/>
-              </a:buClr>
-              <a:buSzPts val="2300"/>
-              <a:buFont typeface="Arial"/>
-              <a:buNone/>
-            </a:pPr>
-            <a:endParaRPr sz="2300" b="1" i="0" u="none" strike="noStrike" cap="none">
-              <a:solidFill>
-                <a:schemeClr val="dk1"/>
-              </a:solidFill>
-              <a:latin typeface="Times New Roman"/>
-              <a:ea typeface="Times New Roman"/>
-              <a:cs typeface="Times New Roman"/>
-              <a:sym typeface="Times New Roman"/>
-            </a:endParaRPr>
-          </a:p>
-          <a:p>
-            <a:pPr marL="457200" marR="0" lvl="0" indent="-374650" algn="l" rtl="0">
-              <a:lnSpc>
-                <a:spcPct val="100000"/>
-              </a:lnSpc>
-              <a:spcBef>
-                <a:spcPts val="0"/>
-              </a:spcBef>
-              <a:spcAft>
-                <a:spcPts val="0"/>
-              </a:spcAft>
-              <a:buClr>
-                <a:schemeClr val="dk1"/>
-              </a:buClr>
-              <a:buSzPts val="2300"/>
-              <a:buFont typeface="Times New Roman"/>
-              <a:buChar char="●"/>
-            </a:pPr>
-            <a:r>
-              <a:rPr lang="fr" sz="2300" b="1" i="0" u="none" strike="noStrike" cap="none">
-                <a:solidFill>
-                  <a:schemeClr val="dk1"/>
-                </a:solidFill>
-                <a:latin typeface="Times New Roman"/>
-                <a:ea typeface="Times New Roman"/>
-                <a:cs typeface="Times New Roman"/>
-                <a:sym typeface="Times New Roman"/>
-              </a:rPr>
-              <a:t>26 % Have paid </a:t>
-            </a:r>
-            <a:endParaRPr sz="2300" b="1" i="0" u="none" strike="noStrike" cap="none">
-              <a:solidFill>
-                <a:schemeClr val="dk1"/>
-              </a:solidFill>
-              <a:latin typeface="Times New Roman"/>
-              <a:ea typeface="Times New Roman"/>
-              <a:cs typeface="Times New Roman"/>
-              <a:sym typeface="Times New Roman"/>
-            </a:endParaRPr>
-          </a:p>
-          <a:p>
-            <a:pPr marL="457200" marR="0" lvl="0" indent="0" algn="l" rtl="0">
-              <a:lnSpc>
-                <a:spcPct val="100000"/>
-              </a:lnSpc>
-              <a:spcBef>
-                <a:spcPts val="0"/>
-              </a:spcBef>
-              <a:spcAft>
-                <a:spcPts val="0"/>
-              </a:spcAft>
-              <a:buClr>
-                <a:srgbClr val="000000"/>
-              </a:buClr>
-              <a:buSzPts val="2300"/>
-              <a:buFont typeface="Arial"/>
-              <a:buNone/>
-            </a:pPr>
-            <a:endParaRPr sz="2300" b="1" i="0" u="none" strike="noStrike" cap="none">
-              <a:solidFill>
-                <a:schemeClr val="dk1"/>
-              </a:solidFill>
-              <a:latin typeface="Times New Roman"/>
-              <a:ea typeface="Times New Roman"/>
-              <a:cs typeface="Times New Roman"/>
-              <a:sym typeface="Times New Roman"/>
-            </a:endParaRPr>
-          </a:p>
-          <a:p>
-            <a:pPr marL="457200" marR="0" lvl="0" indent="-374650" algn="l" rtl="0">
-              <a:lnSpc>
-                <a:spcPct val="100000"/>
-              </a:lnSpc>
-              <a:spcBef>
-                <a:spcPts val="0"/>
-              </a:spcBef>
-              <a:spcAft>
-                <a:spcPts val="0"/>
-              </a:spcAft>
-              <a:buClr>
-                <a:schemeClr val="dk1"/>
-              </a:buClr>
-              <a:buSzPts val="2300"/>
-              <a:buFont typeface="Times New Roman"/>
-              <a:buChar char="●"/>
-            </a:pPr>
-            <a:r>
-              <a:rPr lang="fr" sz="2300" b="1" i="0" u="none" strike="noStrike" cap="none">
-                <a:solidFill>
-                  <a:schemeClr val="dk1"/>
-                </a:solidFill>
-                <a:latin typeface="Times New Roman"/>
-                <a:ea typeface="Times New Roman"/>
-                <a:cs typeface="Times New Roman"/>
-                <a:sym typeface="Times New Roman"/>
-              </a:rPr>
-              <a:t>65 % are from west</a:t>
-            </a:r>
-            <a:endParaRPr sz="2300" b="1" i="0" u="none" strike="noStrike" cap="none">
-              <a:solidFill>
-                <a:schemeClr val="dk1"/>
-              </a:solidFill>
-              <a:latin typeface="Times New Roman"/>
-              <a:ea typeface="Times New Roman"/>
-              <a:cs typeface="Times New Roman"/>
-              <a:sym typeface="Times New Roman"/>
-            </a:endParaRPr>
-          </a:p>
-          <a:p>
-            <a:pPr marL="457200" marR="0" lvl="0" indent="0" algn="l" rtl="0">
-              <a:lnSpc>
-                <a:spcPct val="100000"/>
-              </a:lnSpc>
-              <a:spcBef>
-                <a:spcPts val="0"/>
-              </a:spcBef>
-              <a:spcAft>
-                <a:spcPts val="0"/>
-              </a:spcAft>
-              <a:buClr>
-                <a:srgbClr val="000000"/>
-              </a:buClr>
-              <a:buSzPts val="2300"/>
-              <a:buFont typeface="Arial"/>
-              <a:buNone/>
-            </a:pPr>
-            <a:endParaRPr sz="2300" b="1" i="0" u="none" strike="noStrike" cap="none">
-              <a:solidFill>
-                <a:schemeClr val="dk1"/>
-              </a:solidFill>
-              <a:latin typeface="Times New Roman"/>
-              <a:ea typeface="Times New Roman"/>
-              <a:cs typeface="Times New Roman"/>
-              <a:sym typeface="Times New Roman"/>
-            </a:endParaRPr>
-          </a:p>
-        </p:txBody>
-      </p:sp>
-      <p:pic>
-        <p:nvPicPr>
-          <p:cNvPr id="147" name="Google Shape;147;p26"/>
-          <p:cNvPicPr preferRelativeResize="0"/>
-          <p:nvPr/>
-        </p:nvPicPr>
-        <p:blipFill rotWithShape="1">
-          <a:blip r:embed="rId3">
-            <a:alphaModFix/>
-          </a:blip>
-          <a:srcRect/>
-          <a:stretch/>
-        </p:blipFill>
-        <p:spPr>
-          <a:xfrm>
-            <a:off x="821750" y="1315650"/>
-            <a:ext cx="3450344" cy="2771100"/>
-          </a:xfrm>
-          <a:prstGeom prst="rect">
-            <a:avLst/>
-          </a:prstGeom>
-          <a:noFill/>
-          <a:ln>
-            <a:noFill/>
-          </a:ln>
-        </p:spPr>
-      </p:pic>
-    </p:spTree>
-  </p:cSld>
-  <p:clrMapOvr>
-    <a:masterClrMapping/>
-  </p:clrMapOvr>
-</p:sld>
-</file>
-
-<file path=ppt/slides/slide9.xml><?xml version="1.0" encoding="utf-8"?>
-<p:sld xmlns:a="http://schemas.openxmlformats.org/drawingml/2006/main" xmlns:r="http://schemas.openxmlformats.org/officeDocument/2006/relationships" xmlns:p="http://schemas.openxmlformats.org/presentationml/2006/main">
-  <p:cSld>
-    <p:spTree>
-      <p:nvGrpSpPr>
-        <p:cNvPr id="1" name="Shape 151"/>
-        <p:cNvGrpSpPr/>
-        <p:nvPr/>
-      </p:nvGrpSpPr>
-      <p:grpSpPr>
-        <a:xfrm>
-          <a:off x="0" y="0"/>
-          <a:ext cx="0" cy="0"/>
-          <a:chOff x="0" y="0"/>
-          <a:chExt cx="0" cy="0"/>
-        </a:xfrm>
-      </p:grpSpPr>
-      <p:sp>
-        <p:nvSpPr>
-          <p:cNvPr id="152" name="Google Shape;152;p27"/>
-          <p:cNvSpPr txBox="1">
-            <a:spLocks noGrp="1"/>
-          </p:cNvSpPr>
-          <p:nvPr>
-            <p:ph type="ctrTitle"/>
-          </p:nvPr>
-        </p:nvSpPr>
-        <p:spPr>
-          <a:xfrm>
-            <a:off x="821750" y="303373"/>
-            <a:ext cx="7500600" cy="800400"/>
-          </a:xfrm>
-          <a:prstGeom prst="rect">
-            <a:avLst/>
-          </a:prstGeom>
-          <a:noFill/>
-          <a:ln>
-            <a:noFill/>
-          </a:ln>
-        </p:spPr>
-        <p:txBody>
-          <a:bodyPr spcFirstLastPara="1" wrap="square" lIns="0" tIns="0" rIns="0" bIns="0" anchor="t" anchorCtr="0">
-            <a:spAutoFit/>
-          </a:bodyPr>
-          <a:lstStyle/>
-          <a:p>
-            <a:pPr marL="12700" lvl="0" indent="0" algn="l" rtl="0">
-              <a:lnSpc>
-                <a:spcPct val="100000"/>
-              </a:lnSpc>
-              <a:spcBef>
-                <a:spcPts val="0"/>
-              </a:spcBef>
-              <a:spcAft>
-                <a:spcPts val="0"/>
-              </a:spcAft>
-              <a:buClr>
-                <a:schemeClr val="dk1"/>
-              </a:buClr>
-              <a:buSzPts val="1400"/>
-              <a:buFont typeface="Arial"/>
-              <a:buNone/>
-            </a:pPr>
-            <a:r>
-              <a:rPr lang="fr" b="1">
-                <a:solidFill>
-                  <a:srgbClr val="1A1A1A"/>
-                </a:solidFill>
-              </a:rPr>
-              <a:t>Results : Distribution by internet and Computer</a:t>
-            </a:r>
-            <a:br>
-              <a:rPr lang="fr" b="1">
-                <a:solidFill>
-                  <a:srgbClr val="1A1A1A"/>
-                </a:solidFill>
-              </a:rPr>
-            </a:br>
-            <a:endParaRPr/>
-          </a:p>
-        </p:txBody>
-      </p:sp>
-      <p:sp>
-        <p:nvSpPr>
-          <p:cNvPr id="153" name="Google Shape;153;p27"/>
-          <p:cNvSpPr txBox="1"/>
-          <p:nvPr/>
-        </p:nvSpPr>
-        <p:spPr>
-          <a:xfrm>
-            <a:off x="5270675" y="1116300"/>
-            <a:ext cx="3575100" cy="2878200"/>
-          </a:xfrm>
-          <a:prstGeom prst="rect">
-            <a:avLst/>
-          </a:prstGeom>
-          <a:noFill/>
-          <a:ln>
-            <a:noFill/>
-          </a:ln>
-        </p:spPr>
-        <p:txBody>
-          <a:bodyPr spcFirstLastPara="1" wrap="square" lIns="91425" tIns="91425" rIns="91425" bIns="91425" anchor="t" anchorCtr="0">
-            <a:spAutoFit/>
-          </a:bodyPr>
-          <a:lstStyle/>
-          <a:p>
-            <a:pPr marL="0" marR="0" lvl="0" indent="0" algn="l" rtl="0">
-              <a:lnSpc>
-                <a:spcPct val="100000"/>
-              </a:lnSpc>
-              <a:spcBef>
-                <a:spcPts val="0"/>
-              </a:spcBef>
-              <a:spcAft>
-                <a:spcPts val="0"/>
-              </a:spcAft>
-              <a:buClr>
-                <a:srgbClr val="000000"/>
-              </a:buClr>
-              <a:buSzPts val="2500"/>
-              <a:buFont typeface="Arial"/>
-              <a:buNone/>
-            </a:pPr>
-            <a:endParaRPr sz="2500" b="1" i="0" u="none" strike="noStrike" cap="none">
-              <a:solidFill>
-                <a:schemeClr val="dk1"/>
-              </a:solidFill>
-              <a:latin typeface="Times New Roman"/>
-              <a:ea typeface="Times New Roman"/>
-              <a:cs typeface="Times New Roman"/>
-              <a:sym typeface="Times New Roman"/>
-            </a:endParaRPr>
-          </a:p>
-          <a:p>
-            <a:pPr marL="0" marR="0" lvl="0" indent="0" algn="l" rtl="0">
-              <a:lnSpc>
-                <a:spcPct val="100000"/>
-              </a:lnSpc>
-              <a:spcBef>
-                <a:spcPts val="0"/>
-              </a:spcBef>
-              <a:spcAft>
-                <a:spcPts val="0"/>
-              </a:spcAft>
-              <a:buClr>
-                <a:srgbClr val="000000"/>
-              </a:buClr>
-              <a:buSzPts val="2500"/>
-              <a:buFont typeface="Arial"/>
-              <a:buNone/>
-            </a:pPr>
-            <a:r>
-              <a:rPr lang="fr" sz="2500" b="1" i="0" u="none" strike="noStrike" cap="none">
-                <a:solidFill>
-                  <a:schemeClr val="dk1"/>
-                </a:solidFill>
-                <a:latin typeface="Times New Roman"/>
-                <a:ea typeface="Times New Roman"/>
-                <a:cs typeface="Times New Roman"/>
-                <a:sym typeface="Times New Roman"/>
-              </a:rPr>
-              <a:t>     84%  have Internet</a:t>
-            </a:r>
-            <a:endParaRPr sz="2500" b="1" i="0" u="none" strike="noStrike" cap="none">
-              <a:solidFill>
-                <a:schemeClr val="dk1"/>
-              </a:solidFill>
-              <a:latin typeface="Times New Roman"/>
-              <a:ea typeface="Times New Roman"/>
-              <a:cs typeface="Times New Roman"/>
-              <a:sym typeface="Times New Roman"/>
-            </a:endParaRPr>
-          </a:p>
-          <a:p>
-            <a:pPr marL="457200" marR="0" lvl="0" indent="0" algn="l" rtl="0">
-              <a:lnSpc>
-                <a:spcPct val="100000"/>
-              </a:lnSpc>
-              <a:spcBef>
-                <a:spcPts val="0"/>
-              </a:spcBef>
-              <a:spcAft>
-                <a:spcPts val="0"/>
-              </a:spcAft>
-              <a:buClr>
-                <a:srgbClr val="000000"/>
-              </a:buClr>
-              <a:buSzPts val="2500"/>
-              <a:buFont typeface="Arial"/>
-              <a:buNone/>
-            </a:pPr>
-            <a:endParaRPr sz="2500" b="1" i="0" u="none" strike="noStrike" cap="none">
-              <a:solidFill>
-                <a:schemeClr val="dk1"/>
-              </a:solidFill>
-              <a:latin typeface="Times New Roman"/>
-              <a:ea typeface="Times New Roman"/>
-              <a:cs typeface="Times New Roman"/>
-              <a:sym typeface="Times New Roman"/>
-            </a:endParaRPr>
-          </a:p>
-          <a:p>
-            <a:pPr marL="457200" marR="0" lvl="0" indent="0" algn="l" rtl="0">
-              <a:lnSpc>
-                <a:spcPct val="100000"/>
-              </a:lnSpc>
-              <a:spcBef>
-                <a:spcPts val="0"/>
-              </a:spcBef>
-              <a:spcAft>
-                <a:spcPts val="0"/>
-              </a:spcAft>
-              <a:buClr>
-                <a:srgbClr val="000000"/>
-              </a:buClr>
-              <a:buSzPts val="2500"/>
-              <a:buFont typeface="Arial"/>
-              <a:buNone/>
-            </a:pPr>
-            <a:endParaRPr sz="2500" b="1" i="0" u="none" strike="noStrike" cap="none">
-              <a:solidFill>
-                <a:schemeClr val="dk1"/>
-              </a:solidFill>
-              <a:latin typeface="Times New Roman"/>
-              <a:ea typeface="Times New Roman"/>
-              <a:cs typeface="Times New Roman"/>
-              <a:sym typeface="Times New Roman"/>
-            </a:endParaRPr>
-          </a:p>
-          <a:p>
-            <a:pPr marL="457200" marR="0" lvl="0" indent="0" algn="l" rtl="0">
-              <a:lnSpc>
-                <a:spcPct val="100000"/>
-              </a:lnSpc>
-              <a:spcBef>
-                <a:spcPts val="0"/>
-              </a:spcBef>
-              <a:spcAft>
-                <a:spcPts val="0"/>
-              </a:spcAft>
-              <a:buClr>
-                <a:srgbClr val="000000"/>
-              </a:buClr>
-              <a:buSzPts val="2500"/>
-              <a:buFont typeface="Arial"/>
-              <a:buNone/>
-            </a:pPr>
-            <a:endParaRPr sz="2500" b="1" i="0" u="none" strike="noStrike" cap="none">
-              <a:solidFill>
-                <a:schemeClr val="dk1"/>
-              </a:solidFill>
-              <a:latin typeface="Times New Roman"/>
-              <a:ea typeface="Times New Roman"/>
-              <a:cs typeface="Times New Roman"/>
-              <a:sym typeface="Times New Roman"/>
-            </a:endParaRPr>
-          </a:p>
-          <a:p>
-            <a:pPr marL="457200" marR="0" lvl="0" indent="0" algn="l" rtl="0">
-              <a:lnSpc>
-                <a:spcPct val="100000"/>
-              </a:lnSpc>
-              <a:spcBef>
-                <a:spcPts val="0"/>
-              </a:spcBef>
-              <a:spcAft>
-                <a:spcPts val="0"/>
-              </a:spcAft>
-              <a:buClr>
-                <a:srgbClr val="000000"/>
-              </a:buClr>
-              <a:buSzPts val="2500"/>
-              <a:buFont typeface="Arial"/>
-              <a:buNone/>
-            </a:pPr>
-            <a:endParaRPr sz="2500" b="1" i="0" u="none" strike="noStrike" cap="none">
-              <a:solidFill>
-                <a:schemeClr val="dk1"/>
-              </a:solidFill>
-              <a:latin typeface="Times New Roman"/>
-              <a:ea typeface="Times New Roman"/>
-              <a:cs typeface="Times New Roman"/>
-              <a:sym typeface="Times New Roman"/>
-            </a:endParaRPr>
-          </a:p>
-          <a:p>
-            <a:pPr marL="457200" marR="0" lvl="0" indent="0" algn="l" rtl="0">
-              <a:lnSpc>
-                <a:spcPct val="100000"/>
-              </a:lnSpc>
-              <a:spcBef>
-                <a:spcPts val="0"/>
-              </a:spcBef>
-              <a:spcAft>
-                <a:spcPts val="0"/>
-              </a:spcAft>
-              <a:buClr>
-                <a:srgbClr val="000000"/>
-              </a:buClr>
-              <a:buSzPts val="2500"/>
-              <a:buFont typeface="Arial"/>
-              <a:buNone/>
-            </a:pPr>
-            <a:r>
-              <a:rPr lang="fr" sz="2500" b="1" i="0" u="none" strike="noStrike" cap="none">
-                <a:solidFill>
-                  <a:schemeClr val="dk1"/>
-                </a:solidFill>
-                <a:latin typeface="Times New Roman"/>
-                <a:ea typeface="Times New Roman"/>
-                <a:cs typeface="Times New Roman"/>
-                <a:sym typeface="Times New Roman"/>
-              </a:rPr>
-              <a:t>93% have compputer</a:t>
-            </a:r>
-            <a:endParaRPr sz="2500" b="1" i="0" u="none" strike="noStrike" cap="none">
-              <a:solidFill>
-                <a:schemeClr val="dk1"/>
-              </a:solidFill>
-              <a:latin typeface="Times New Roman"/>
-              <a:ea typeface="Times New Roman"/>
-              <a:cs typeface="Times New Roman"/>
-              <a:sym typeface="Times New Roman"/>
-            </a:endParaRPr>
-          </a:p>
-        </p:txBody>
-      </p:sp>
-      <p:pic>
-        <p:nvPicPr>
-          <p:cNvPr id="154" name="Google Shape;154;p27"/>
-          <p:cNvPicPr preferRelativeResize="0"/>
-          <p:nvPr/>
-        </p:nvPicPr>
-        <p:blipFill rotWithShape="1">
-          <a:blip r:embed="rId3">
-            <a:alphaModFix/>
-          </a:blip>
-          <a:srcRect/>
-          <a:stretch/>
-        </p:blipFill>
-        <p:spPr>
-          <a:xfrm>
-            <a:off x="821745" y="1346776"/>
-            <a:ext cx="4463434" cy="2878200"/>
-          </a:xfrm>
-          <a:prstGeom prst="rect">
-            <a:avLst/>
-          </a:prstGeom>
-          <a:noFill/>
-          <a:ln>
-            <a:noFill/>
-          </a:ln>
-        </p:spPr>
-      </p:pic>
     </p:spTree>
   </p:cSld>
   <p:clrMapOvr>
